--- a/01_doc/Presentations/Dossier 2022-2023 Julien/Présentation Soutenance de stage.pptx
+++ b/01_doc/Presentations/Dossier 2022-2023 Julien/Présentation Soutenance de stage.pptx
@@ -7,10 +7,17 @@
   <p:sldIdLst>
     <p:sldId id="256" r:id="rId2"/>
     <p:sldId id="263" r:id="rId3"/>
-    <p:sldId id="257" r:id="rId4"/>
-    <p:sldId id="262" r:id="rId5"/>
-    <p:sldId id="258" r:id="rId6"/>
-    <p:sldId id="261" r:id="rId7"/>
+    <p:sldId id="264" r:id="rId4"/>
+    <p:sldId id="265" r:id="rId5"/>
+    <p:sldId id="257" r:id="rId6"/>
+    <p:sldId id="262" r:id="rId7"/>
+    <p:sldId id="258" r:id="rId8"/>
+    <p:sldId id="261" r:id="rId9"/>
+    <p:sldId id="266" r:id="rId10"/>
+    <p:sldId id="267" r:id="rId11"/>
+    <p:sldId id="268" r:id="rId12"/>
+    <p:sldId id="269" r:id="rId13"/>
+    <p:sldId id="270" r:id="rId14"/>
   </p:sldIdLst>
   <p:sldSz cx="12192000" cy="6858000"/>
   <p:notesSz cx="6858000" cy="9144000"/>
@@ -3508,7 +3515,7 @@
 </p:sld>
 </file>
 
-<file path=ppt/slides/slide2.xml><?xml version="1.0" encoding="utf-8"?>
+<file path=ppt/slides/slide10.xml><?xml version="1.0" encoding="utf-8"?>
 <p:sld xmlns:a="http://schemas.openxmlformats.org/drawingml/2006/main" xmlns:r="http://schemas.openxmlformats.org/officeDocument/2006/relationships" xmlns:p="http://schemas.openxmlformats.org/presentationml/2006/main">
   <p:cSld>
     <p:spTree>
@@ -3530,7 +3537,7 @@
           <p:cNvPr id="4" name="Image 3" descr="Une image contenant texte, arts de la table, vaisselle, assiette&#10;&#10;Description générée automatiquement">
             <a:extLst>
               <a:ext uri="{FF2B5EF4-FFF2-40B4-BE49-F238E27FC236}">
-                <a16:creationId xmlns:a16="http://schemas.microsoft.com/office/drawing/2014/main" id="{A45D33CD-7C64-869A-00D9-CC1EFE4E5DB1}"/>
+                <a16:creationId xmlns:a16="http://schemas.microsoft.com/office/drawing/2014/main" id="{99B7AE89-BE0E-23F5-07B2-C33B0BCF8341}"/>
               </a:ext>
             </a:extLst>
           </p:cNvPr>
@@ -3566,7 +3573,7 @@
           <p:cNvPr id="5" name="Image 4" descr="@InnovationLab-EFREIParis">
             <a:extLst>
               <a:ext uri="{FF2B5EF4-FFF2-40B4-BE49-F238E27FC236}">
-                <a16:creationId xmlns:a16="http://schemas.microsoft.com/office/drawing/2014/main" id="{AA166CD8-277A-72C3-D363-30970CC748D1}"/>
+                <a16:creationId xmlns:a16="http://schemas.microsoft.com/office/drawing/2014/main" id="{428F884D-1D1B-8DB2-11A1-B345DDD5F94E}"/>
               </a:ext>
             </a:extLst>
           </p:cNvPr>
@@ -3607,7 +3614,7 @@
           <p:cNvPr id="6" name="Titre 1">
             <a:extLst>
               <a:ext uri="{FF2B5EF4-FFF2-40B4-BE49-F238E27FC236}">
-                <a16:creationId xmlns:a16="http://schemas.microsoft.com/office/drawing/2014/main" id="{A35A0483-D8FC-C638-2047-F1B67F40E2C3}"/>
+                <a16:creationId xmlns:a16="http://schemas.microsoft.com/office/drawing/2014/main" id="{13554C49-B371-CEDF-EF4B-DF05A1D60454}"/>
               </a:ext>
             </a:extLst>
           </p:cNvPr>
@@ -3629,8 +3636,8 @@
           <a:lstStyle/>
           <a:p>
             <a:r>
-              <a:rPr lang="en-US"/>
-              <a:t>Working environment</a:t>
+              <a:rPr lang="fr-FR" dirty="0"/>
+              <a:t>Conclusion</a:t>
             </a:r>
           </a:p>
         </p:txBody>
@@ -3640,7 +3647,7 @@
           <p:cNvPr id="7" name="Espace réservé du contenu 2">
             <a:extLst>
               <a:ext uri="{FF2B5EF4-FFF2-40B4-BE49-F238E27FC236}">
-                <a16:creationId xmlns:a16="http://schemas.microsoft.com/office/drawing/2014/main" id="{701BF9C1-7683-5B90-88B5-D73F3828EC4B}"/>
+                <a16:creationId xmlns:a16="http://schemas.microsoft.com/office/drawing/2014/main" id="{FFDB4A52-45D1-F796-7D5F-92AD55FCC9F2}"/>
               </a:ext>
             </a:extLst>
           </p:cNvPr>
@@ -3662,9 +3669,2213 @@
           <a:lstStyle/>
           <a:p>
             <a:r>
-              <a:rPr lang="en-US" u="sng"/>
-              <a:t> :</a:t>
-            </a:r>
+              <a:rPr lang="fr-FR" u="sng" dirty="0"/>
+              <a:t>Intérêt pour l’entreprise:</a:t>
+            </a:r>
+          </a:p>
+          <a:p>
+            <a:pPr>
+              <a:buFont typeface="Wingdings" panose="05000000000000000000" pitchFamily="2" charset="2"/>
+              <a:buChar char="Ø"/>
+            </a:pPr>
+            <a:r>
+              <a:rPr lang="fr-FR" dirty="0"/>
+              <a:t>Déploiement possible du projet pour des premiers cours/TP.</a:t>
+            </a:r>
+          </a:p>
+          <a:p>
+            <a:pPr>
+              <a:buFont typeface="Wingdings" panose="05000000000000000000" pitchFamily="2" charset="2"/>
+              <a:buChar char="Ø"/>
+            </a:pPr>
+            <a:r>
+              <a:rPr lang="fr-FR" dirty="0"/>
+              <a:t>Projet « vitrine » pour l’I’Lab.</a:t>
+            </a:r>
+          </a:p>
+          <a:p>
+            <a:r>
+              <a:rPr lang="fr-FR" u="sng" dirty="0"/>
+              <a:t>Apport personnel:</a:t>
+            </a:r>
+          </a:p>
+          <a:p>
+            <a:pPr>
+              <a:buFont typeface="Wingdings" panose="05000000000000000000" pitchFamily="2" charset="2"/>
+              <a:buChar char="Ø"/>
+            </a:pPr>
+            <a:r>
+              <a:rPr lang="en-US" dirty="0"/>
+              <a:t>Hard Skills </a:t>
+            </a:r>
+            <a:r>
+              <a:rPr lang="fr-FR" dirty="0"/>
+              <a:t>: Python, C, STM32, SolidWorks.</a:t>
+            </a:r>
+            <a:endParaRPr lang="fr-FR" dirty="0">
+              <a:solidFill>
+                <a:schemeClr val="accent1">
+                  <a:lumMod val="75000"/>
+                </a:schemeClr>
+              </a:solidFill>
+            </a:endParaRPr>
+          </a:p>
+          <a:p>
+            <a:pPr>
+              <a:buFont typeface="Wingdings" panose="05000000000000000000" pitchFamily="2" charset="2"/>
+              <a:buChar char="Ø"/>
+            </a:pPr>
+            <a:r>
+              <a:rPr lang="en-US" dirty="0"/>
+              <a:t>Soft Skills </a:t>
+            </a:r>
+            <a:r>
+              <a:rPr lang="fr-FR" dirty="0"/>
+              <a:t>: Adaptation, Prise de décisions, Aisance à l’oral.</a:t>
+            </a:r>
+          </a:p>
+        </p:txBody>
+      </p:sp>
+      <p:grpSp>
+        <p:nvGrpSpPr>
+          <p:cNvPr id="11" name="Groupe 10">
+            <a:extLst>
+              <a:ext uri="{FF2B5EF4-FFF2-40B4-BE49-F238E27FC236}">
+                <a16:creationId xmlns:a16="http://schemas.microsoft.com/office/drawing/2014/main" id="{04A92412-771A-CA57-1445-1AE8526D64A7}"/>
+              </a:ext>
+            </a:extLst>
+          </p:cNvPr>
+          <p:cNvGrpSpPr/>
+          <p:nvPr/>
+        </p:nvGrpSpPr>
+        <p:grpSpPr>
+          <a:xfrm>
+            <a:off x="7427288" y="4314161"/>
+            <a:ext cx="1976282" cy="602822"/>
+            <a:chOff x="7238510" y="4409808"/>
+            <a:chExt cx="1976282" cy="602822"/>
+          </a:xfrm>
+        </p:grpSpPr>
+        <p:sp>
+          <p:nvSpPr>
+            <p:cNvPr id="8" name="Flèche : bas 7">
+              <a:extLst>
+                <a:ext uri="{FF2B5EF4-FFF2-40B4-BE49-F238E27FC236}">
+                  <a16:creationId xmlns:a16="http://schemas.microsoft.com/office/drawing/2014/main" id="{0A96FA2F-FD2F-C159-A1BC-3317853D7EE2}"/>
+                </a:ext>
+              </a:extLst>
+            </p:cNvPr>
+            <p:cNvSpPr/>
+            <p:nvPr/>
+          </p:nvSpPr>
+          <p:spPr>
+            <a:xfrm rot="10800000">
+              <a:off x="8790039" y="4409808"/>
+              <a:ext cx="424753" cy="487713"/>
+            </a:xfrm>
+            <a:prstGeom prst="downArrow">
+              <a:avLst/>
+            </a:prstGeom>
+            <a:solidFill>
+              <a:schemeClr val="accent1">
+                <a:lumMod val="75000"/>
+              </a:schemeClr>
+            </a:solidFill>
+            <a:ln>
+              <a:solidFill>
+                <a:schemeClr val="accent1">
+                  <a:lumMod val="75000"/>
+                </a:schemeClr>
+              </a:solidFill>
+            </a:ln>
+          </p:spPr>
+          <p:style>
+            <a:lnRef idx="2">
+              <a:schemeClr val="accent1">
+                <a:shade val="50000"/>
+              </a:schemeClr>
+            </a:lnRef>
+            <a:fillRef idx="1">
+              <a:schemeClr val="accent1"/>
+            </a:fillRef>
+            <a:effectRef idx="0">
+              <a:schemeClr val="accent1"/>
+            </a:effectRef>
+            <a:fontRef idx="minor">
+              <a:schemeClr val="lt1"/>
+            </a:fontRef>
+          </p:style>
+          <p:txBody>
+            <a:bodyPr rtlCol="0" anchor="ctr"/>
+            <a:lstStyle/>
+            <a:p>
+              <a:pPr algn="ctr"/>
+              <a:endParaRPr lang="fr-FR"/>
+            </a:p>
+          </p:txBody>
+        </p:sp>
+        <p:sp>
+          <p:nvSpPr>
+            <p:cNvPr id="10" name="ZoneTexte 9">
+              <a:extLst>
+                <a:ext uri="{FF2B5EF4-FFF2-40B4-BE49-F238E27FC236}">
+                  <a16:creationId xmlns:a16="http://schemas.microsoft.com/office/drawing/2014/main" id="{C6856DC8-B27D-5816-192E-8F0CC7A38098}"/>
+                </a:ext>
+              </a:extLst>
+            </p:cNvPr>
+            <p:cNvSpPr txBox="1"/>
+            <p:nvPr/>
+          </p:nvSpPr>
+          <p:spPr>
+            <a:xfrm>
+              <a:off x="7238510" y="4489410"/>
+              <a:ext cx="1551530" cy="523220"/>
+            </a:xfrm>
+            <a:prstGeom prst="rect">
+              <a:avLst/>
+            </a:prstGeom>
+            <a:noFill/>
+          </p:spPr>
+          <p:txBody>
+            <a:bodyPr wrap="square" rtlCol="0">
+              <a:spAutoFit/>
+            </a:bodyPr>
+            <a:lstStyle/>
+            <a:p>
+              <a:r>
+                <a:rPr lang="fr-FR" sz="2800" dirty="0">
+                  <a:solidFill>
+                    <a:schemeClr val="accent1">
+                      <a:lumMod val="75000"/>
+                    </a:schemeClr>
+                  </a:solidFill>
+                </a:rPr>
+                <a:t>LEVEL UP</a:t>
+              </a:r>
+              <a:endParaRPr lang="fr-FR" sz="2800" dirty="0"/>
+            </a:p>
+          </p:txBody>
+        </p:sp>
+      </p:grpSp>
+    </p:spTree>
+    <p:extLst>
+      <p:ext uri="{BB962C8B-B14F-4D97-AF65-F5344CB8AC3E}">
+        <p14:creationId xmlns:p14="http://schemas.microsoft.com/office/powerpoint/2010/main" val="3684414960"/>
+      </p:ext>
+    </p:extLst>
+  </p:cSld>
+  <p:clrMapOvr>
+    <a:masterClrMapping/>
+  </p:clrMapOvr>
+  <p:timing>
+    <p:tnLst>
+      <p:par>
+        <p:cTn id="1" dur="indefinite" restart="never" nodeType="tmRoot">
+          <p:childTnLst>
+            <p:seq concurrent="1" nextAc="seek">
+              <p:cTn id="2" dur="indefinite" nodeType="mainSeq">
+                <p:childTnLst>
+                  <p:par>
+                    <p:cTn id="3" fill="hold">
+                      <p:stCondLst>
+                        <p:cond delay="indefinite"/>
+                      </p:stCondLst>
+                      <p:childTnLst>
+                        <p:par>
+                          <p:cTn id="4" fill="hold">
+                            <p:stCondLst>
+                              <p:cond delay="0"/>
+                            </p:stCondLst>
+                            <p:childTnLst>
+                              <p:par>
+                                <p:cTn id="5" presetID="22" presetClass="entr" presetSubtype="1" fill="hold" nodeType="clickEffect">
+                                  <p:stCondLst>
+                                    <p:cond delay="0"/>
+                                  </p:stCondLst>
+                                  <p:childTnLst>
+                                    <p:set>
+                                      <p:cBhvr>
+                                        <p:cTn id="6" dur="1" fill="hold">
+                                          <p:stCondLst>
+                                            <p:cond delay="0"/>
+                                          </p:stCondLst>
+                                        </p:cTn>
+                                        <p:tgtEl>
+                                          <p:spTgt spid="7">
+                                            <p:txEl>
+                                              <p:pRg st="0" end="0"/>
+                                            </p:txEl>
+                                          </p:spTgt>
+                                        </p:tgtEl>
+                                        <p:attrNameLst>
+                                          <p:attrName>style.visibility</p:attrName>
+                                        </p:attrNameLst>
+                                      </p:cBhvr>
+                                      <p:to>
+                                        <p:strVal val="visible"/>
+                                      </p:to>
+                                    </p:set>
+                                    <p:animEffect transition="in" filter="wipe(up)">
+                                      <p:cBhvr>
+                                        <p:cTn id="7" dur="500"/>
+                                        <p:tgtEl>
+                                          <p:spTgt spid="7">
+                                            <p:txEl>
+                                              <p:pRg st="0" end="0"/>
+                                            </p:txEl>
+                                          </p:spTgt>
+                                        </p:tgtEl>
+                                      </p:cBhvr>
+                                    </p:animEffect>
+                                  </p:childTnLst>
+                                </p:cTn>
+                              </p:par>
+                            </p:childTnLst>
+                          </p:cTn>
+                        </p:par>
+                      </p:childTnLst>
+                    </p:cTn>
+                  </p:par>
+                  <p:par>
+                    <p:cTn id="8" fill="hold">
+                      <p:stCondLst>
+                        <p:cond delay="indefinite"/>
+                      </p:stCondLst>
+                      <p:childTnLst>
+                        <p:par>
+                          <p:cTn id="9" fill="hold">
+                            <p:stCondLst>
+                              <p:cond delay="0"/>
+                            </p:stCondLst>
+                            <p:childTnLst>
+                              <p:par>
+                                <p:cTn id="10" presetID="22" presetClass="entr" presetSubtype="1" fill="hold" nodeType="clickEffect">
+                                  <p:stCondLst>
+                                    <p:cond delay="0"/>
+                                  </p:stCondLst>
+                                  <p:childTnLst>
+                                    <p:set>
+                                      <p:cBhvr>
+                                        <p:cTn id="11" dur="1" fill="hold">
+                                          <p:stCondLst>
+                                            <p:cond delay="0"/>
+                                          </p:stCondLst>
+                                        </p:cTn>
+                                        <p:tgtEl>
+                                          <p:spTgt spid="7">
+                                            <p:txEl>
+                                              <p:pRg st="1" end="1"/>
+                                            </p:txEl>
+                                          </p:spTgt>
+                                        </p:tgtEl>
+                                        <p:attrNameLst>
+                                          <p:attrName>style.visibility</p:attrName>
+                                        </p:attrNameLst>
+                                      </p:cBhvr>
+                                      <p:to>
+                                        <p:strVal val="visible"/>
+                                      </p:to>
+                                    </p:set>
+                                    <p:animEffect transition="in" filter="wipe(up)">
+                                      <p:cBhvr>
+                                        <p:cTn id="12" dur="500"/>
+                                        <p:tgtEl>
+                                          <p:spTgt spid="7">
+                                            <p:txEl>
+                                              <p:pRg st="1" end="1"/>
+                                            </p:txEl>
+                                          </p:spTgt>
+                                        </p:tgtEl>
+                                      </p:cBhvr>
+                                    </p:animEffect>
+                                  </p:childTnLst>
+                                </p:cTn>
+                              </p:par>
+                            </p:childTnLst>
+                          </p:cTn>
+                        </p:par>
+                      </p:childTnLst>
+                    </p:cTn>
+                  </p:par>
+                  <p:par>
+                    <p:cTn id="13" fill="hold">
+                      <p:stCondLst>
+                        <p:cond delay="indefinite"/>
+                      </p:stCondLst>
+                      <p:childTnLst>
+                        <p:par>
+                          <p:cTn id="14" fill="hold">
+                            <p:stCondLst>
+                              <p:cond delay="0"/>
+                            </p:stCondLst>
+                            <p:childTnLst>
+                              <p:par>
+                                <p:cTn id="15" presetID="22" presetClass="entr" presetSubtype="1" fill="hold" nodeType="clickEffect">
+                                  <p:stCondLst>
+                                    <p:cond delay="0"/>
+                                  </p:stCondLst>
+                                  <p:childTnLst>
+                                    <p:set>
+                                      <p:cBhvr>
+                                        <p:cTn id="16" dur="1" fill="hold">
+                                          <p:stCondLst>
+                                            <p:cond delay="0"/>
+                                          </p:stCondLst>
+                                        </p:cTn>
+                                        <p:tgtEl>
+                                          <p:spTgt spid="7">
+                                            <p:txEl>
+                                              <p:pRg st="2" end="2"/>
+                                            </p:txEl>
+                                          </p:spTgt>
+                                        </p:tgtEl>
+                                        <p:attrNameLst>
+                                          <p:attrName>style.visibility</p:attrName>
+                                        </p:attrNameLst>
+                                      </p:cBhvr>
+                                      <p:to>
+                                        <p:strVal val="visible"/>
+                                      </p:to>
+                                    </p:set>
+                                    <p:animEffect transition="in" filter="wipe(up)">
+                                      <p:cBhvr>
+                                        <p:cTn id="17" dur="500"/>
+                                        <p:tgtEl>
+                                          <p:spTgt spid="7">
+                                            <p:txEl>
+                                              <p:pRg st="2" end="2"/>
+                                            </p:txEl>
+                                          </p:spTgt>
+                                        </p:tgtEl>
+                                      </p:cBhvr>
+                                    </p:animEffect>
+                                  </p:childTnLst>
+                                </p:cTn>
+                              </p:par>
+                            </p:childTnLst>
+                          </p:cTn>
+                        </p:par>
+                      </p:childTnLst>
+                    </p:cTn>
+                  </p:par>
+                  <p:par>
+                    <p:cTn id="18" fill="hold">
+                      <p:stCondLst>
+                        <p:cond delay="indefinite"/>
+                      </p:stCondLst>
+                      <p:childTnLst>
+                        <p:par>
+                          <p:cTn id="19" fill="hold">
+                            <p:stCondLst>
+                              <p:cond delay="0"/>
+                            </p:stCondLst>
+                            <p:childTnLst>
+                              <p:par>
+                                <p:cTn id="20" presetID="22" presetClass="entr" presetSubtype="1" fill="hold" nodeType="clickEffect">
+                                  <p:stCondLst>
+                                    <p:cond delay="0"/>
+                                  </p:stCondLst>
+                                  <p:childTnLst>
+                                    <p:set>
+                                      <p:cBhvr>
+                                        <p:cTn id="21" dur="1" fill="hold">
+                                          <p:stCondLst>
+                                            <p:cond delay="0"/>
+                                          </p:stCondLst>
+                                        </p:cTn>
+                                        <p:tgtEl>
+                                          <p:spTgt spid="7">
+                                            <p:txEl>
+                                              <p:pRg st="3" end="3"/>
+                                            </p:txEl>
+                                          </p:spTgt>
+                                        </p:tgtEl>
+                                        <p:attrNameLst>
+                                          <p:attrName>style.visibility</p:attrName>
+                                        </p:attrNameLst>
+                                      </p:cBhvr>
+                                      <p:to>
+                                        <p:strVal val="visible"/>
+                                      </p:to>
+                                    </p:set>
+                                    <p:animEffect transition="in" filter="wipe(up)">
+                                      <p:cBhvr>
+                                        <p:cTn id="22" dur="500"/>
+                                        <p:tgtEl>
+                                          <p:spTgt spid="7">
+                                            <p:txEl>
+                                              <p:pRg st="3" end="3"/>
+                                            </p:txEl>
+                                          </p:spTgt>
+                                        </p:tgtEl>
+                                      </p:cBhvr>
+                                    </p:animEffect>
+                                  </p:childTnLst>
+                                </p:cTn>
+                              </p:par>
+                            </p:childTnLst>
+                          </p:cTn>
+                        </p:par>
+                      </p:childTnLst>
+                    </p:cTn>
+                  </p:par>
+                  <p:par>
+                    <p:cTn id="23" fill="hold">
+                      <p:stCondLst>
+                        <p:cond delay="indefinite"/>
+                      </p:stCondLst>
+                      <p:childTnLst>
+                        <p:par>
+                          <p:cTn id="24" fill="hold">
+                            <p:stCondLst>
+                              <p:cond delay="0"/>
+                            </p:stCondLst>
+                            <p:childTnLst>
+                              <p:par>
+                                <p:cTn id="25" presetID="22" presetClass="entr" presetSubtype="1" fill="hold" nodeType="clickEffect">
+                                  <p:stCondLst>
+                                    <p:cond delay="0"/>
+                                  </p:stCondLst>
+                                  <p:childTnLst>
+                                    <p:set>
+                                      <p:cBhvr>
+                                        <p:cTn id="26" dur="1" fill="hold">
+                                          <p:stCondLst>
+                                            <p:cond delay="0"/>
+                                          </p:stCondLst>
+                                        </p:cTn>
+                                        <p:tgtEl>
+                                          <p:spTgt spid="7">
+                                            <p:txEl>
+                                              <p:pRg st="4" end="4"/>
+                                            </p:txEl>
+                                          </p:spTgt>
+                                        </p:tgtEl>
+                                        <p:attrNameLst>
+                                          <p:attrName>style.visibility</p:attrName>
+                                        </p:attrNameLst>
+                                      </p:cBhvr>
+                                      <p:to>
+                                        <p:strVal val="visible"/>
+                                      </p:to>
+                                    </p:set>
+                                    <p:animEffect transition="in" filter="wipe(up)">
+                                      <p:cBhvr>
+                                        <p:cTn id="27" dur="500"/>
+                                        <p:tgtEl>
+                                          <p:spTgt spid="7">
+                                            <p:txEl>
+                                              <p:pRg st="4" end="4"/>
+                                            </p:txEl>
+                                          </p:spTgt>
+                                        </p:tgtEl>
+                                      </p:cBhvr>
+                                    </p:animEffect>
+                                  </p:childTnLst>
+                                </p:cTn>
+                              </p:par>
+                            </p:childTnLst>
+                          </p:cTn>
+                        </p:par>
+                      </p:childTnLst>
+                    </p:cTn>
+                  </p:par>
+                  <p:par>
+                    <p:cTn id="28" fill="hold">
+                      <p:stCondLst>
+                        <p:cond delay="indefinite"/>
+                      </p:stCondLst>
+                      <p:childTnLst>
+                        <p:par>
+                          <p:cTn id="29" fill="hold">
+                            <p:stCondLst>
+                              <p:cond delay="0"/>
+                            </p:stCondLst>
+                            <p:childTnLst>
+                              <p:par>
+                                <p:cTn id="30" presetID="2" presetClass="entr" presetSubtype="4" fill="hold" nodeType="clickEffect">
+                                  <p:stCondLst>
+                                    <p:cond delay="0"/>
+                                  </p:stCondLst>
+                                  <p:childTnLst>
+                                    <p:set>
+                                      <p:cBhvr>
+                                        <p:cTn id="31" dur="1" fill="hold">
+                                          <p:stCondLst>
+                                            <p:cond delay="0"/>
+                                          </p:stCondLst>
+                                        </p:cTn>
+                                        <p:tgtEl>
+                                          <p:spTgt spid="11"/>
+                                        </p:tgtEl>
+                                        <p:attrNameLst>
+                                          <p:attrName>style.visibility</p:attrName>
+                                        </p:attrNameLst>
+                                      </p:cBhvr>
+                                      <p:to>
+                                        <p:strVal val="visible"/>
+                                      </p:to>
+                                    </p:set>
+                                    <p:anim calcmode="lin" valueType="num">
+                                      <p:cBhvr additive="base">
+                                        <p:cTn id="32" dur="500" fill="hold"/>
+                                        <p:tgtEl>
+                                          <p:spTgt spid="11"/>
+                                        </p:tgtEl>
+                                        <p:attrNameLst>
+                                          <p:attrName>ppt_x</p:attrName>
+                                        </p:attrNameLst>
+                                      </p:cBhvr>
+                                      <p:tavLst>
+                                        <p:tav tm="0">
+                                          <p:val>
+                                            <p:strVal val="#ppt_x"/>
+                                          </p:val>
+                                        </p:tav>
+                                        <p:tav tm="100000">
+                                          <p:val>
+                                            <p:strVal val="#ppt_x"/>
+                                          </p:val>
+                                        </p:tav>
+                                      </p:tavLst>
+                                    </p:anim>
+                                    <p:anim calcmode="lin" valueType="num">
+                                      <p:cBhvr additive="base">
+                                        <p:cTn id="33" dur="500" fill="hold"/>
+                                        <p:tgtEl>
+                                          <p:spTgt spid="11"/>
+                                        </p:tgtEl>
+                                        <p:attrNameLst>
+                                          <p:attrName>ppt_y</p:attrName>
+                                        </p:attrNameLst>
+                                      </p:cBhvr>
+                                      <p:tavLst>
+                                        <p:tav tm="0">
+                                          <p:val>
+                                            <p:strVal val="1+#ppt_h/2"/>
+                                          </p:val>
+                                        </p:tav>
+                                        <p:tav tm="100000">
+                                          <p:val>
+                                            <p:strVal val="#ppt_y"/>
+                                          </p:val>
+                                        </p:tav>
+                                      </p:tavLst>
+                                    </p:anim>
+                                  </p:childTnLst>
+                                </p:cTn>
+                              </p:par>
+                            </p:childTnLst>
+                          </p:cTn>
+                        </p:par>
+                      </p:childTnLst>
+                    </p:cTn>
+                  </p:par>
+                  <p:par>
+                    <p:cTn id="34" fill="hold">
+                      <p:stCondLst>
+                        <p:cond delay="indefinite"/>
+                      </p:stCondLst>
+                      <p:childTnLst>
+                        <p:par>
+                          <p:cTn id="35" fill="hold">
+                            <p:stCondLst>
+                              <p:cond delay="0"/>
+                            </p:stCondLst>
+                            <p:childTnLst>
+                              <p:par>
+                                <p:cTn id="36" presetID="22" presetClass="entr" presetSubtype="1" fill="hold" nodeType="clickEffect">
+                                  <p:stCondLst>
+                                    <p:cond delay="0"/>
+                                  </p:stCondLst>
+                                  <p:childTnLst>
+                                    <p:set>
+                                      <p:cBhvr>
+                                        <p:cTn id="37" dur="1" fill="hold">
+                                          <p:stCondLst>
+                                            <p:cond delay="0"/>
+                                          </p:stCondLst>
+                                        </p:cTn>
+                                        <p:tgtEl>
+                                          <p:spTgt spid="7">
+                                            <p:txEl>
+                                              <p:pRg st="5" end="5"/>
+                                            </p:txEl>
+                                          </p:spTgt>
+                                        </p:tgtEl>
+                                        <p:attrNameLst>
+                                          <p:attrName>style.visibility</p:attrName>
+                                        </p:attrNameLst>
+                                      </p:cBhvr>
+                                      <p:to>
+                                        <p:strVal val="visible"/>
+                                      </p:to>
+                                    </p:set>
+                                    <p:animEffect transition="in" filter="wipe(up)">
+                                      <p:cBhvr>
+                                        <p:cTn id="38" dur="500"/>
+                                        <p:tgtEl>
+                                          <p:spTgt spid="7">
+                                            <p:txEl>
+                                              <p:pRg st="5" end="5"/>
+                                            </p:txEl>
+                                          </p:spTgt>
+                                        </p:tgtEl>
+                                      </p:cBhvr>
+                                    </p:animEffect>
+                                  </p:childTnLst>
+                                </p:cTn>
+                              </p:par>
+                            </p:childTnLst>
+                          </p:cTn>
+                        </p:par>
+                      </p:childTnLst>
+                    </p:cTn>
+                  </p:par>
+                  <p:par>
+                    <p:cTn id="39" fill="hold">
+                      <p:stCondLst>
+                        <p:cond delay="indefinite"/>
+                      </p:stCondLst>
+                      <p:childTnLst>
+                        <p:par>
+                          <p:cTn id="40" fill="hold">
+                            <p:stCondLst>
+                              <p:cond delay="0"/>
+                            </p:stCondLst>
+                            <p:childTnLst>
+                              <p:par>
+                                <p:cTn id="41" presetID="32" presetClass="emph" presetSubtype="0" fill="hold" nodeType="clickEffect">
+                                  <p:stCondLst>
+                                    <p:cond delay="0"/>
+                                  </p:stCondLst>
+                                  <p:childTnLst>
+                                    <p:animRot by="120000">
+                                      <p:cBhvr>
+                                        <p:cTn id="42" dur="100" fill="hold">
+                                          <p:stCondLst>
+                                            <p:cond delay="0"/>
+                                          </p:stCondLst>
+                                        </p:cTn>
+                                        <p:tgtEl>
+                                          <p:spTgt spid="11"/>
+                                        </p:tgtEl>
+                                        <p:attrNameLst>
+                                          <p:attrName>r</p:attrName>
+                                        </p:attrNameLst>
+                                      </p:cBhvr>
+                                    </p:animRot>
+                                    <p:animRot by="-240000">
+                                      <p:cBhvr>
+                                        <p:cTn id="43" dur="200" fill="hold">
+                                          <p:stCondLst>
+                                            <p:cond delay="200"/>
+                                          </p:stCondLst>
+                                        </p:cTn>
+                                        <p:tgtEl>
+                                          <p:spTgt spid="11"/>
+                                        </p:tgtEl>
+                                        <p:attrNameLst>
+                                          <p:attrName>r</p:attrName>
+                                        </p:attrNameLst>
+                                      </p:cBhvr>
+                                    </p:animRot>
+                                    <p:animRot by="240000">
+                                      <p:cBhvr>
+                                        <p:cTn id="44" dur="200" fill="hold">
+                                          <p:stCondLst>
+                                            <p:cond delay="400"/>
+                                          </p:stCondLst>
+                                        </p:cTn>
+                                        <p:tgtEl>
+                                          <p:spTgt spid="11"/>
+                                        </p:tgtEl>
+                                        <p:attrNameLst>
+                                          <p:attrName>r</p:attrName>
+                                        </p:attrNameLst>
+                                      </p:cBhvr>
+                                    </p:animRot>
+                                    <p:animRot by="-240000">
+                                      <p:cBhvr>
+                                        <p:cTn id="45" dur="200" fill="hold">
+                                          <p:stCondLst>
+                                            <p:cond delay="600"/>
+                                          </p:stCondLst>
+                                        </p:cTn>
+                                        <p:tgtEl>
+                                          <p:spTgt spid="11"/>
+                                        </p:tgtEl>
+                                        <p:attrNameLst>
+                                          <p:attrName>r</p:attrName>
+                                        </p:attrNameLst>
+                                      </p:cBhvr>
+                                    </p:animRot>
+                                    <p:animRot by="120000">
+                                      <p:cBhvr>
+                                        <p:cTn id="46" dur="200" fill="hold">
+                                          <p:stCondLst>
+                                            <p:cond delay="800"/>
+                                          </p:stCondLst>
+                                        </p:cTn>
+                                        <p:tgtEl>
+                                          <p:spTgt spid="11"/>
+                                        </p:tgtEl>
+                                        <p:attrNameLst>
+                                          <p:attrName>r</p:attrName>
+                                        </p:attrNameLst>
+                                      </p:cBhvr>
+                                    </p:animRot>
+                                  </p:childTnLst>
+                                </p:cTn>
+                              </p:par>
+                            </p:childTnLst>
+                          </p:cTn>
+                        </p:par>
+                      </p:childTnLst>
+                    </p:cTn>
+                  </p:par>
+                </p:childTnLst>
+              </p:cTn>
+              <p:prevCondLst>
+                <p:cond evt="onPrev" delay="0">
+                  <p:tgtEl>
+                    <p:sldTgt/>
+                  </p:tgtEl>
+                </p:cond>
+              </p:prevCondLst>
+              <p:nextCondLst>
+                <p:cond evt="onNext" delay="0">
+                  <p:tgtEl>
+                    <p:sldTgt/>
+                  </p:tgtEl>
+                </p:cond>
+              </p:nextCondLst>
+            </p:seq>
+          </p:childTnLst>
+        </p:cTn>
+      </p:par>
+    </p:tnLst>
+  </p:timing>
+</p:sld>
+</file>
+
+<file path=ppt/slides/slide11.xml><?xml version="1.0" encoding="utf-8"?>
+<p:sld xmlns:a="http://schemas.openxmlformats.org/drawingml/2006/main" xmlns:r="http://schemas.openxmlformats.org/officeDocument/2006/relationships" xmlns:p="http://schemas.openxmlformats.org/presentationml/2006/main">
+  <p:cSld>
+    <p:spTree>
+      <p:nvGrpSpPr>
+        <p:cNvPr id="1" name=""/>
+        <p:cNvGrpSpPr/>
+        <p:nvPr/>
+      </p:nvGrpSpPr>
+      <p:grpSpPr>
+        <a:xfrm>
+          <a:off x="0" y="0"/>
+          <a:ext cx="0" cy="0"/>
+          <a:chOff x="0" y="0"/>
+          <a:chExt cx="0" cy="0"/>
+        </a:xfrm>
+      </p:grpSpPr>
+      <p:pic>
+        <p:nvPicPr>
+          <p:cNvPr id="4" name="Image 3" descr="Une image contenant texte, arts de la table, vaisselle, assiette&#10;&#10;Description générée automatiquement">
+            <a:extLst>
+              <a:ext uri="{FF2B5EF4-FFF2-40B4-BE49-F238E27FC236}">
+                <a16:creationId xmlns:a16="http://schemas.microsoft.com/office/drawing/2014/main" id="{9612B18D-1C14-C5C6-6913-A07C2BDC2448}"/>
+              </a:ext>
+            </a:extLst>
+          </p:cNvPr>
+          <p:cNvPicPr>
+            <a:picLocks noChangeAspect="1"/>
+          </p:cNvPicPr>
+          <p:nvPr/>
+        </p:nvPicPr>
+        <p:blipFill>
+          <a:blip r:embed="rId2">
+            <a:extLst>
+              <a:ext uri="{28A0092B-C50C-407E-A947-70E740481C1C}">
+                <a14:useLocalDpi xmlns:a14="http://schemas.microsoft.com/office/drawing/2010/main" val="0"/>
+              </a:ext>
+            </a:extLst>
+          </a:blip>
+          <a:stretch>
+            <a:fillRect/>
+          </a:stretch>
+        </p:blipFill>
+        <p:spPr>
+          <a:xfrm>
+            <a:off x="162214" y="144551"/>
+            <a:ext cx="2095500" cy="695325"/>
+          </a:xfrm>
+          <a:prstGeom prst="rect">
+            <a:avLst/>
+          </a:prstGeom>
+        </p:spPr>
+      </p:pic>
+      <p:pic>
+        <p:nvPicPr>
+          <p:cNvPr id="5" name="Image 4" descr="@InnovationLab-EFREIParis">
+            <a:extLst>
+              <a:ext uri="{FF2B5EF4-FFF2-40B4-BE49-F238E27FC236}">
+                <a16:creationId xmlns:a16="http://schemas.microsoft.com/office/drawing/2014/main" id="{CE246666-B427-4261-9122-BF5A5B2B9A0B}"/>
+              </a:ext>
+            </a:extLst>
+          </p:cNvPr>
+          <p:cNvPicPr>
+            <a:picLocks noChangeAspect="1"/>
+          </p:cNvPicPr>
+          <p:nvPr/>
+        </p:nvPicPr>
+        <p:blipFill>
+          <a:blip r:embed="rId3">
+            <a:extLst>
+              <a:ext uri="{28A0092B-C50C-407E-A947-70E740481C1C}">
+                <a14:useLocalDpi xmlns:a14="http://schemas.microsoft.com/office/drawing/2010/main" val="0"/>
+              </a:ext>
+            </a:extLst>
+          </a:blip>
+          <a:srcRect/>
+          <a:stretch>
+            <a:fillRect/>
+          </a:stretch>
+        </p:blipFill>
+        <p:spPr bwMode="auto">
+          <a:xfrm>
+            <a:off x="10901500" y="13740"/>
+            <a:ext cx="956945" cy="956945"/>
+          </a:xfrm>
+          <a:prstGeom prst="rect">
+            <a:avLst/>
+          </a:prstGeom>
+          <a:noFill/>
+          <a:ln>
+            <a:noFill/>
+          </a:ln>
+        </p:spPr>
+      </p:pic>
+      <p:sp>
+        <p:nvSpPr>
+          <p:cNvPr id="6" name="Titre 1">
+            <a:extLst>
+              <a:ext uri="{FF2B5EF4-FFF2-40B4-BE49-F238E27FC236}">
+                <a16:creationId xmlns:a16="http://schemas.microsoft.com/office/drawing/2014/main" id="{1FFA7688-F2FE-90EE-57FC-596B1EF426B5}"/>
+              </a:ext>
+            </a:extLst>
+          </p:cNvPr>
+          <p:cNvSpPr>
+            <a:spLocks noGrp="1"/>
+          </p:cNvSpPr>
+          <p:nvPr>
+            <p:ph type="title"/>
+          </p:nvPr>
+        </p:nvSpPr>
+        <p:spPr>
+          <a:xfrm>
+            <a:off x="838200" y="917209"/>
+            <a:ext cx="10515600" cy="1325563"/>
+          </a:xfrm>
+        </p:spPr>
+        <p:txBody>
+          <a:bodyPr/>
+          <a:lstStyle/>
+          <a:p>
+            <a:r>
+              <a:rPr lang="fr-FR" dirty="0"/>
+              <a:t>Conclusion</a:t>
+            </a:r>
+          </a:p>
+        </p:txBody>
+      </p:sp>
+      <p:sp>
+        <p:nvSpPr>
+          <p:cNvPr id="7" name="Espace réservé du contenu 2">
+            <a:extLst>
+              <a:ext uri="{FF2B5EF4-FFF2-40B4-BE49-F238E27FC236}">
+                <a16:creationId xmlns:a16="http://schemas.microsoft.com/office/drawing/2014/main" id="{07B7C3F8-9544-E992-8F53-BD610DDF0C3D}"/>
+              </a:ext>
+            </a:extLst>
+          </p:cNvPr>
+          <p:cNvSpPr>
+            <a:spLocks noGrp="1"/>
+          </p:cNvSpPr>
+          <p:nvPr>
+            <p:ph idx="1"/>
+          </p:nvPr>
+        </p:nvSpPr>
+        <p:spPr>
+          <a:xfrm>
+            <a:off x="838200" y="2377709"/>
+            <a:ext cx="10515600" cy="4351338"/>
+          </a:xfrm>
+        </p:spPr>
+        <p:txBody>
+          <a:bodyPr/>
+          <a:lstStyle/>
+          <a:p>
+            <a:r>
+              <a:rPr lang="fr-FR" u="sng" dirty="0"/>
+              <a:t>Place du stage dans mon projet professionnel:</a:t>
+            </a:r>
+          </a:p>
+          <a:p>
+            <a:pPr>
+              <a:buFont typeface="Wingdings" panose="05000000000000000000" pitchFamily="2" charset="2"/>
+              <a:buChar char="Ø"/>
+            </a:pPr>
+            <a:r>
+              <a:rPr lang="fr-FR" dirty="0"/>
+              <a:t>1</a:t>
+            </a:r>
+            <a:r>
+              <a:rPr lang="fr-FR" baseline="30000" dirty="0"/>
+              <a:t>ère</a:t>
+            </a:r>
+            <a:r>
+              <a:rPr lang="fr-FR" dirty="0"/>
+              <a:t> expérience professionnelle en robotique &amp; drone (CV).</a:t>
+            </a:r>
+          </a:p>
+          <a:p>
+            <a:pPr>
+              <a:buFont typeface="Wingdings" panose="05000000000000000000" pitchFamily="2" charset="2"/>
+              <a:buChar char="Ø"/>
+            </a:pPr>
+            <a:r>
+              <a:rPr lang="fr-FR" dirty="0"/>
+              <a:t>Vient valider mon envie de travailler dans ce domaine.</a:t>
+            </a:r>
+          </a:p>
+          <a:p>
+            <a:pPr>
+              <a:buFont typeface="Wingdings" panose="05000000000000000000" pitchFamily="2" charset="2"/>
+              <a:buChar char="Ø"/>
+            </a:pPr>
+            <a:endParaRPr lang="fr-FR" dirty="0"/>
+          </a:p>
+        </p:txBody>
+      </p:sp>
+    </p:spTree>
+    <p:extLst>
+      <p:ext uri="{BB962C8B-B14F-4D97-AF65-F5344CB8AC3E}">
+        <p14:creationId xmlns:p14="http://schemas.microsoft.com/office/powerpoint/2010/main" val="1536210679"/>
+      </p:ext>
+    </p:extLst>
+  </p:cSld>
+  <p:clrMapOvr>
+    <a:masterClrMapping/>
+  </p:clrMapOvr>
+  <p:timing>
+    <p:tnLst>
+      <p:par>
+        <p:cTn id="1" dur="indefinite" restart="never" nodeType="tmRoot">
+          <p:childTnLst>
+            <p:seq concurrent="1" nextAc="seek">
+              <p:cTn id="2" dur="indefinite" nodeType="mainSeq">
+                <p:childTnLst>
+                  <p:par>
+                    <p:cTn id="3" fill="hold">
+                      <p:stCondLst>
+                        <p:cond delay="indefinite"/>
+                      </p:stCondLst>
+                      <p:childTnLst>
+                        <p:par>
+                          <p:cTn id="4" fill="hold">
+                            <p:stCondLst>
+                              <p:cond delay="0"/>
+                            </p:stCondLst>
+                            <p:childTnLst>
+                              <p:par>
+                                <p:cTn id="5" presetID="22" presetClass="entr" presetSubtype="1" fill="hold" nodeType="clickEffect">
+                                  <p:stCondLst>
+                                    <p:cond delay="0"/>
+                                  </p:stCondLst>
+                                  <p:childTnLst>
+                                    <p:set>
+                                      <p:cBhvr>
+                                        <p:cTn id="6" dur="1" fill="hold">
+                                          <p:stCondLst>
+                                            <p:cond delay="0"/>
+                                          </p:stCondLst>
+                                        </p:cTn>
+                                        <p:tgtEl>
+                                          <p:spTgt spid="7">
+                                            <p:txEl>
+                                              <p:pRg st="0" end="0"/>
+                                            </p:txEl>
+                                          </p:spTgt>
+                                        </p:tgtEl>
+                                        <p:attrNameLst>
+                                          <p:attrName>style.visibility</p:attrName>
+                                        </p:attrNameLst>
+                                      </p:cBhvr>
+                                      <p:to>
+                                        <p:strVal val="visible"/>
+                                      </p:to>
+                                    </p:set>
+                                    <p:animEffect transition="in" filter="wipe(up)">
+                                      <p:cBhvr>
+                                        <p:cTn id="7" dur="500"/>
+                                        <p:tgtEl>
+                                          <p:spTgt spid="7">
+                                            <p:txEl>
+                                              <p:pRg st="0" end="0"/>
+                                            </p:txEl>
+                                          </p:spTgt>
+                                        </p:tgtEl>
+                                      </p:cBhvr>
+                                    </p:animEffect>
+                                  </p:childTnLst>
+                                </p:cTn>
+                              </p:par>
+                            </p:childTnLst>
+                          </p:cTn>
+                        </p:par>
+                      </p:childTnLst>
+                    </p:cTn>
+                  </p:par>
+                  <p:par>
+                    <p:cTn id="8" fill="hold">
+                      <p:stCondLst>
+                        <p:cond delay="indefinite"/>
+                      </p:stCondLst>
+                      <p:childTnLst>
+                        <p:par>
+                          <p:cTn id="9" fill="hold">
+                            <p:stCondLst>
+                              <p:cond delay="0"/>
+                            </p:stCondLst>
+                            <p:childTnLst>
+                              <p:par>
+                                <p:cTn id="10" presetID="22" presetClass="entr" presetSubtype="1" fill="hold" nodeType="clickEffect">
+                                  <p:stCondLst>
+                                    <p:cond delay="0"/>
+                                  </p:stCondLst>
+                                  <p:childTnLst>
+                                    <p:set>
+                                      <p:cBhvr>
+                                        <p:cTn id="11" dur="1" fill="hold">
+                                          <p:stCondLst>
+                                            <p:cond delay="0"/>
+                                          </p:stCondLst>
+                                        </p:cTn>
+                                        <p:tgtEl>
+                                          <p:spTgt spid="7">
+                                            <p:txEl>
+                                              <p:pRg st="1" end="1"/>
+                                            </p:txEl>
+                                          </p:spTgt>
+                                        </p:tgtEl>
+                                        <p:attrNameLst>
+                                          <p:attrName>style.visibility</p:attrName>
+                                        </p:attrNameLst>
+                                      </p:cBhvr>
+                                      <p:to>
+                                        <p:strVal val="visible"/>
+                                      </p:to>
+                                    </p:set>
+                                    <p:animEffect transition="in" filter="wipe(up)">
+                                      <p:cBhvr>
+                                        <p:cTn id="12" dur="500"/>
+                                        <p:tgtEl>
+                                          <p:spTgt spid="7">
+                                            <p:txEl>
+                                              <p:pRg st="1" end="1"/>
+                                            </p:txEl>
+                                          </p:spTgt>
+                                        </p:tgtEl>
+                                      </p:cBhvr>
+                                    </p:animEffect>
+                                  </p:childTnLst>
+                                </p:cTn>
+                              </p:par>
+                            </p:childTnLst>
+                          </p:cTn>
+                        </p:par>
+                      </p:childTnLst>
+                    </p:cTn>
+                  </p:par>
+                  <p:par>
+                    <p:cTn id="13" fill="hold">
+                      <p:stCondLst>
+                        <p:cond delay="indefinite"/>
+                      </p:stCondLst>
+                      <p:childTnLst>
+                        <p:par>
+                          <p:cTn id="14" fill="hold">
+                            <p:stCondLst>
+                              <p:cond delay="0"/>
+                            </p:stCondLst>
+                            <p:childTnLst>
+                              <p:par>
+                                <p:cTn id="15" presetID="22" presetClass="entr" presetSubtype="1" fill="hold" nodeType="clickEffect">
+                                  <p:stCondLst>
+                                    <p:cond delay="0"/>
+                                  </p:stCondLst>
+                                  <p:childTnLst>
+                                    <p:set>
+                                      <p:cBhvr>
+                                        <p:cTn id="16" dur="1" fill="hold">
+                                          <p:stCondLst>
+                                            <p:cond delay="0"/>
+                                          </p:stCondLst>
+                                        </p:cTn>
+                                        <p:tgtEl>
+                                          <p:spTgt spid="7">
+                                            <p:txEl>
+                                              <p:pRg st="2" end="2"/>
+                                            </p:txEl>
+                                          </p:spTgt>
+                                        </p:tgtEl>
+                                        <p:attrNameLst>
+                                          <p:attrName>style.visibility</p:attrName>
+                                        </p:attrNameLst>
+                                      </p:cBhvr>
+                                      <p:to>
+                                        <p:strVal val="visible"/>
+                                      </p:to>
+                                    </p:set>
+                                    <p:animEffect transition="in" filter="wipe(up)">
+                                      <p:cBhvr>
+                                        <p:cTn id="17" dur="500"/>
+                                        <p:tgtEl>
+                                          <p:spTgt spid="7">
+                                            <p:txEl>
+                                              <p:pRg st="2" end="2"/>
+                                            </p:txEl>
+                                          </p:spTgt>
+                                        </p:tgtEl>
+                                      </p:cBhvr>
+                                    </p:animEffect>
+                                  </p:childTnLst>
+                                </p:cTn>
+                              </p:par>
+                            </p:childTnLst>
+                          </p:cTn>
+                        </p:par>
+                      </p:childTnLst>
+                    </p:cTn>
+                  </p:par>
+                </p:childTnLst>
+              </p:cTn>
+              <p:prevCondLst>
+                <p:cond evt="onPrev" delay="0">
+                  <p:tgtEl>
+                    <p:sldTgt/>
+                  </p:tgtEl>
+                </p:cond>
+              </p:prevCondLst>
+              <p:nextCondLst>
+                <p:cond evt="onNext" delay="0">
+                  <p:tgtEl>
+                    <p:sldTgt/>
+                  </p:tgtEl>
+                </p:cond>
+              </p:nextCondLst>
+            </p:seq>
+          </p:childTnLst>
+        </p:cTn>
+      </p:par>
+    </p:tnLst>
+  </p:timing>
+</p:sld>
+</file>
+
+<file path=ppt/slides/slide12.xml><?xml version="1.0" encoding="utf-8"?>
+<p:sld xmlns:a="http://schemas.openxmlformats.org/drawingml/2006/main" xmlns:r="http://schemas.openxmlformats.org/officeDocument/2006/relationships" xmlns:p="http://schemas.openxmlformats.org/presentationml/2006/main">
+  <p:cSld>
+    <p:spTree>
+      <p:nvGrpSpPr>
+        <p:cNvPr id="1" name=""/>
+        <p:cNvGrpSpPr/>
+        <p:nvPr/>
+      </p:nvGrpSpPr>
+      <p:grpSpPr>
+        <a:xfrm>
+          <a:off x="0" y="0"/>
+          <a:ext cx="0" cy="0"/>
+          <a:chOff x="0" y="0"/>
+          <a:chExt cx="0" cy="0"/>
+        </a:xfrm>
+      </p:grpSpPr>
+      <p:pic>
+        <p:nvPicPr>
+          <p:cNvPr id="4" name="Image 3" descr="Une image contenant texte, arts de la table, vaisselle, assiette&#10;&#10;Description générée automatiquement">
+            <a:extLst>
+              <a:ext uri="{FF2B5EF4-FFF2-40B4-BE49-F238E27FC236}">
+                <a16:creationId xmlns:a16="http://schemas.microsoft.com/office/drawing/2014/main" id="{61F71289-4CCB-BB70-3960-9F6C1960725E}"/>
+              </a:ext>
+            </a:extLst>
+          </p:cNvPr>
+          <p:cNvPicPr>
+            <a:picLocks noChangeAspect="1"/>
+          </p:cNvPicPr>
+          <p:nvPr/>
+        </p:nvPicPr>
+        <p:blipFill>
+          <a:blip r:embed="rId2">
+            <a:extLst>
+              <a:ext uri="{28A0092B-C50C-407E-A947-70E740481C1C}">
+                <a14:useLocalDpi xmlns:a14="http://schemas.microsoft.com/office/drawing/2010/main" val="0"/>
+              </a:ext>
+            </a:extLst>
+          </a:blip>
+          <a:stretch>
+            <a:fillRect/>
+          </a:stretch>
+        </p:blipFill>
+        <p:spPr>
+          <a:xfrm>
+            <a:off x="162214" y="144551"/>
+            <a:ext cx="2095500" cy="695325"/>
+          </a:xfrm>
+          <a:prstGeom prst="rect">
+            <a:avLst/>
+          </a:prstGeom>
+        </p:spPr>
+      </p:pic>
+      <p:pic>
+        <p:nvPicPr>
+          <p:cNvPr id="5" name="Image 4" descr="@InnovationLab-EFREIParis">
+            <a:extLst>
+              <a:ext uri="{FF2B5EF4-FFF2-40B4-BE49-F238E27FC236}">
+                <a16:creationId xmlns:a16="http://schemas.microsoft.com/office/drawing/2014/main" id="{FCE57007-405B-A60B-E0E4-26B303B246ED}"/>
+              </a:ext>
+            </a:extLst>
+          </p:cNvPr>
+          <p:cNvPicPr>
+            <a:picLocks noChangeAspect="1"/>
+          </p:cNvPicPr>
+          <p:nvPr/>
+        </p:nvPicPr>
+        <p:blipFill>
+          <a:blip r:embed="rId3">
+            <a:extLst>
+              <a:ext uri="{28A0092B-C50C-407E-A947-70E740481C1C}">
+                <a14:useLocalDpi xmlns:a14="http://schemas.microsoft.com/office/drawing/2010/main" val="0"/>
+              </a:ext>
+            </a:extLst>
+          </a:blip>
+          <a:srcRect/>
+          <a:stretch>
+            <a:fillRect/>
+          </a:stretch>
+        </p:blipFill>
+        <p:spPr bwMode="auto">
+          <a:xfrm>
+            <a:off x="10901500" y="13740"/>
+            <a:ext cx="956945" cy="956945"/>
+          </a:xfrm>
+          <a:prstGeom prst="rect">
+            <a:avLst/>
+          </a:prstGeom>
+          <a:noFill/>
+          <a:ln>
+            <a:noFill/>
+          </a:ln>
+        </p:spPr>
+      </p:pic>
+      <p:sp>
+        <p:nvSpPr>
+          <p:cNvPr id="6" name="Titre 1">
+            <a:extLst>
+              <a:ext uri="{FF2B5EF4-FFF2-40B4-BE49-F238E27FC236}">
+                <a16:creationId xmlns:a16="http://schemas.microsoft.com/office/drawing/2014/main" id="{DF735DCF-040A-8158-A870-212A4676AAC5}"/>
+              </a:ext>
+            </a:extLst>
+          </p:cNvPr>
+          <p:cNvSpPr>
+            <a:spLocks noGrp="1"/>
+          </p:cNvSpPr>
+          <p:nvPr>
+            <p:ph type="title"/>
+          </p:nvPr>
+        </p:nvSpPr>
+        <p:spPr>
+          <a:xfrm>
+            <a:off x="838200" y="917209"/>
+            <a:ext cx="10515600" cy="1325563"/>
+          </a:xfrm>
+        </p:spPr>
+        <p:txBody>
+          <a:bodyPr/>
+          <a:lstStyle/>
+          <a:p>
+            <a:r>
+              <a:rPr lang="fr-FR" dirty="0"/>
+              <a:t>Conclusion</a:t>
+            </a:r>
+          </a:p>
+        </p:txBody>
+      </p:sp>
+      <p:sp>
+        <p:nvSpPr>
+          <p:cNvPr id="7" name="Espace réservé du contenu 2">
+            <a:extLst>
+              <a:ext uri="{FF2B5EF4-FFF2-40B4-BE49-F238E27FC236}">
+                <a16:creationId xmlns:a16="http://schemas.microsoft.com/office/drawing/2014/main" id="{C2E48219-74F9-A2F4-213C-1F8136B162D2}"/>
+              </a:ext>
+            </a:extLst>
+          </p:cNvPr>
+          <p:cNvSpPr>
+            <a:spLocks noGrp="1"/>
+          </p:cNvSpPr>
+          <p:nvPr>
+            <p:ph idx="1"/>
+          </p:nvPr>
+        </p:nvSpPr>
+        <p:spPr>
+          <a:xfrm>
+            <a:off x="838200" y="2377709"/>
+            <a:ext cx="10515600" cy="4351338"/>
+          </a:xfrm>
+        </p:spPr>
+        <p:txBody>
+          <a:bodyPr/>
+          <a:lstStyle/>
+          <a:p>
+            <a:r>
+              <a:rPr lang="fr-FR" u="sng" dirty="0"/>
+              <a:t>Idées de développements ultérieurs:</a:t>
+            </a:r>
+          </a:p>
+          <a:p>
+            <a:pPr>
+              <a:buFont typeface="Wingdings" panose="05000000000000000000" pitchFamily="2" charset="2"/>
+              <a:buChar char="Ø"/>
+            </a:pPr>
+            <a:r>
+              <a:rPr lang="fr-FR" dirty="0"/>
+              <a:t>Nouvel organe pour la liaison pivot.</a:t>
+            </a:r>
+          </a:p>
+          <a:p>
+            <a:pPr>
+              <a:buFont typeface="Wingdings" panose="05000000000000000000" pitchFamily="2" charset="2"/>
+              <a:buChar char="Ø"/>
+            </a:pPr>
+            <a:r>
+              <a:rPr lang="fr-FR" dirty="0"/>
+              <a:t>Miniaturisation du dispositif.</a:t>
+            </a:r>
+          </a:p>
+          <a:p>
+            <a:pPr>
+              <a:buFont typeface="Wingdings" panose="05000000000000000000" pitchFamily="2" charset="2"/>
+              <a:buChar char="Ø"/>
+            </a:pPr>
+            <a:r>
+              <a:rPr lang="fr-FR" dirty="0"/>
+              <a:t>Impressions et tests de l’impact des hélices.</a:t>
+            </a:r>
+          </a:p>
+          <a:p>
+            <a:pPr>
+              <a:buFont typeface="Wingdings" panose="05000000000000000000" pitchFamily="2" charset="2"/>
+              <a:buChar char="Ø"/>
+            </a:pPr>
+            <a:r>
+              <a:rPr lang="fr-FR" dirty="0"/>
+              <a:t>Butée mécanique, protections et bouton d’arrêt d’urgence.</a:t>
+            </a:r>
+          </a:p>
+          <a:p>
+            <a:pPr>
+              <a:buFont typeface="Wingdings" panose="05000000000000000000" pitchFamily="2" charset="2"/>
+              <a:buChar char="Ø"/>
+            </a:pPr>
+            <a:r>
+              <a:rPr lang="fr-FR" dirty="0"/>
+              <a:t>Ajout d’un nouvel axe de rotation.</a:t>
+            </a:r>
+          </a:p>
+        </p:txBody>
+      </p:sp>
+    </p:spTree>
+    <p:extLst>
+      <p:ext uri="{BB962C8B-B14F-4D97-AF65-F5344CB8AC3E}">
+        <p14:creationId xmlns:p14="http://schemas.microsoft.com/office/powerpoint/2010/main" val="238270361"/>
+      </p:ext>
+    </p:extLst>
+  </p:cSld>
+  <p:clrMapOvr>
+    <a:masterClrMapping/>
+  </p:clrMapOvr>
+  <p:timing>
+    <p:tnLst>
+      <p:par>
+        <p:cTn id="1" dur="indefinite" restart="never" nodeType="tmRoot">
+          <p:childTnLst>
+            <p:seq concurrent="1" nextAc="seek">
+              <p:cTn id="2" dur="indefinite" nodeType="mainSeq">
+                <p:childTnLst>
+                  <p:par>
+                    <p:cTn id="3" fill="hold">
+                      <p:stCondLst>
+                        <p:cond delay="indefinite"/>
+                      </p:stCondLst>
+                      <p:childTnLst>
+                        <p:par>
+                          <p:cTn id="4" fill="hold">
+                            <p:stCondLst>
+                              <p:cond delay="0"/>
+                            </p:stCondLst>
+                            <p:childTnLst>
+                              <p:par>
+                                <p:cTn id="5" presetID="22" presetClass="entr" presetSubtype="1" fill="hold" nodeType="clickEffect">
+                                  <p:stCondLst>
+                                    <p:cond delay="0"/>
+                                  </p:stCondLst>
+                                  <p:childTnLst>
+                                    <p:set>
+                                      <p:cBhvr>
+                                        <p:cTn id="6" dur="1" fill="hold">
+                                          <p:stCondLst>
+                                            <p:cond delay="0"/>
+                                          </p:stCondLst>
+                                        </p:cTn>
+                                        <p:tgtEl>
+                                          <p:spTgt spid="7">
+                                            <p:txEl>
+                                              <p:pRg st="0" end="0"/>
+                                            </p:txEl>
+                                          </p:spTgt>
+                                        </p:tgtEl>
+                                        <p:attrNameLst>
+                                          <p:attrName>style.visibility</p:attrName>
+                                        </p:attrNameLst>
+                                      </p:cBhvr>
+                                      <p:to>
+                                        <p:strVal val="visible"/>
+                                      </p:to>
+                                    </p:set>
+                                    <p:animEffect transition="in" filter="wipe(up)">
+                                      <p:cBhvr>
+                                        <p:cTn id="7" dur="500"/>
+                                        <p:tgtEl>
+                                          <p:spTgt spid="7">
+                                            <p:txEl>
+                                              <p:pRg st="0" end="0"/>
+                                            </p:txEl>
+                                          </p:spTgt>
+                                        </p:tgtEl>
+                                      </p:cBhvr>
+                                    </p:animEffect>
+                                  </p:childTnLst>
+                                </p:cTn>
+                              </p:par>
+                            </p:childTnLst>
+                          </p:cTn>
+                        </p:par>
+                      </p:childTnLst>
+                    </p:cTn>
+                  </p:par>
+                  <p:par>
+                    <p:cTn id="8" fill="hold">
+                      <p:stCondLst>
+                        <p:cond delay="indefinite"/>
+                      </p:stCondLst>
+                      <p:childTnLst>
+                        <p:par>
+                          <p:cTn id="9" fill="hold">
+                            <p:stCondLst>
+                              <p:cond delay="0"/>
+                            </p:stCondLst>
+                            <p:childTnLst>
+                              <p:par>
+                                <p:cTn id="10" presetID="22" presetClass="entr" presetSubtype="1" fill="hold" nodeType="clickEffect">
+                                  <p:stCondLst>
+                                    <p:cond delay="0"/>
+                                  </p:stCondLst>
+                                  <p:childTnLst>
+                                    <p:set>
+                                      <p:cBhvr>
+                                        <p:cTn id="11" dur="1" fill="hold">
+                                          <p:stCondLst>
+                                            <p:cond delay="0"/>
+                                          </p:stCondLst>
+                                        </p:cTn>
+                                        <p:tgtEl>
+                                          <p:spTgt spid="7">
+                                            <p:txEl>
+                                              <p:pRg st="1" end="1"/>
+                                            </p:txEl>
+                                          </p:spTgt>
+                                        </p:tgtEl>
+                                        <p:attrNameLst>
+                                          <p:attrName>style.visibility</p:attrName>
+                                        </p:attrNameLst>
+                                      </p:cBhvr>
+                                      <p:to>
+                                        <p:strVal val="visible"/>
+                                      </p:to>
+                                    </p:set>
+                                    <p:animEffect transition="in" filter="wipe(up)">
+                                      <p:cBhvr>
+                                        <p:cTn id="12" dur="500"/>
+                                        <p:tgtEl>
+                                          <p:spTgt spid="7">
+                                            <p:txEl>
+                                              <p:pRg st="1" end="1"/>
+                                            </p:txEl>
+                                          </p:spTgt>
+                                        </p:tgtEl>
+                                      </p:cBhvr>
+                                    </p:animEffect>
+                                  </p:childTnLst>
+                                </p:cTn>
+                              </p:par>
+                            </p:childTnLst>
+                          </p:cTn>
+                        </p:par>
+                      </p:childTnLst>
+                    </p:cTn>
+                  </p:par>
+                  <p:par>
+                    <p:cTn id="13" fill="hold">
+                      <p:stCondLst>
+                        <p:cond delay="indefinite"/>
+                      </p:stCondLst>
+                      <p:childTnLst>
+                        <p:par>
+                          <p:cTn id="14" fill="hold">
+                            <p:stCondLst>
+                              <p:cond delay="0"/>
+                            </p:stCondLst>
+                            <p:childTnLst>
+                              <p:par>
+                                <p:cTn id="15" presetID="22" presetClass="entr" presetSubtype="1" fill="hold" nodeType="clickEffect">
+                                  <p:stCondLst>
+                                    <p:cond delay="0"/>
+                                  </p:stCondLst>
+                                  <p:childTnLst>
+                                    <p:set>
+                                      <p:cBhvr>
+                                        <p:cTn id="16" dur="1" fill="hold">
+                                          <p:stCondLst>
+                                            <p:cond delay="0"/>
+                                          </p:stCondLst>
+                                        </p:cTn>
+                                        <p:tgtEl>
+                                          <p:spTgt spid="7">
+                                            <p:txEl>
+                                              <p:pRg st="2" end="2"/>
+                                            </p:txEl>
+                                          </p:spTgt>
+                                        </p:tgtEl>
+                                        <p:attrNameLst>
+                                          <p:attrName>style.visibility</p:attrName>
+                                        </p:attrNameLst>
+                                      </p:cBhvr>
+                                      <p:to>
+                                        <p:strVal val="visible"/>
+                                      </p:to>
+                                    </p:set>
+                                    <p:animEffect transition="in" filter="wipe(up)">
+                                      <p:cBhvr>
+                                        <p:cTn id="17" dur="500"/>
+                                        <p:tgtEl>
+                                          <p:spTgt spid="7">
+                                            <p:txEl>
+                                              <p:pRg st="2" end="2"/>
+                                            </p:txEl>
+                                          </p:spTgt>
+                                        </p:tgtEl>
+                                      </p:cBhvr>
+                                    </p:animEffect>
+                                  </p:childTnLst>
+                                </p:cTn>
+                              </p:par>
+                            </p:childTnLst>
+                          </p:cTn>
+                        </p:par>
+                      </p:childTnLst>
+                    </p:cTn>
+                  </p:par>
+                  <p:par>
+                    <p:cTn id="18" fill="hold">
+                      <p:stCondLst>
+                        <p:cond delay="indefinite"/>
+                      </p:stCondLst>
+                      <p:childTnLst>
+                        <p:par>
+                          <p:cTn id="19" fill="hold">
+                            <p:stCondLst>
+                              <p:cond delay="0"/>
+                            </p:stCondLst>
+                            <p:childTnLst>
+                              <p:par>
+                                <p:cTn id="20" presetID="22" presetClass="entr" presetSubtype="1" fill="hold" nodeType="clickEffect">
+                                  <p:stCondLst>
+                                    <p:cond delay="0"/>
+                                  </p:stCondLst>
+                                  <p:childTnLst>
+                                    <p:set>
+                                      <p:cBhvr>
+                                        <p:cTn id="21" dur="1" fill="hold">
+                                          <p:stCondLst>
+                                            <p:cond delay="0"/>
+                                          </p:stCondLst>
+                                        </p:cTn>
+                                        <p:tgtEl>
+                                          <p:spTgt spid="7">
+                                            <p:txEl>
+                                              <p:pRg st="3" end="3"/>
+                                            </p:txEl>
+                                          </p:spTgt>
+                                        </p:tgtEl>
+                                        <p:attrNameLst>
+                                          <p:attrName>style.visibility</p:attrName>
+                                        </p:attrNameLst>
+                                      </p:cBhvr>
+                                      <p:to>
+                                        <p:strVal val="visible"/>
+                                      </p:to>
+                                    </p:set>
+                                    <p:animEffect transition="in" filter="wipe(up)">
+                                      <p:cBhvr>
+                                        <p:cTn id="22" dur="500"/>
+                                        <p:tgtEl>
+                                          <p:spTgt spid="7">
+                                            <p:txEl>
+                                              <p:pRg st="3" end="3"/>
+                                            </p:txEl>
+                                          </p:spTgt>
+                                        </p:tgtEl>
+                                      </p:cBhvr>
+                                    </p:animEffect>
+                                  </p:childTnLst>
+                                </p:cTn>
+                              </p:par>
+                            </p:childTnLst>
+                          </p:cTn>
+                        </p:par>
+                      </p:childTnLst>
+                    </p:cTn>
+                  </p:par>
+                  <p:par>
+                    <p:cTn id="23" fill="hold">
+                      <p:stCondLst>
+                        <p:cond delay="indefinite"/>
+                      </p:stCondLst>
+                      <p:childTnLst>
+                        <p:par>
+                          <p:cTn id="24" fill="hold">
+                            <p:stCondLst>
+                              <p:cond delay="0"/>
+                            </p:stCondLst>
+                            <p:childTnLst>
+                              <p:par>
+                                <p:cTn id="25" presetID="22" presetClass="entr" presetSubtype="1" fill="hold" nodeType="clickEffect">
+                                  <p:stCondLst>
+                                    <p:cond delay="0"/>
+                                  </p:stCondLst>
+                                  <p:childTnLst>
+                                    <p:set>
+                                      <p:cBhvr>
+                                        <p:cTn id="26" dur="1" fill="hold">
+                                          <p:stCondLst>
+                                            <p:cond delay="0"/>
+                                          </p:stCondLst>
+                                        </p:cTn>
+                                        <p:tgtEl>
+                                          <p:spTgt spid="7">
+                                            <p:txEl>
+                                              <p:pRg st="4" end="4"/>
+                                            </p:txEl>
+                                          </p:spTgt>
+                                        </p:tgtEl>
+                                        <p:attrNameLst>
+                                          <p:attrName>style.visibility</p:attrName>
+                                        </p:attrNameLst>
+                                      </p:cBhvr>
+                                      <p:to>
+                                        <p:strVal val="visible"/>
+                                      </p:to>
+                                    </p:set>
+                                    <p:animEffect transition="in" filter="wipe(up)">
+                                      <p:cBhvr>
+                                        <p:cTn id="27" dur="500"/>
+                                        <p:tgtEl>
+                                          <p:spTgt spid="7">
+                                            <p:txEl>
+                                              <p:pRg st="4" end="4"/>
+                                            </p:txEl>
+                                          </p:spTgt>
+                                        </p:tgtEl>
+                                      </p:cBhvr>
+                                    </p:animEffect>
+                                  </p:childTnLst>
+                                </p:cTn>
+                              </p:par>
+                            </p:childTnLst>
+                          </p:cTn>
+                        </p:par>
+                      </p:childTnLst>
+                    </p:cTn>
+                  </p:par>
+                  <p:par>
+                    <p:cTn id="28" fill="hold">
+                      <p:stCondLst>
+                        <p:cond delay="indefinite"/>
+                      </p:stCondLst>
+                      <p:childTnLst>
+                        <p:par>
+                          <p:cTn id="29" fill="hold">
+                            <p:stCondLst>
+                              <p:cond delay="0"/>
+                            </p:stCondLst>
+                            <p:childTnLst>
+                              <p:par>
+                                <p:cTn id="30" presetID="22" presetClass="entr" presetSubtype="1" fill="hold" nodeType="clickEffect">
+                                  <p:stCondLst>
+                                    <p:cond delay="0"/>
+                                  </p:stCondLst>
+                                  <p:childTnLst>
+                                    <p:set>
+                                      <p:cBhvr>
+                                        <p:cTn id="31" dur="1" fill="hold">
+                                          <p:stCondLst>
+                                            <p:cond delay="0"/>
+                                          </p:stCondLst>
+                                        </p:cTn>
+                                        <p:tgtEl>
+                                          <p:spTgt spid="7">
+                                            <p:txEl>
+                                              <p:pRg st="5" end="5"/>
+                                            </p:txEl>
+                                          </p:spTgt>
+                                        </p:tgtEl>
+                                        <p:attrNameLst>
+                                          <p:attrName>style.visibility</p:attrName>
+                                        </p:attrNameLst>
+                                      </p:cBhvr>
+                                      <p:to>
+                                        <p:strVal val="visible"/>
+                                      </p:to>
+                                    </p:set>
+                                    <p:animEffect transition="in" filter="wipe(up)">
+                                      <p:cBhvr>
+                                        <p:cTn id="32" dur="500"/>
+                                        <p:tgtEl>
+                                          <p:spTgt spid="7">
+                                            <p:txEl>
+                                              <p:pRg st="5" end="5"/>
+                                            </p:txEl>
+                                          </p:spTgt>
+                                        </p:tgtEl>
+                                      </p:cBhvr>
+                                    </p:animEffect>
+                                  </p:childTnLst>
+                                </p:cTn>
+                              </p:par>
+                            </p:childTnLst>
+                          </p:cTn>
+                        </p:par>
+                      </p:childTnLst>
+                    </p:cTn>
+                  </p:par>
+                </p:childTnLst>
+              </p:cTn>
+              <p:prevCondLst>
+                <p:cond evt="onPrev" delay="0">
+                  <p:tgtEl>
+                    <p:sldTgt/>
+                  </p:tgtEl>
+                </p:cond>
+              </p:prevCondLst>
+              <p:nextCondLst>
+                <p:cond evt="onNext" delay="0">
+                  <p:tgtEl>
+                    <p:sldTgt/>
+                  </p:tgtEl>
+                </p:cond>
+              </p:nextCondLst>
+            </p:seq>
+          </p:childTnLst>
+        </p:cTn>
+      </p:par>
+    </p:tnLst>
+  </p:timing>
+</p:sld>
+</file>
+
+<file path=ppt/slides/slide13.xml><?xml version="1.0" encoding="utf-8"?>
+<p:sld xmlns:a="http://schemas.openxmlformats.org/drawingml/2006/main" xmlns:r="http://schemas.openxmlformats.org/officeDocument/2006/relationships" xmlns:p="http://schemas.openxmlformats.org/presentationml/2006/main">
+  <p:cSld>
+    <p:spTree>
+      <p:nvGrpSpPr>
+        <p:cNvPr id="1" name=""/>
+        <p:cNvGrpSpPr/>
+        <p:nvPr/>
+      </p:nvGrpSpPr>
+      <p:grpSpPr>
+        <a:xfrm>
+          <a:off x="0" y="0"/>
+          <a:ext cx="0" cy="0"/>
+          <a:chOff x="0" y="0"/>
+          <a:chExt cx="0" cy="0"/>
+        </a:xfrm>
+      </p:grpSpPr>
+      <p:pic>
+        <p:nvPicPr>
+          <p:cNvPr id="4" name="Image 3" descr="Une image contenant texte, arts de la table, vaisselle, assiette&#10;&#10;Description générée automatiquement">
+            <a:extLst>
+              <a:ext uri="{FF2B5EF4-FFF2-40B4-BE49-F238E27FC236}">
+                <a16:creationId xmlns:a16="http://schemas.microsoft.com/office/drawing/2014/main" id="{FB4B4E88-0449-92A3-B4B2-7446CC3A40CD}"/>
+              </a:ext>
+            </a:extLst>
+          </p:cNvPr>
+          <p:cNvPicPr>
+            <a:picLocks noChangeAspect="1"/>
+          </p:cNvPicPr>
+          <p:nvPr/>
+        </p:nvPicPr>
+        <p:blipFill>
+          <a:blip r:embed="rId2">
+            <a:extLst>
+              <a:ext uri="{28A0092B-C50C-407E-A947-70E740481C1C}">
+                <a14:useLocalDpi xmlns:a14="http://schemas.microsoft.com/office/drawing/2010/main" val="0"/>
+              </a:ext>
+            </a:extLst>
+          </a:blip>
+          <a:stretch>
+            <a:fillRect/>
+          </a:stretch>
+        </p:blipFill>
+        <p:spPr>
+          <a:xfrm>
+            <a:off x="162214" y="144551"/>
+            <a:ext cx="2095500" cy="695325"/>
+          </a:xfrm>
+          <a:prstGeom prst="rect">
+            <a:avLst/>
+          </a:prstGeom>
+        </p:spPr>
+      </p:pic>
+      <p:pic>
+        <p:nvPicPr>
+          <p:cNvPr id="5" name="Image 4" descr="@InnovationLab-EFREIParis">
+            <a:extLst>
+              <a:ext uri="{FF2B5EF4-FFF2-40B4-BE49-F238E27FC236}">
+                <a16:creationId xmlns:a16="http://schemas.microsoft.com/office/drawing/2014/main" id="{87D1FAB3-3E58-0222-C2DA-8BA168F77B47}"/>
+              </a:ext>
+            </a:extLst>
+          </p:cNvPr>
+          <p:cNvPicPr>
+            <a:picLocks noChangeAspect="1"/>
+          </p:cNvPicPr>
+          <p:nvPr/>
+        </p:nvPicPr>
+        <p:blipFill>
+          <a:blip r:embed="rId3">
+            <a:extLst>
+              <a:ext uri="{28A0092B-C50C-407E-A947-70E740481C1C}">
+                <a14:useLocalDpi xmlns:a14="http://schemas.microsoft.com/office/drawing/2010/main" val="0"/>
+              </a:ext>
+            </a:extLst>
+          </a:blip>
+          <a:srcRect/>
+          <a:stretch>
+            <a:fillRect/>
+          </a:stretch>
+        </p:blipFill>
+        <p:spPr bwMode="auto">
+          <a:xfrm>
+            <a:off x="10901500" y="13740"/>
+            <a:ext cx="956945" cy="956945"/>
+          </a:xfrm>
+          <a:prstGeom prst="rect">
+            <a:avLst/>
+          </a:prstGeom>
+          <a:noFill/>
+          <a:ln>
+            <a:noFill/>
+          </a:ln>
+        </p:spPr>
+      </p:pic>
+      <p:sp>
+        <p:nvSpPr>
+          <p:cNvPr id="6" name="ZoneTexte 5">
+            <a:extLst>
+              <a:ext uri="{FF2B5EF4-FFF2-40B4-BE49-F238E27FC236}">
+                <a16:creationId xmlns:a16="http://schemas.microsoft.com/office/drawing/2014/main" id="{7FD16AFE-997C-A398-46A4-1F3CF1C5D318}"/>
+              </a:ext>
+            </a:extLst>
+          </p:cNvPr>
+          <p:cNvSpPr txBox="1"/>
+          <p:nvPr/>
+        </p:nvSpPr>
+        <p:spPr>
+          <a:xfrm>
+            <a:off x="1064833" y="3044279"/>
+            <a:ext cx="10062333" cy="769441"/>
+          </a:xfrm>
+          <a:prstGeom prst="rect">
+            <a:avLst/>
+          </a:prstGeom>
+          <a:noFill/>
+        </p:spPr>
+        <p:txBody>
+          <a:bodyPr wrap="square" rtlCol="0">
+            <a:spAutoFit/>
+          </a:bodyPr>
+          <a:lstStyle/>
+          <a:p>
+            <a:r>
+              <a:rPr lang="fr-FR" sz="4400" dirty="0">
+                <a:solidFill>
+                  <a:schemeClr val="accent1">
+                    <a:lumMod val="75000"/>
+                  </a:schemeClr>
+                </a:solidFill>
+              </a:rPr>
+              <a:t>JE VOUS REMERCIE DE VOTRE ATTENTION !</a:t>
+            </a:r>
+          </a:p>
+        </p:txBody>
+      </p:sp>
+    </p:spTree>
+    <p:extLst>
+      <p:ext uri="{BB962C8B-B14F-4D97-AF65-F5344CB8AC3E}">
+        <p14:creationId xmlns:p14="http://schemas.microsoft.com/office/powerpoint/2010/main" val="3025542681"/>
+      </p:ext>
+    </p:extLst>
+  </p:cSld>
+  <p:clrMapOvr>
+    <a:masterClrMapping/>
+  </p:clrMapOvr>
+</p:sld>
+</file>
+
+<file path=ppt/slides/slide2.xml><?xml version="1.0" encoding="utf-8"?>
+<p:sld xmlns:a="http://schemas.openxmlformats.org/drawingml/2006/main" xmlns:r="http://schemas.openxmlformats.org/officeDocument/2006/relationships" xmlns:p="http://schemas.openxmlformats.org/presentationml/2006/main">
+  <p:cSld>
+    <p:spTree>
+      <p:nvGrpSpPr>
+        <p:cNvPr id="1" name=""/>
+        <p:cNvGrpSpPr/>
+        <p:nvPr/>
+      </p:nvGrpSpPr>
+      <p:grpSpPr>
+        <a:xfrm>
+          <a:off x="0" y="0"/>
+          <a:ext cx="0" cy="0"/>
+          <a:chOff x="0" y="0"/>
+          <a:chExt cx="0" cy="0"/>
+        </a:xfrm>
+      </p:grpSpPr>
+      <p:pic>
+        <p:nvPicPr>
+          <p:cNvPr id="4" name="Image 3" descr="Une image contenant texte, arts de la table, vaisselle, assiette&#10;&#10;Description générée automatiquement">
+            <a:extLst>
+              <a:ext uri="{FF2B5EF4-FFF2-40B4-BE49-F238E27FC236}">
+                <a16:creationId xmlns:a16="http://schemas.microsoft.com/office/drawing/2014/main" id="{A45D33CD-7C64-869A-00D9-CC1EFE4E5DB1}"/>
+              </a:ext>
+            </a:extLst>
+          </p:cNvPr>
+          <p:cNvPicPr>
+            <a:picLocks noChangeAspect="1"/>
+          </p:cNvPicPr>
+          <p:nvPr/>
+        </p:nvPicPr>
+        <p:blipFill>
+          <a:blip r:embed="rId2">
+            <a:extLst>
+              <a:ext uri="{28A0092B-C50C-407E-A947-70E740481C1C}">
+                <a14:useLocalDpi xmlns:a14="http://schemas.microsoft.com/office/drawing/2010/main" val="0"/>
+              </a:ext>
+            </a:extLst>
+          </a:blip>
+          <a:stretch>
+            <a:fillRect/>
+          </a:stretch>
+        </p:blipFill>
+        <p:spPr>
+          <a:xfrm>
+            <a:off x="162214" y="144551"/>
+            <a:ext cx="2095500" cy="695325"/>
+          </a:xfrm>
+          <a:prstGeom prst="rect">
+            <a:avLst/>
+          </a:prstGeom>
+        </p:spPr>
+      </p:pic>
+      <p:pic>
+        <p:nvPicPr>
+          <p:cNvPr id="5" name="Image 4" descr="@InnovationLab-EFREIParis">
+            <a:extLst>
+              <a:ext uri="{FF2B5EF4-FFF2-40B4-BE49-F238E27FC236}">
+                <a16:creationId xmlns:a16="http://schemas.microsoft.com/office/drawing/2014/main" id="{AA166CD8-277A-72C3-D363-30970CC748D1}"/>
+              </a:ext>
+            </a:extLst>
+          </p:cNvPr>
+          <p:cNvPicPr>
+            <a:picLocks noChangeAspect="1"/>
+          </p:cNvPicPr>
+          <p:nvPr/>
+        </p:nvPicPr>
+        <p:blipFill>
+          <a:blip r:embed="rId3">
+            <a:extLst>
+              <a:ext uri="{28A0092B-C50C-407E-A947-70E740481C1C}">
+                <a14:useLocalDpi xmlns:a14="http://schemas.microsoft.com/office/drawing/2010/main" val="0"/>
+              </a:ext>
+            </a:extLst>
+          </a:blip>
+          <a:srcRect/>
+          <a:stretch>
+            <a:fillRect/>
+          </a:stretch>
+        </p:blipFill>
+        <p:spPr bwMode="auto">
+          <a:xfrm>
+            <a:off x="10901500" y="13740"/>
+            <a:ext cx="956945" cy="956945"/>
+          </a:xfrm>
+          <a:prstGeom prst="rect">
+            <a:avLst/>
+          </a:prstGeom>
+          <a:noFill/>
+          <a:ln>
+            <a:noFill/>
+          </a:ln>
+        </p:spPr>
+      </p:pic>
+      <p:sp>
+        <p:nvSpPr>
+          <p:cNvPr id="6" name="Titre 1">
+            <a:extLst>
+              <a:ext uri="{FF2B5EF4-FFF2-40B4-BE49-F238E27FC236}">
+                <a16:creationId xmlns:a16="http://schemas.microsoft.com/office/drawing/2014/main" id="{A35A0483-D8FC-C638-2047-F1B67F40E2C3}"/>
+              </a:ext>
+            </a:extLst>
+          </p:cNvPr>
+          <p:cNvSpPr>
+            <a:spLocks noGrp="1"/>
+          </p:cNvSpPr>
+          <p:nvPr>
+            <p:ph type="title"/>
+          </p:nvPr>
+        </p:nvSpPr>
+        <p:spPr>
+          <a:xfrm>
+            <a:off x="838200" y="917209"/>
+            <a:ext cx="10515600" cy="1325563"/>
+          </a:xfrm>
+        </p:spPr>
+        <p:txBody>
+          <a:bodyPr/>
+          <a:lstStyle/>
+          <a:p>
+            <a:r>
+              <a:rPr lang="en-US" dirty="0"/>
+              <a:t>Working environment</a:t>
+            </a:r>
+          </a:p>
+        </p:txBody>
+      </p:sp>
+      <p:sp>
+        <p:nvSpPr>
+          <p:cNvPr id="7" name="Espace réservé du contenu 2">
+            <a:extLst>
+              <a:ext uri="{FF2B5EF4-FFF2-40B4-BE49-F238E27FC236}">
+                <a16:creationId xmlns:a16="http://schemas.microsoft.com/office/drawing/2014/main" id="{701BF9C1-7683-5B90-88B5-D73F3828EC4B}"/>
+              </a:ext>
+            </a:extLst>
+          </p:cNvPr>
+          <p:cNvSpPr>
+            <a:spLocks noGrp="1"/>
+          </p:cNvSpPr>
+          <p:nvPr>
+            <p:ph idx="1"/>
+          </p:nvPr>
+        </p:nvSpPr>
+        <p:spPr>
+          <a:xfrm>
+            <a:off x="838200" y="2377709"/>
+            <a:ext cx="10515600" cy="4351338"/>
+          </a:xfrm>
+        </p:spPr>
+        <p:txBody>
+          <a:bodyPr/>
+          <a:lstStyle/>
+          <a:p>
+            <a:r>
+              <a:rPr lang="en-US" u="sng" dirty="0"/>
+              <a:t>The school Efrei Paris :</a:t>
+            </a:r>
+            <a:r>
+              <a:rPr lang="en-US" dirty="0"/>
+              <a:t> </a:t>
+            </a:r>
+          </a:p>
+          <a:p>
+            <a:pPr>
+              <a:buFont typeface="Wingdings" panose="05000000000000000000" pitchFamily="2" charset="2"/>
+              <a:buChar char="Ø"/>
+            </a:pPr>
+            <a:r>
+              <a:rPr lang="en-US" dirty="0"/>
+              <a:t>Originally named “French school of radio electricity, electronics and informatics” (1936).</a:t>
+            </a:r>
+          </a:p>
+          <a:p>
+            <a:pPr>
+              <a:buFont typeface="Wingdings" panose="05000000000000000000" pitchFamily="2" charset="2"/>
+              <a:buChar char="Ø"/>
+            </a:pPr>
+            <a:r>
+              <a:rPr lang="en-US" dirty="0"/>
+              <a:t>Delivers Engineer Titles since 1957.</a:t>
+            </a:r>
+          </a:p>
+          <a:p>
+            <a:pPr>
+              <a:buFont typeface="Wingdings" panose="05000000000000000000" pitchFamily="2" charset="2"/>
+              <a:buChar char="Ø"/>
+            </a:pPr>
+            <a:r>
+              <a:rPr lang="en-US" dirty="0"/>
+              <a:t>Part of the university Paris-Panthéon-</a:t>
+            </a:r>
+            <a:r>
+              <a:rPr lang="en-US" dirty="0" err="1"/>
+              <a:t>Assas</a:t>
+            </a:r>
+            <a:r>
+              <a:rPr lang="en-US" dirty="0"/>
+              <a:t> since 2022.</a:t>
+            </a:r>
+          </a:p>
+          <a:p>
+            <a:pPr>
+              <a:buFont typeface="Wingdings" panose="05000000000000000000" pitchFamily="2" charset="2"/>
+              <a:buChar char="Ø"/>
+            </a:pPr>
+            <a:r>
+              <a:rPr lang="en-US" dirty="0"/>
+              <a:t>Campuses in the Parisian area &amp; Bordeaux.</a:t>
+            </a:r>
+          </a:p>
+          <a:p>
+            <a:pPr>
+              <a:buFont typeface="Wingdings" panose="05000000000000000000" pitchFamily="2" charset="2"/>
+              <a:buChar char="Ø"/>
+            </a:pPr>
+            <a:endParaRPr lang="en-US" dirty="0"/>
+          </a:p>
+          <a:p>
+            <a:pPr>
+              <a:buFont typeface="Wingdings" panose="05000000000000000000" pitchFamily="2" charset="2"/>
+              <a:buChar char="Ø"/>
+            </a:pPr>
+            <a:endParaRPr lang="en-US" dirty="0"/>
+          </a:p>
+          <a:p>
+            <a:pPr>
+              <a:buFont typeface="Wingdings" panose="05000000000000000000" pitchFamily="2" charset="2"/>
+              <a:buChar char="Ø"/>
+            </a:pPr>
             <a:endParaRPr lang="en-US" dirty="0"/>
           </a:p>
         </p:txBody>
@@ -3748,6 +5959,250 @@
                       </p:childTnLst>
                     </p:cTn>
                   </p:par>
+                  <p:par>
+                    <p:cTn id="8" fill="hold">
+                      <p:stCondLst>
+                        <p:cond delay="indefinite"/>
+                      </p:stCondLst>
+                      <p:childTnLst>
+                        <p:par>
+                          <p:cTn id="9" fill="hold">
+                            <p:stCondLst>
+                              <p:cond delay="0"/>
+                            </p:stCondLst>
+                            <p:childTnLst>
+                              <p:par>
+                                <p:cTn id="10" presetID="22" presetClass="entr" presetSubtype="1" fill="hold" nodeType="clickEffect">
+                                  <p:stCondLst>
+                                    <p:cond delay="0"/>
+                                  </p:stCondLst>
+                                  <p:childTnLst>
+                                    <p:set>
+                                      <p:cBhvr>
+                                        <p:cTn id="11" dur="1" fill="hold">
+                                          <p:stCondLst>
+                                            <p:cond delay="0"/>
+                                          </p:stCondLst>
+                                        </p:cTn>
+                                        <p:tgtEl>
+                                          <p:spTgt spid="7">
+                                            <p:txEl>
+                                              <p:pRg st="1" end="1"/>
+                                            </p:txEl>
+                                          </p:spTgt>
+                                        </p:tgtEl>
+                                        <p:attrNameLst>
+                                          <p:attrName>style.visibility</p:attrName>
+                                        </p:attrNameLst>
+                                      </p:cBhvr>
+                                      <p:to>
+                                        <p:strVal val="visible"/>
+                                      </p:to>
+                                    </p:set>
+                                    <p:animEffect transition="in" filter="wipe(up)">
+                                      <p:cBhvr>
+                                        <p:cTn id="12" dur="500"/>
+                                        <p:tgtEl>
+                                          <p:spTgt spid="7">
+                                            <p:txEl>
+                                              <p:pRg st="1" end="1"/>
+                                            </p:txEl>
+                                          </p:spTgt>
+                                        </p:tgtEl>
+                                      </p:cBhvr>
+                                    </p:animEffect>
+                                  </p:childTnLst>
+                                </p:cTn>
+                              </p:par>
+                            </p:childTnLst>
+                          </p:cTn>
+                        </p:par>
+                      </p:childTnLst>
+                    </p:cTn>
+                  </p:par>
+                  <p:par>
+                    <p:cTn id="13" fill="hold">
+                      <p:stCondLst>
+                        <p:cond delay="indefinite"/>
+                      </p:stCondLst>
+                      <p:childTnLst>
+                        <p:par>
+                          <p:cTn id="14" fill="hold">
+                            <p:stCondLst>
+                              <p:cond delay="0"/>
+                            </p:stCondLst>
+                            <p:childTnLst>
+                              <p:par>
+                                <p:cTn id="15" presetID="22" presetClass="entr" presetSubtype="1" fill="hold" nodeType="clickEffect">
+                                  <p:stCondLst>
+                                    <p:cond delay="0"/>
+                                  </p:stCondLst>
+                                  <p:childTnLst>
+                                    <p:set>
+                                      <p:cBhvr>
+                                        <p:cTn id="16" dur="1" fill="hold">
+                                          <p:stCondLst>
+                                            <p:cond delay="0"/>
+                                          </p:stCondLst>
+                                        </p:cTn>
+                                        <p:tgtEl>
+                                          <p:spTgt spid="7">
+                                            <p:txEl>
+                                              <p:pRg st="2" end="2"/>
+                                            </p:txEl>
+                                          </p:spTgt>
+                                        </p:tgtEl>
+                                        <p:attrNameLst>
+                                          <p:attrName>style.visibility</p:attrName>
+                                        </p:attrNameLst>
+                                      </p:cBhvr>
+                                      <p:to>
+                                        <p:strVal val="visible"/>
+                                      </p:to>
+                                    </p:set>
+                                    <p:animEffect transition="in" filter="wipe(up)">
+                                      <p:cBhvr>
+                                        <p:cTn id="17" dur="500"/>
+                                        <p:tgtEl>
+                                          <p:spTgt spid="7">
+                                            <p:txEl>
+                                              <p:pRg st="2" end="2"/>
+                                            </p:txEl>
+                                          </p:spTgt>
+                                        </p:tgtEl>
+                                      </p:cBhvr>
+                                    </p:animEffect>
+                                  </p:childTnLst>
+                                </p:cTn>
+                              </p:par>
+                            </p:childTnLst>
+                          </p:cTn>
+                        </p:par>
+                      </p:childTnLst>
+                    </p:cTn>
+                  </p:par>
+                  <p:par>
+                    <p:cTn id="18" fill="hold">
+                      <p:stCondLst>
+                        <p:cond delay="indefinite"/>
+                      </p:stCondLst>
+                      <p:childTnLst>
+                        <p:par>
+                          <p:cTn id="19" fill="hold">
+                            <p:stCondLst>
+                              <p:cond delay="0"/>
+                            </p:stCondLst>
+                            <p:childTnLst>
+                              <p:par>
+                                <p:cTn id="20" presetID="22" presetClass="entr" presetSubtype="1" fill="hold" nodeType="clickEffect">
+                                  <p:stCondLst>
+                                    <p:cond delay="0"/>
+                                  </p:stCondLst>
+                                  <p:childTnLst>
+                                    <p:set>
+                                      <p:cBhvr>
+                                        <p:cTn id="21" dur="1" fill="hold">
+                                          <p:stCondLst>
+                                            <p:cond delay="0"/>
+                                          </p:stCondLst>
+                                        </p:cTn>
+                                        <p:tgtEl>
+                                          <p:spTgt spid="7">
+                                            <p:txEl>
+                                              <p:pRg st="3" end="3"/>
+                                            </p:txEl>
+                                          </p:spTgt>
+                                        </p:tgtEl>
+                                        <p:attrNameLst>
+                                          <p:attrName>style.visibility</p:attrName>
+                                        </p:attrNameLst>
+                                      </p:cBhvr>
+                                      <p:to>
+                                        <p:strVal val="visible"/>
+                                      </p:to>
+                                    </p:set>
+                                    <p:animEffect transition="in" filter="wipe(up)">
+                                      <p:cBhvr>
+                                        <p:cTn id="22" dur="500"/>
+                                        <p:tgtEl>
+                                          <p:spTgt spid="7">
+                                            <p:txEl>
+                                              <p:pRg st="3" end="3"/>
+                                            </p:txEl>
+                                          </p:spTgt>
+                                        </p:tgtEl>
+                                      </p:cBhvr>
+                                    </p:animEffect>
+                                  </p:childTnLst>
+                                </p:cTn>
+                              </p:par>
+                            </p:childTnLst>
+                          </p:cTn>
+                        </p:par>
+                      </p:childTnLst>
+                    </p:cTn>
+                  </p:par>
+                  <p:par>
+                    <p:cTn id="23" fill="hold">
+                      <p:stCondLst>
+                        <p:cond delay="indefinite"/>
+                      </p:stCondLst>
+                      <p:childTnLst>
+                        <p:par>
+                          <p:cTn id="24" fill="hold">
+                            <p:stCondLst>
+                              <p:cond delay="0"/>
+                            </p:stCondLst>
+                            <p:childTnLst>
+                              <p:par>
+                                <p:cTn id="25" presetID="22" presetClass="entr" presetSubtype="1" fill="hold" nodeType="clickEffect">
+                                  <p:stCondLst>
+                                    <p:cond delay="0"/>
+                                  </p:stCondLst>
+                                  <p:childTnLst>
+                                    <p:set>
+                                      <p:cBhvr>
+                                        <p:cTn id="26" dur="1" fill="hold">
+                                          <p:stCondLst>
+                                            <p:cond delay="0"/>
+                                          </p:stCondLst>
+                                        </p:cTn>
+                                        <p:tgtEl>
+                                          <p:spTgt spid="7">
+                                            <p:txEl>
+                                              <p:pRg st="4" end="4"/>
+                                            </p:txEl>
+                                          </p:spTgt>
+                                        </p:tgtEl>
+                                        <p:attrNameLst>
+                                          <p:attrName>style.visibility</p:attrName>
+                                        </p:attrNameLst>
+                                      </p:cBhvr>
+                                      <p:to>
+                                        <p:strVal val="visible"/>
+                                      </p:to>
+                                    </p:set>
+                                    <p:animEffect transition="in" filter="wipe(up)">
+                                      <p:cBhvr>
+                                        <p:cTn id="27" dur="500"/>
+                                        <p:tgtEl>
+                                          <p:spTgt spid="7">
+                                            <p:txEl>
+                                              <p:pRg st="4" end="4"/>
+                                            </p:txEl>
+                                          </p:spTgt>
+                                        </p:tgtEl>
+                                      </p:cBhvr>
+                                    </p:animEffect>
+                                  </p:childTnLst>
+                                </p:cTn>
+                              </p:par>
+                            </p:childTnLst>
+                          </p:cTn>
+                        </p:par>
+                      </p:childTnLst>
+                    </p:cTn>
+                  </p:par>
                 </p:childTnLst>
               </p:cTn>
               <p:prevCondLst>
@@ -3774,6 +6229,1146 @@
 </file>
 
 <file path=ppt/slides/slide3.xml><?xml version="1.0" encoding="utf-8"?>
+<p:sld xmlns:a="http://schemas.openxmlformats.org/drawingml/2006/main" xmlns:r="http://schemas.openxmlformats.org/officeDocument/2006/relationships" xmlns:p="http://schemas.openxmlformats.org/presentationml/2006/main">
+  <p:cSld>
+    <p:spTree>
+      <p:nvGrpSpPr>
+        <p:cNvPr id="1" name=""/>
+        <p:cNvGrpSpPr/>
+        <p:nvPr/>
+      </p:nvGrpSpPr>
+      <p:grpSpPr>
+        <a:xfrm>
+          <a:off x="0" y="0"/>
+          <a:ext cx="0" cy="0"/>
+          <a:chOff x="0" y="0"/>
+          <a:chExt cx="0" cy="0"/>
+        </a:xfrm>
+      </p:grpSpPr>
+      <p:pic>
+        <p:nvPicPr>
+          <p:cNvPr id="4" name="Image 3" descr="Une image contenant texte, arts de la table, vaisselle, assiette&#10;&#10;Description générée automatiquement">
+            <a:extLst>
+              <a:ext uri="{FF2B5EF4-FFF2-40B4-BE49-F238E27FC236}">
+                <a16:creationId xmlns:a16="http://schemas.microsoft.com/office/drawing/2014/main" id="{4211B682-6888-3ADD-C5CA-4453E62F93EA}"/>
+              </a:ext>
+            </a:extLst>
+          </p:cNvPr>
+          <p:cNvPicPr>
+            <a:picLocks noChangeAspect="1"/>
+          </p:cNvPicPr>
+          <p:nvPr/>
+        </p:nvPicPr>
+        <p:blipFill>
+          <a:blip r:embed="rId2">
+            <a:extLst>
+              <a:ext uri="{28A0092B-C50C-407E-A947-70E740481C1C}">
+                <a14:useLocalDpi xmlns:a14="http://schemas.microsoft.com/office/drawing/2010/main" val="0"/>
+              </a:ext>
+            </a:extLst>
+          </a:blip>
+          <a:stretch>
+            <a:fillRect/>
+          </a:stretch>
+        </p:blipFill>
+        <p:spPr>
+          <a:xfrm>
+            <a:off x="162214" y="144551"/>
+            <a:ext cx="2095500" cy="695325"/>
+          </a:xfrm>
+          <a:prstGeom prst="rect">
+            <a:avLst/>
+          </a:prstGeom>
+        </p:spPr>
+      </p:pic>
+      <p:pic>
+        <p:nvPicPr>
+          <p:cNvPr id="5" name="Image 4" descr="@InnovationLab-EFREIParis">
+            <a:extLst>
+              <a:ext uri="{FF2B5EF4-FFF2-40B4-BE49-F238E27FC236}">
+                <a16:creationId xmlns:a16="http://schemas.microsoft.com/office/drawing/2014/main" id="{761D0F1D-BD65-E94E-9F96-3B15A51887E2}"/>
+              </a:ext>
+            </a:extLst>
+          </p:cNvPr>
+          <p:cNvPicPr>
+            <a:picLocks noChangeAspect="1"/>
+          </p:cNvPicPr>
+          <p:nvPr/>
+        </p:nvPicPr>
+        <p:blipFill>
+          <a:blip r:embed="rId3">
+            <a:extLst>
+              <a:ext uri="{28A0092B-C50C-407E-A947-70E740481C1C}">
+                <a14:useLocalDpi xmlns:a14="http://schemas.microsoft.com/office/drawing/2010/main" val="0"/>
+              </a:ext>
+            </a:extLst>
+          </a:blip>
+          <a:srcRect/>
+          <a:stretch>
+            <a:fillRect/>
+          </a:stretch>
+        </p:blipFill>
+        <p:spPr bwMode="auto">
+          <a:xfrm>
+            <a:off x="10901500" y="13740"/>
+            <a:ext cx="956945" cy="956945"/>
+          </a:xfrm>
+          <a:prstGeom prst="rect">
+            <a:avLst/>
+          </a:prstGeom>
+          <a:noFill/>
+          <a:ln>
+            <a:noFill/>
+          </a:ln>
+        </p:spPr>
+      </p:pic>
+      <p:sp>
+        <p:nvSpPr>
+          <p:cNvPr id="6" name="Titre 1">
+            <a:extLst>
+              <a:ext uri="{FF2B5EF4-FFF2-40B4-BE49-F238E27FC236}">
+                <a16:creationId xmlns:a16="http://schemas.microsoft.com/office/drawing/2014/main" id="{500252BB-A0EA-11F6-E277-2AAC303F2ADF}"/>
+              </a:ext>
+            </a:extLst>
+          </p:cNvPr>
+          <p:cNvSpPr>
+            <a:spLocks noGrp="1"/>
+          </p:cNvSpPr>
+          <p:nvPr>
+            <p:ph type="title"/>
+          </p:nvPr>
+        </p:nvSpPr>
+        <p:spPr>
+          <a:xfrm>
+            <a:off x="838200" y="917209"/>
+            <a:ext cx="10515600" cy="1325563"/>
+          </a:xfrm>
+        </p:spPr>
+        <p:txBody>
+          <a:bodyPr/>
+          <a:lstStyle/>
+          <a:p>
+            <a:r>
+              <a:rPr lang="en-US" dirty="0"/>
+              <a:t>Working environment</a:t>
+            </a:r>
+          </a:p>
+        </p:txBody>
+      </p:sp>
+      <p:sp>
+        <p:nvSpPr>
+          <p:cNvPr id="7" name="Espace réservé du contenu 2">
+            <a:extLst>
+              <a:ext uri="{FF2B5EF4-FFF2-40B4-BE49-F238E27FC236}">
+                <a16:creationId xmlns:a16="http://schemas.microsoft.com/office/drawing/2014/main" id="{5332033E-9C2C-04FF-22A5-11D6AAE37CE7}"/>
+              </a:ext>
+            </a:extLst>
+          </p:cNvPr>
+          <p:cNvSpPr>
+            <a:spLocks noGrp="1"/>
+          </p:cNvSpPr>
+          <p:nvPr>
+            <p:ph idx="1"/>
+          </p:nvPr>
+        </p:nvSpPr>
+        <p:spPr>
+          <a:xfrm>
+            <a:off x="838200" y="2377709"/>
+            <a:ext cx="10515600" cy="4351338"/>
+          </a:xfrm>
+        </p:spPr>
+        <p:txBody>
+          <a:bodyPr/>
+          <a:lstStyle/>
+          <a:p>
+            <a:r>
+              <a:rPr lang="en-US" u="sng" dirty="0"/>
+              <a:t>The Innovation’Lab:</a:t>
+            </a:r>
+            <a:r>
+              <a:rPr lang="en-US" dirty="0"/>
+              <a:t> </a:t>
+            </a:r>
+          </a:p>
+          <a:p>
+            <a:pPr>
+              <a:buFont typeface="Wingdings" panose="05000000000000000000" pitchFamily="2" charset="2"/>
+              <a:buChar char="Ø"/>
+            </a:pPr>
+            <a:r>
+              <a:rPr lang="en-US" dirty="0"/>
+              <a:t>Entity of Efrei Paris since 2021 (from the building’s construction).</a:t>
+            </a:r>
+          </a:p>
+          <a:p>
+            <a:pPr>
+              <a:buFont typeface="Wingdings" panose="05000000000000000000" pitchFamily="2" charset="2"/>
+              <a:buChar char="Ø"/>
+            </a:pPr>
+            <a:r>
+              <a:rPr lang="en-US" dirty="0"/>
+              <a:t>Workspace delivering tools for school or personal projects.</a:t>
+            </a:r>
+          </a:p>
+          <a:p>
+            <a:pPr>
+              <a:buFont typeface="Wingdings" panose="05000000000000000000" pitchFamily="2" charset="2"/>
+              <a:buChar char="Ø"/>
+            </a:pPr>
+            <a:r>
+              <a:rPr lang="en-US" dirty="0"/>
+              <a:t>Tools : 3D Printers &amp; Laser-cutting machine.</a:t>
+            </a:r>
+          </a:p>
+          <a:p>
+            <a:pPr>
+              <a:buFont typeface="Wingdings" panose="05000000000000000000" pitchFamily="2" charset="2"/>
+              <a:buChar char="Ø"/>
+            </a:pPr>
+            <a:r>
+              <a:rPr lang="en-US" dirty="0"/>
+              <a:t>Opportunities to make your projects from scratch. </a:t>
+            </a:r>
+          </a:p>
+          <a:p>
+            <a:pPr>
+              <a:buFont typeface="Wingdings" panose="05000000000000000000" pitchFamily="2" charset="2"/>
+              <a:buChar char="Ø"/>
+            </a:pPr>
+            <a:endParaRPr lang="en-US" dirty="0"/>
+          </a:p>
+          <a:p>
+            <a:pPr>
+              <a:buFont typeface="Wingdings" panose="05000000000000000000" pitchFamily="2" charset="2"/>
+              <a:buChar char="Ø"/>
+            </a:pPr>
+            <a:endParaRPr lang="en-US" dirty="0"/>
+          </a:p>
+        </p:txBody>
+      </p:sp>
+    </p:spTree>
+    <p:extLst>
+      <p:ext uri="{BB962C8B-B14F-4D97-AF65-F5344CB8AC3E}">
+        <p14:creationId xmlns:p14="http://schemas.microsoft.com/office/powerpoint/2010/main" val="2504392526"/>
+      </p:ext>
+    </p:extLst>
+  </p:cSld>
+  <p:clrMapOvr>
+    <a:masterClrMapping/>
+  </p:clrMapOvr>
+  <p:timing>
+    <p:tnLst>
+      <p:par>
+        <p:cTn id="1" dur="indefinite" restart="never" nodeType="tmRoot">
+          <p:childTnLst>
+            <p:seq concurrent="1" nextAc="seek">
+              <p:cTn id="2" dur="indefinite" nodeType="mainSeq">
+                <p:childTnLst>
+                  <p:par>
+                    <p:cTn id="3" fill="hold">
+                      <p:stCondLst>
+                        <p:cond delay="indefinite"/>
+                      </p:stCondLst>
+                      <p:childTnLst>
+                        <p:par>
+                          <p:cTn id="4" fill="hold">
+                            <p:stCondLst>
+                              <p:cond delay="0"/>
+                            </p:stCondLst>
+                            <p:childTnLst>
+                              <p:par>
+                                <p:cTn id="5" presetID="22" presetClass="entr" presetSubtype="1" fill="hold" nodeType="clickEffect">
+                                  <p:stCondLst>
+                                    <p:cond delay="0"/>
+                                  </p:stCondLst>
+                                  <p:childTnLst>
+                                    <p:set>
+                                      <p:cBhvr>
+                                        <p:cTn id="6" dur="1" fill="hold">
+                                          <p:stCondLst>
+                                            <p:cond delay="0"/>
+                                          </p:stCondLst>
+                                        </p:cTn>
+                                        <p:tgtEl>
+                                          <p:spTgt spid="7">
+                                            <p:txEl>
+                                              <p:pRg st="0" end="0"/>
+                                            </p:txEl>
+                                          </p:spTgt>
+                                        </p:tgtEl>
+                                        <p:attrNameLst>
+                                          <p:attrName>style.visibility</p:attrName>
+                                        </p:attrNameLst>
+                                      </p:cBhvr>
+                                      <p:to>
+                                        <p:strVal val="visible"/>
+                                      </p:to>
+                                    </p:set>
+                                    <p:animEffect transition="in" filter="wipe(up)">
+                                      <p:cBhvr>
+                                        <p:cTn id="7" dur="500"/>
+                                        <p:tgtEl>
+                                          <p:spTgt spid="7">
+                                            <p:txEl>
+                                              <p:pRg st="0" end="0"/>
+                                            </p:txEl>
+                                          </p:spTgt>
+                                        </p:tgtEl>
+                                      </p:cBhvr>
+                                    </p:animEffect>
+                                  </p:childTnLst>
+                                </p:cTn>
+                              </p:par>
+                            </p:childTnLst>
+                          </p:cTn>
+                        </p:par>
+                      </p:childTnLst>
+                    </p:cTn>
+                  </p:par>
+                  <p:par>
+                    <p:cTn id="8" fill="hold">
+                      <p:stCondLst>
+                        <p:cond delay="indefinite"/>
+                      </p:stCondLst>
+                      <p:childTnLst>
+                        <p:par>
+                          <p:cTn id="9" fill="hold">
+                            <p:stCondLst>
+                              <p:cond delay="0"/>
+                            </p:stCondLst>
+                            <p:childTnLst>
+                              <p:par>
+                                <p:cTn id="10" presetID="22" presetClass="entr" presetSubtype="1" fill="hold" nodeType="clickEffect">
+                                  <p:stCondLst>
+                                    <p:cond delay="0"/>
+                                  </p:stCondLst>
+                                  <p:childTnLst>
+                                    <p:set>
+                                      <p:cBhvr>
+                                        <p:cTn id="11" dur="1" fill="hold">
+                                          <p:stCondLst>
+                                            <p:cond delay="0"/>
+                                          </p:stCondLst>
+                                        </p:cTn>
+                                        <p:tgtEl>
+                                          <p:spTgt spid="7">
+                                            <p:txEl>
+                                              <p:pRg st="1" end="1"/>
+                                            </p:txEl>
+                                          </p:spTgt>
+                                        </p:tgtEl>
+                                        <p:attrNameLst>
+                                          <p:attrName>style.visibility</p:attrName>
+                                        </p:attrNameLst>
+                                      </p:cBhvr>
+                                      <p:to>
+                                        <p:strVal val="visible"/>
+                                      </p:to>
+                                    </p:set>
+                                    <p:animEffect transition="in" filter="wipe(up)">
+                                      <p:cBhvr>
+                                        <p:cTn id="12" dur="500"/>
+                                        <p:tgtEl>
+                                          <p:spTgt spid="7">
+                                            <p:txEl>
+                                              <p:pRg st="1" end="1"/>
+                                            </p:txEl>
+                                          </p:spTgt>
+                                        </p:tgtEl>
+                                      </p:cBhvr>
+                                    </p:animEffect>
+                                  </p:childTnLst>
+                                </p:cTn>
+                              </p:par>
+                            </p:childTnLst>
+                          </p:cTn>
+                        </p:par>
+                      </p:childTnLst>
+                    </p:cTn>
+                  </p:par>
+                  <p:par>
+                    <p:cTn id="13" fill="hold">
+                      <p:stCondLst>
+                        <p:cond delay="indefinite"/>
+                      </p:stCondLst>
+                      <p:childTnLst>
+                        <p:par>
+                          <p:cTn id="14" fill="hold">
+                            <p:stCondLst>
+                              <p:cond delay="0"/>
+                            </p:stCondLst>
+                            <p:childTnLst>
+                              <p:par>
+                                <p:cTn id="15" presetID="22" presetClass="entr" presetSubtype="1" fill="hold" nodeType="clickEffect">
+                                  <p:stCondLst>
+                                    <p:cond delay="0"/>
+                                  </p:stCondLst>
+                                  <p:childTnLst>
+                                    <p:set>
+                                      <p:cBhvr>
+                                        <p:cTn id="16" dur="1" fill="hold">
+                                          <p:stCondLst>
+                                            <p:cond delay="0"/>
+                                          </p:stCondLst>
+                                        </p:cTn>
+                                        <p:tgtEl>
+                                          <p:spTgt spid="7">
+                                            <p:txEl>
+                                              <p:pRg st="2" end="2"/>
+                                            </p:txEl>
+                                          </p:spTgt>
+                                        </p:tgtEl>
+                                        <p:attrNameLst>
+                                          <p:attrName>style.visibility</p:attrName>
+                                        </p:attrNameLst>
+                                      </p:cBhvr>
+                                      <p:to>
+                                        <p:strVal val="visible"/>
+                                      </p:to>
+                                    </p:set>
+                                    <p:animEffect transition="in" filter="wipe(up)">
+                                      <p:cBhvr>
+                                        <p:cTn id="17" dur="500"/>
+                                        <p:tgtEl>
+                                          <p:spTgt spid="7">
+                                            <p:txEl>
+                                              <p:pRg st="2" end="2"/>
+                                            </p:txEl>
+                                          </p:spTgt>
+                                        </p:tgtEl>
+                                      </p:cBhvr>
+                                    </p:animEffect>
+                                  </p:childTnLst>
+                                </p:cTn>
+                              </p:par>
+                            </p:childTnLst>
+                          </p:cTn>
+                        </p:par>
+                      </p:childTnLst>
+                    </p:cTn>
+                  </p:par>
+                  <p:par>
+                    <p:cTn id="18" fill="hold">
+                      <p:stCondLst>
+                        <p:cond delay="indefinite"/>
+                      </p:stCondLst>
+                      <p:childTnLst>
+                        <p:par>
+                          <p:cTn id="19" fill="hold">
+                            <p:stCondLst>
+                              <p:cond delay="0"/>
+                            </p:stCondLst>
+                            <p:childTnLst>
+                              <p:par>
+                                <p:cTn id="20" presetID="22" presetClass="entr" presetSubtype="1" fill="hold" nodeType="clickEffect">
+                                  <p:stCondLst>
+                                    <p:cond delay="0"/>
+                                  </p:stCondLst>
+                                  <p:childTnLst>
+                                    <p:set>
+                                      <p:cBhvr>
+                                        <p:cTn id="21" dur="1" fill="hold">
+                                          <p:stCondLst>
+                                            <p:cond delay="0"/>
+                                          </p:stCondLst>
+                                        </p:cTn>
+                                        <p:tgtEl>
+                                          <p:spTgt spid="7">
+                                            <p:txEl>
+                                              <p:pRg st="3" end="3"/>
+                                            </p:txEl>
+                                          </p:spTgt>
+                                        </p:tgtEl>
+                                        <p:attrNameLst>
+                                          <p:attrName>style.visibility</p:attrName>
+                                        </p:attrNameLst>
+                                      </p:cBhvr>
+                                      <p:to>
+                                        <p:strVal val="visible"/>
+                                      </p:to>
+                                    </p:set>
+                                    <p:animEffect transition="in" filter="wipe(up)">
+                                      <p:cBhvr>
+                                        <p:cTn id="22" dur="500"/>
+                                        <p:tgtEl>
+                                          <p:spTgt spid="7">
+                                            <p:txEl>
+                                              <p:pRg st="3" end="3"/>
+                                            </p:txEl>
+                                          </p:spTgt>
+                                        </p:tgtEl>
+                                      </p:cBhvr>
+                                    </p:animEffect>
+                                  </p:childTnLst>
+                                </p:cTn>
+                              </p:par>
+                            </p:childTnLst>
+                          </p:cTn>
+                        </p:par>
+                      </p:childTnLst>
+                    </p:cTn>
+                  </p:par>
+                  <p:par>
+                    <p:cTn id="23" fill="hold">
+                      <p:stCondLst>
+                        <p:cond delay="indefinite"/>
+                      </p:stCondLst>
+                      <p:childTnLst>
+                        <p:par>
+                          <p:cTn id="24" fill="hold">
+                            <p:stCondLst>
+                              <p:cond delay="0"/>
+                            </p:stCondLst>
+                            <p:childTnLst>
+                              <p:par>
+                                <p:cTn id="25" presetID="22" presetClass="entr" presetSubtype="1" fill="hold" nodeType="clickEffect">
+                                  <p:stCondLst>
+                                    <p:cond delay="0"/>
+                                  </p:stCondLst>
+                                  <p:childTnLst>
+                                    <p:set>
+                                      <p:cBhvr>
+                                        <p:cTn id="26" dur="1" fill="hold">
+                                          <p:stCondLst>
+                                            <p:cond delay="0"/>
+                                          </p:stCondLst>
+                                        </p:cTn>
+                                        <p:tgtEl>
+                                          <p:spTgt spid="7">
+                                            <p:txEl>
+                                              <p:pRg st="4" end="4"/>
+                                            </p:txEl>
+                                          </p:spTgt>
+                                        </p:tgtEl>
+                                        <p:attrNameLst>
+                                          <p:attrName>style.visibility</p:attrName>
+                                        </p:attrNameLst>
+                                      </p:cBhvr>
+                                      <p:to>
+                                        <p:strVal val="visible"/>
+                                      </p:to>
+                                    </p:set>
+                                    <p:animEffect transition="in" filter="wipe(up)">
+                                      <p:cBhvr>
+                                        <p:cTn id="27" dur="500"/>
+                                        <p:tgtEl>
+                                          <p:spTgt spid="7">
+                                            <p:txEl>
+                                              <p:pRg st="4" end="4"/>
+                                            </p:txEl>
+                                          </p:spTgt>
+                                        </p:tgtEl>
+                                      </p:cBhvr>
+                                    </p:animEffect>
+                                  </p:childTnLst>
+                                </p:cTn>
+                              </p:par>
+                            </p:childTnLst>
+                          </p:cTn>
+                        </p:par>
+                      </p:childTnLst>
+                    </p:cTn>
+                  </p:par>
+                </p:childTnLst>
+              </p:cTn>
+              <p:prevCondLst>
+                <p:cond evt="onPrev" delay="0">
+                  <p:tgtEl>
+                    <p:sldTgt/>
+                  </p:tgtEl>
+                </p:cond>
+              </p:prevCondLst>
+              <p:nextCondLst>
+                <p:cond evt="onNext" delay="0">
+                  <p:tgtEl>
+                    <p:sldTgt/>
+                  </p:tgtEl>
+                </p:cond>
+              </p:nextCondLst>
+            </p:seq>
+          </p:childTnLst>
+        </p:cTn>
+      </p:par>
+    </p:tnLst>
+  </p:timing>
+</p:sld>
+</file>
+
+<file path=ppt/slides/slide4.xml><?xml version="1.0" encoding="utf-8"?>
+<p:sld xmlns:a="http://schemas.openxmlformats.org/drawingml/2006/main" xmlns:r="http://schemas.openxmlformats.org/officeDocument/2006/relationships" xmlns:p="http://schemas.openxmlformats.org/presentationml/2006/main">
+  <p:cSld>
+    <p:spTree>
+      <p:nvGrpSpPr>
+        <p:cNvPr id="1" name=""/>
+        <p:cNvGrpSpPr/>
+        <p:nvPr/>
+      </p:nvGrpSpPr>
+      <p:grpSpPr>
+        <a:xfrm>
+          <a:off x="0" y="0"/>
+          <a:ext cx="0" cy="0"/>
+          <a:chOff x="0" y="0"/>
+          <a:chExt cx="0" cy="0"/>
+        </a:xfrm>
+      </p:grpSpPr>
+      <p:pic>
+        <p:nvPicPr>
+          <p:cNvPr id="4" name="Image 3" descr="Une image contenant texte, arts de la table, vaisselle, assiette&#10;&#10;Description générée automatiquement">
+            <a:extLst>
+              <a:ext uri="{FF2B5EF4-FFF2-40B4-BE49-F238E27FC236}">
+                <a16:creationId xmlns:a16="http://schemas.microsoft.com/office/drawing/2014/main" id="{E2DBADC1-B2B7-AC43-7AB5-40232BE19782}"/>
+              </a:ext>
+            </a:extLst>
+          </p:cNvPr>
+          <p:cNvPicPr>
+            <a:picLocks noChangeAspect="1"/>
+          </p:cNvPicPr>
+          <p:nvPr/>
+        </p:nvPicPr>
+        <p:blipFill>
+          <a:blip r:embed="rId2">
+            <a:extLst>
+              <a:ext uri="{28A0092B-C50C-407E-A947-70E740481C1C}">
+                <a14:useLocalDpi xmlns:a14="http://schemas.microsoft.com/office/drawing/2010/main" val="0"/>
+              </a:ext>
+            </a:extLst>
+          </a:blip>
+          <a:stretch>
+            <a:fillRect/>
+          </a:stretch>
+        </p:blipFill>
+        <p:spPr>
+          <a:xfrm>
+            <a:off x="162214" y="144551"/>
+            <a:ext cx="2095500" cy="695325"/>
+          </a:xfrm>
+          <a:prstGeom prst="rect">
+            <a:avLst/>
+          </a:prstGeom>
+        </p:spPr>
+      </p:pic>
+      <p:pic>
+        <p:nvPicPr>
+          <p:cNvPr id="5" name="Image 4" descr="@InnovationLab-EFREIParis">
+            <a:extLst>
+              <a:ext uri="{FF2B5EF4-FFF2-40B4-BE49-F238E27FC236}">
+                <a16:creationId xmlns:a16="http://schemas.microsoft.com/office/drawing/2014/main" id="{CB190067-BBEF-183B-E628-C4998661F359}"/>
+              </a:ext>
+            </a:extLst>
+          </p:cNvPr>
+          <p:cNvPicPr>
+            <a:picLocks noChangeAspect="1"/>
+          </p:cNvPicPr>
+          <p:nvPr/>
+        </p:nvPicPr>
+        <p:blipFill>
+          <a:blip r:embed="rId3">
+            <a:extLst>
+              <a:ext uri="{28A0092B-C50C-407E-A947-70E740481C1C}">
+                <a14:useLocalDpi xmlns:a14="http://schemas.microsoft.com/office/drawing/2010/main" val="0"/>
+              </a:ext>
+            </a:extLst>
+          </a:blip>
+          <a:srcRect/>
+          <a:stretch>
+            <a:fillRect/>
+          </a:stretch>
+        </p:blipFill>
+        <p:spPr bwMode="auto">
+          <a:xfrm>
+            <a:off x="10901500" y="13740"/>
+            <a:ext cx="956945" cy="956945"/>
+          </a:xfrm>
+          <a:prstGeom prst="rect">
+            <a:avLst/>
+          </a:prstGeom>
+          <a:noFill/>
+          <a:ln>
+            <a:noFill/>
+          </a:ln>
+        </p:spPr>
+      </p:pic>
+      <p:sp>
+        <p:nvSpPr>
+          <p:cNvPr id="6" name="Titre 1">
+            <a:extLst>
+              <a:ext uri="{FF2B5EF4-FFF2-40B4-BE49-F238E27FC236}">
+                <a16:creationId xmlns:a16="http://schemas.microsoft.com/office/drawing/2014/main" id="{87D11905-50B7-F882-61A3-E71B2F07844C}"/>
+              </a:ext>
+            </a:extLst>
+          </p:cNvPr>
+          <p:cNvSpPr>
+            <a:spLocks noGrp="1"/>
+          </p:cNvSpPr>
+          <p:nvPr>
+            <p:ph type="title"/>
+          </p:nvPr>
+        </p:nvSpPr>
+        <p:spPr>
+          <a:xfrm>
+            <a:off x="838200" y="917209"/>
+            <a:ext cx="10515600" cy="1325563"/>
+          </a:xfrm>
+        </p:spPr>
+        <p:txBody>
+          <a:bodyPr/>
+          <a:lstStyle/>
+          <a:p>
+            <a:r>
+              <a:rPr lang="en-US" dirty="0"/>
+              <a:t>Working environment</a:t>
+            </a:r>
+          </a:p>
+        </p:txBody>
+      </p:sp>
+      <p:sp>
+        <p:nvSpPr>
+          <p:cNvPr id="7" name="Espace réservé du contenu 2">
+            <a:extLst>
+              <a:ext uri="{FF2B5EF4-FFF2-40B4-BE49-F238E27FC236}">
+                <a16:creationId xmlns:a16="http://schemas.microsoft.com/office/drawing/2014/main" id="{EB770754-E866-C262-C27E-B42456CD9F84}"/>
+              </a:ext>
+            </a:extLst>
+          </p:cNvPr>
+          <p:cNvSpPr>
+            <a:spLocks noGrp="1"/>
+          </p:cNvSpPr>
+          <p:nvPr>
+            <p:ph idx="1"/>
+          </p:nvPr>
+        </p:nvSpPr>
+        <p:spPr>
+          <a:xfrm>
+            <a:off x="838200" y="2377709"/>
+            <a:ext cx="10515600" cy="4351338"/>
+          </a:xfrm>
+        </p:spPr>
+        <p:txBody>
+          <a:bodyPr/>
+          <a:lstStyle/>
+          <a:p>
+            <a:r>
+              <a:rPr lang="en-US" u="sng" dirty="0"/>
+              <a:t>Members of the Drone Bench project:</a:t>
+            </a:r>
+            <a:r>
+              <a:rPr lang="en-US" dirty="0"/>
+              <a:t> </a:t>
+            </a:r>
+          </a:p>
+          <a:p>
+            <a:pPr>
+              <a:buFont typeface="Wingdings" panose="05000000000000000000" pitchFamily="2" charset="2"/>
+              <a:buChar char="Ø"/>
+            </a:pPr>
+            <a:r>
+              <a:rPr lang="en-US" dirty="0"/>
+              <a:t>Mr. GRIOT, manager of the I’Lab.</a:t>
+            </a:r>
+          </a:p>
+          <a:p>
+            <a:pPr>
+              <a:buFont typeface="Wingdings" panose="05000000000000000000" pitchFamily="2" charset="2"/>
+              <a:buChar char="Ø"/>
+            </a:pPr>
+            <a:r>
+              <a:rPr lang="en-US" dirty="0"/>
+              <a:t>Mrs. CONTEVILLE, teacher-researcher and head teacher of </a:t>
+            </a:r>
+            <a:r>
+              <a:rPr lang="en-US" dirty="0" err="1"/>
+              <a:t>Efrei’s</a:t>
+            </a:r>
+            <a:r>
+              <a:rPr lang="en-US" dirty="0"/>
+              <a:t> major Robotics Systems &amp; Drones.</a:t>
+            </a:r>
+          </a:p>
+          <a:p>
+            <a:pPr>
+              <a:buFont typeface="Wingdings" panose="05000000000000000000" pitchFamily="2" charset="2"/>
+              <a:buChar char="Ø"/>
+            </a:pPr>
+            <a:r>
+              <a:rPr lang="en-US" dirty="0"/>
+              <a:t>Mr. N’DO, former intern who worked on this project during his M1 internship during 2021/2022.</a:t>
+            </a:r>
+          </a:p>
+          <a:p>
+            <a:pPr>
+              <a:buFont typeface="Wingdings" panose="05000000000000000000" pitchFamily="2" charset="2"/>
+              <a:buChar char="Ø"/>
+            </a:pPr>
+            <a:r>
+              <a:rPr lang="en-US" dirty="0"/>
+              <a:t>I : Julien PANNIER, M1 intern who continued working on the Drone Bench (2022/2023).  </a:t>
+            </a:r>
+          </a:p>
+          <a:p>
+            <a:pPr>
+              <a:buFont typeface="Wingdings" panose="05000000000000000000" pitchFamily="2" charset="2"/>
+              <a:buChar char="Ø"/>
+            </a:pPr>
+            <a:endParaRPr lang="en-US" dirty="0"/>
+          </a:p>
+          <a:p>
+            <a:pPr>
+              <a:buFont typeface="Wingdings" panose="05000000000000000000" pitchFamily="2" charset="2"/>
+              <a:buChar char="Ø"/>
+            </a:pPr>
+            <a:endParaRPr lang="en-US" dirty="0"/>
+          </a:p>
+        </p:txBody>
+      </p:sp>
+    </p:spTree>
+    <p:extLst>
+      <p:ext uri="{BB962C8B-B14F-4D97-AF65-F5344CB8AC3E}">
+        <p14:creationId xmlns:p14="http://schemas.microsoft.com/office/powerpoint/2010/main" val="1458654883"/>
+      </p:ext>
+    </p:extLst>
+  </p:cSld>
+  <p:clrMapOvr>
+    <a:masterClrMapping/>
+  </p:clrMapOvr>
+  <p:timing>
+    <p:tnLst>
+      <p:par>
+        <p:cTn id="1" dur="indefinite" restart="never" nodeType="tmRoot">
+          <p:childTnLst>
+            <p:seq concurrent="1" nextAc="seek">
+              <p:cTn id="2" dur="indefinite" nodeType="mainSeq">
+                <p:childTnLst>
+                  <p:par>
+                    <p:cTn id="3" fill="hold">
+                      <p:stCondLst>
+                        <p:cond delay="indefinite"/>
+                      </p:stCondLst>
+                      <p:childTnLst>
+                        <p:par>
+                          <p:cTn id="4" fill="hold">
+                            <p:stCondLst>
+                              <p:cond delay="0"/>
+                            </p:stCondLst>
+                            <p:childTnLst>
+                              <p:par>
+                                <p:cTn id="5" presetID="22" presetClass="entr" presetSubtype="1" fill="hold" nodeType="clickEffect">
+                                  <p:stCondLst>
+                                    <p:cond delay="0"/>
+                                  </p:stCondLst>
+                                  <p:childTnLst>
+                                    <p:set>
+                                      <p:cBhvr>
+                                        <p:cTn id="6" dur="1" fill="hold">
+                                          <p:stCondLst>
+                                            <p:cond delay="0"/>
+                                          </p:stCondLst>
+                                        </p:cTn>
+                                        <p:tgtEl>
+                                          <p:spTgt spid="7">
+                                            <p:txEl>
+                                              <p:pRg st="0" end="0"/>
+                                            </p:txEl>
+                                          </p:spTgt>
+                                        </p:tgtEl>
+                                        <p:attrNameLst>
+                                          <p:attrName>style.visibility</p:attrName>
+                                        </p:attrNameLst>
+                                      </p:cBhvr>
+                                      <p:to>
+                                        <p:strVal val="visible"/>
+                                      </p:to>
+                                    </p:set>
+                                    <p:animEffect transition="in" filter="wipe(up)">
+                                      <p:cBhvr>
+                                        <p:cTn id="7" dur="500"/>
+                                        <p:tgtEl>
+                                          <p:spTgt spid="7">
+                                            <p:txEl>
+                                              <p:pRg st="0" end="0"/>
+                                            </p:txEl>
+                                          </p:spTgt>
+                                        </p:tgtEl>
+                                      </p:cBhvr>
+                                    </p:animEffect>
+                                  </p:childTnLst>
+                                </p:cTn>
+                              </p:par>
+                            </p:childTnLst>
+                          </p:cTn>
+                        </p:par>
+                      </p:childTnLst>
+                    </p:cTn>
+                  </p:par>
+                  <p:par>
+                    <p:cTn id="8" fill="hold">
+                      <p:stCondLst>
+                        <p:cond delay="indefinite"/>
+                      </p:stCondLst>
+                      <p:childTnLst>
+                        <p:par>
+                          <p:cTn id="9" fill="hold">
+                            <p:stCondLst>
+                              <p:cond delay="0"/>
+                            </p:stCondLst>
+                            <p:childTnLst>
+                              <p:par>
+                                <p:cTn id="10" presetID="22" presetClass="entr" presetSubtype="1" fill="hold" nodeType="clickEffect">
+                                  <p:stCondLst>
+                                    <p:cond delay="0"/>
+                                  </p:stCondLst>
+                                  <p:childTnLst>
+                                    <p:set>
+                                      <p:cBhvr>
+                                        <p:cTn id="11" dur="1" fill="hold">
+                                          <p:stCondLst>
+                                            <p:cond delay="0"/>
+                                          </p:stCondLst>
+                                        </p:cTn>
+                                        <p:tgtEl>
+                                          <p:spTgt spid="7">
+                                            <p:txEl>
+                                              <p:pRg st="1" end="1"/>
+                                            </p:txEl>
+                                          </p:spTgt>
+                                        </p:tgtEl>
+                                        <p:attrNameLst>
+                                          <p:attrName>style.visibility</p:attrName>
+                                        </p:attrNameLst>
+                                      </p:cBhvr>
+                                      <p:to>
+                                        <p:strVal val="visible"/>
+                                      </p:to>
+                                    </p:set>
+                                    <p:animEffect transition="in" filter="wipe(up)">
+                                      <p:cBhvr>
+                                        <p:cTn id="12" dur="500"/>
+                                        <p:tgtEl>
+                                          <p:spTgt spid="7">
+                                            <p:txEl>
+                                              <p:pRg st="1" end="1"/>
+                                            </p:txEl>
+                                          </p:spTgt>
+                                        </p:tgtEl>
+                                      </p:cBhvr>
+                                    </p:animEffect>
+                                  </p:childTnLst>
+                                </p:cTn>
+                              </p:par>
+                            </p:childTnLst>
+                          </p:cTn>
+                        </p:par>
+                      </p:childTnLst>
+                    </p:cTn>
+                  </p:par>
+                  <p:par>
+                    <p:cTn id="13" fill="hold">
+                      <p:stCondLst>
+                        <p:cond delay="indefinite"/>
+                      </p:stCondLst>
+                      <p:childTnLst>
+                        <p:par>
+                          <p:cTn id="14" fill="hold">
+                            <p:stCondLst>
+                              <p:cond delay="0"/>
+                            </p:stCondLst>
+                            <p:childTnLst>
+                              <p:par>
+                                <p:cTn id="15" presetID="22" presetClass="entr" presetSubtype="1" fill="hold" nodeType="clickEffect">
+                                  <p:stCondLst>
+                                    <p:cond delay="0"/>
+                                  </p:stCondLst>
+                                  <p:childTnLst>
+                                    <p:set>
+                                      <p:cBhvr>
+                                        <p:cTn id="16" dur="1" fill="hold">
+                                          <p:stCondLst>
+                                            <p:cond delay="0"/>
+                                          </p:stCondLst>
+                                        </p:cTn>
+                                        <p:tgtEl>
+                                          <p:spTgt spid="7">
+                                            <p:txEl>
+                                              <p:pRg st="2" end="2"/>
+                                            </p:txEl>
+                                          </p:spTgt>
+                                        </p:tgtEl>
+                                        <p:attrNameLst>
+                                          <p:attrName>style.visibility</p:attrName>
+                                        </p:attrNameLst>
+                                      </p:cBhvr>
+                                      <p:to>
+                                        <p:strVal val="visible"/>
+                                      </p:to>
+                                    </p:set>
+                                    <p:animEffect transition="in" filter="wipe(up)">
+                                      <p:cBhvr>
+                                        <p:cTn id="17" dur="500"/>
+                                        <p:tgtEl>
+                                          <p:spTgt spid="7">
+                                            <p:txEl>
+                                              <p:pRg st="2" end="2"/>
+                                            </p:txEl>
+                                          </p:spTgt>
+                                        </p:tgtEl>
+                                      </p:cBhvr>
+                                    </p:animEffect>
+                                  </p:childTnLst>
+                                </p:cTn>
+                              </p:par>
+                            </p:childTnLst>
+                          </p:cTn>
+                        </p:par>
+                      </p:childTnLst>
+                    </p:cTn>
+                  </p:par>
+                  <p:par>
+                    <p:cTn id="18" fill="hold">
+                      <p:stCondLst>
+                        <p:cond delay="indefinite"/>
+                      </p:stCondLst>
+                      <p:childTnLst>
+                        <p:par>
+                          <p:cTn id="19" fill="hold">
+                            <p:stCondLst>
+                              <p:cond delay="0"/>
+                            </p:stCondLst>
+                            <p:childTnLst>
+                              <p:par>
+                                <p:cTn id="20" presetID="22" presetClass="entr" presetSubtype="1" fill="hold" nodeType="clickEffect">
+                                  <p:stCondLst>
+                                    <p:cond delay="0"/>
+                                  </p:stCondLst>
+                                  <p:childTnLst>
+                                    <p:set>
+                                      <p:cBhvr>
+                                        <p:cTn id="21" dur="1" fill="hold">
+                                          <p:stCondLst>
+                                            <p:cond delay="0"/>
+                                          </p:stCondLst>
+                                        </p:cTn>
+                                        <p:tgtEl>
+                                          <p:spTgt spid="7">
+                                            <p:txEl>
+                                              <p:pRg st="3" end="3"/>
+                                            </p:txEl>
+                                          </p:spTgt>
+                                        </p:tgtEl>
+                                        <p:attrNameLst>
+                                          <p:attrName>style.visibility</p:attrName>
+                                        </p:attrNameLst>
+                                      </p:cBhvr>
+                                      <p:to>
+                                        <p:strVal val="visible"/>
+                                      </p:to>
+                                    </p:set>
+                                    <p:animEffect transition="in" filter="wipe(up)">
+                                      <p:cBhvr>
+                                        <p:cTn id="22" dur="500"/>
+                                        <p:tgtEl>
+                                          <p:spTgt spid="7">
+                                            <p:txEl>
+                                              <p:pRg st="3" end="3"/>
+                                            </p:txEl>
+                                          </p:spTgt>
+                                        </p:tgtEl>
+                                      </p:cBhvr>
+                                    </p:animEffect>
+                                  </p:childTnLst>
+                                </p:cTn>
+                              </p:par>
+                            </p:childTnLst>
+                          </p:cTn>
+                        </p:par>
+                      </p:childTnLst>
+                    </p:cTn>
+                  </p:par>
+                  <p:par>
+                    <p:cTn id="23" fill="hold">
+                      <p:stCondLst>
+                        <p:cond delay="indefinite"/>
+                      </p:stCondLst>
+                      <p:childTnLst>
+                        <p:par>
+                          <p:cTn id="24" fill="hold">
+                            <p:stCondLst>
+                              <p:cond delay="0"/>
+                            </p:stCondLst>
+                            <p:childTnLst>
+                              <p:par>
+                                <p:cTn id="25" presetID="22" presetClass="entr" presetSubtype="1" fill="hold" nodeType="clickEffect">
+                                  <p:stCondLst>
+                                    <p:cond delay="0"/>
+                                  </p:stCondLst>
+                                  <p:childTnLst>
+                                    <p:set>
+                                      <p:cBhvr>
+                                        <p:cTn id="26" dur="1" fill="hold">
+                                          <p:stCondLst>
+                                            <p:cond delay="0"/>
+                                          </p:stCondLst>
+                                        </p:cTn>
+                                        <p:tgtEl>
+                                          <p:spTgt spid="7">
+                                            <p:txEl>
+                                              <p:pRg st="4" end="4"/>
+                                            </p:txEl>
+                                          </p:spTgt>
+                                        </p:tgtEl>
+                                        <p:attrNameLst>
+                                          <p:attrName>style.visibility</p:attrName>
+                                        </p:attrNameLst>
+                                      </p:cBhvr>
+                                      <p:to>
+                                        <p:strVal val="visible"/>
+                                      </p:to>
+                                    </p:set>
+                                    <p:animEffect transition="in" filter="wipe(up)">
+                                      <p:cBhvr>
+                                        <p:cTn id="27" dur="500"/>
+                                        <p:tgtEl>
+                                          <p:spTgt spid="7">
+                                            <p:txEl>
+                                              <p:pRg st="4" end="4"/>
+                                            </p:txEl>
+                                          </p:spTgt>
+                                        </p:tgtEl>
+                                      </p:cBhvr>
+                                    </p:animEffect>
+                                  </p:childTnLst>
+                                </p:cTn>
+                              </p:par>
+                            </p:childTnLst>
+                          </p:cTn>
+                        </p:par>
+                      </p:childTnLst>
+                    </p:cTn>
+                  </p:par>
+                </p:childTnLst>
+              </p:cTn>
+              <p:prevCondLst>
+                <p:cond evt="onPrev" delay="0">
+                  <p:tgtEl>
+                    <p:sldTgt/>
+                  </p:tgtEl>
+                </p:cond>
+              </p:prevCondLst>
+              <p:nextCondLst>
+                <p:cond evt="onNext" delay="0">
+                  <p:tgtEl>
+                    <p:sldTgt/>
+                  </p:tgtEl>
+                </p:cond>
+              </p:nextCondLst>
+            </p:seq>
+          </p:childTnLst>
+        </p:cTn>
+      </p:par>
+    </p:tnLst>
+  </p:timing>
+</p:sld>
+</file>
+
+<file path=ppt/slides/slide5.xml><?xml version="1.0" encoding="utf-8"?>
 <p:sld xmlns:a="http://schemas.openxmlformats.org/drawingml/2006/main" xmlns:r="http://schemas.openxmlformats.org/officeDocument/2006/relationships" xmlns:p="http://schemas.openxmlformats.org/presentationml/2006/main">
   <p:cSld>
     <p:spTree>
@@ -4183,7 +7778,7 @@
 </p:sld>
 </file>
 
-<file path=ppt/slides/slide4.xml><?xml version="1.0" encoding="utf-8"?>
+<file path=ppt/slides/slide6.xml><?xml version="1.0" encoding="utf-8"?>
 <p:sld xmlns:a="http://schemas.openxmlformats.org/drawingml/2006/main" xmlns:r="http://schemas.openxmlformats.org/officeDocument/2006/relationships" xmlns:p="http://schemas.openxmlformats.org/presentationml/2006/main">
   <p:cSld>
     <p:spTree>
@@ -6998,7 +10593,7 @@
 </p:sld>
 </file>
 
-<file path=ppt/slides/slide5.xml><?xml version="1.0" encoding="utf-8"?>
+<file path=ppt/slides/slide7.xml><?xml version="1.0" encoding="utf-8"?>
 <p:sld xmlns:a="http://schemas.openxmlformats.org/drawingml/2006/main" xmlns:r="http://schemas.openxmlformats.org/officeDocument/2006/relationships" xmlns:p="http://schemas.openxmlformats.org/presentationml/2006/main">
   <p:cSld>
     <p:spTree>
@@ -7480,7 +11075,7 @@
 </p:sld>
 </file>
 
-<file path=ppt/slides/slide6.xml><?xml version="1.0" encoding="utf-8"?>
+<file path=ppt/slides/slide8.xml><?xml version="1.0" encoding="utf-8"?>
 <p:sld xmlns:a="http://schemas.openxmlformats.org/drawingml/2006/main" xmlns:r="http://schemas.openxmlformats.org/officeDocument/2006/relationships" xmlns:p="http://schemas.openxmlformats.org/presentationml/2006/main">
   <p:cSld>
     <p:spTree>
@@ -7533,6 +11128,83 @@
           </a:prstGeom>
         </p:spPr>
       </p:pic>
+      <p:pic>
+        <p:nvPicPr>
+          <p:cNvPr id="4" name="Image 3" descr="Une image contenant texte, arts de la table, vaisselle, assiette&#10;&#10;Description générée automatiquement">
+            <a:extLst>
+              <a:ext uri="{FF2B5EF4-FFF2-40B4-BE49-F238E27FC236}">
+                <a16:creationId xmlns:a16="http://schemas.microsoft.com/office/drawing/2014/main" id="{AFA31AE4-8C91-AE6E-EF68-DE55FD50571A}"/>
+              </a:ext>
+            </a:extLst>
+          </p:cNvPr>
+          <p:cNvPicPr>
+            <a:picLocks noChangeAspect="1"/>
+          </p:cNvPicPr>
+          <p:nvPr/>
+        </p:nvPicPr>
+        <p:blipFill>
+          <a:blip r:embed="rId3">
+            <a:extLst>
+              <a:ext uri="{28A0092B-C50C-407E-A947-70E740481C1C}">
+                <a14:useLocalDpi xmlns:a14="http://schemas.microsoft.com/office/drawing/2010/main" val="0"/>
+              </a:ext>
+            </a:extLst>
+          </a:blip>
+          <a:stretch>
+            <a:fillRect/>
+          </a:stretch>
+        </p:blipFill>
+        <p:spPr>
+          <a:xfrm>
+            <a:off x="162214" y="144551"/>
+            <a:ext cx="2095500" cy="695325"/>
+          </a:xfrm>
+          <a:prstGeom prst="rect">
+            <a:avLst/>
+          </a:prstGeom>
+        </p:spPr>
+      </p:pic>
+      <p:pic>
+        <p:nvPicPr>
+          <p:cNvPr id="6" name="Image 5" descr="@InnovationLab-EFREIParis">
+            <a:extLst>
+              <a:ext uri="{FF2B5EF4-FFF2-40B4-BE49-F238E27FC236}">
+                <a16:creationId xmlns:a16="http://schemas.microsoft.com/office/drawing/2014/main" id="{D3603825-1A6F-E219-4635-028A2B200D85}"/>
+              </a:ext>
+            </a:extLst>
+          </p:cNvPr>
+          <p:cNvPicPr>
+            <a:picLocks noChangeAspect="1"/>
+          </p:cNvPicPr>
+          <p:nvPr/>
+        </p:nvPicPr>
+        <p:blipFill>
+          <a:blip r:embed="rId4">
+            <a:extLst>
+              <a:ext uri="{28A0092B-C50C-407E-A947-70E740481C1C}">
+                <a14:useLocalDpi xmlns:a14="http://schemas.microsoft.com/office/drawing/2010/main" val="0"/>
+              </a:ext>
+            </a:extLst>
+          </a:blip>
+          <a:srcRect/>
+          <a:stretch>
+            <a:fillRect/>
+          </a:stretch>
+        </p:blipFill>
+        <p:spPr bwMode="auto">
+          <a:xfrm>
+            <a:off x="10901500" y="13740"/>
+            <a:ext cx="956945" cy="956945"/>
+          </a:xfrm>
+          <a:prstGeom prst="rect">
+            <a:avLst/>
+          </a:prstGeom>
+          <a:noFill/>
+          <a:ln>
+            <a:noFill/>
+          </a:ln>
+        </p:spPr>
+      </p:pic>
     </p:spTree>
     <p:extLst>
       <p:ext uri="{BB962C8B-B14F-4D97-AF65-F5344CB8AC3E}">
@@ -7543,6 +11215,778 @@
   <p:clrMapOvr>
     <a:masterClrMapping/>
   </p:clrMapOvr>
+</p:sld>
+</file>
+
+<file path=ppt/slides/slide9.xml><?xml version="1.0" encoding="utf-8"?>
+<p:sld xmlns:a="http://schemas.openxmlformats.org/drawingml/2006/main" xmlns:r="http://schemas.openxmlformats.org/officeDocument/2006/relationships" xmlns:p="http://schemas.openxmlformats.org/presentationml/2006/main">
+  <p:cSld>
+    <p:spTree>
+      <p:nvGrpSpPr>
+        <p:cNvPr id="1" name=""/>
+        <p:cNvGrpSpPr/>
+        <p:nvPr/>
+      </p:nvGrpSpPr>
+      <p:grpSpPr>
+        <a:xfrm>
+          <a:off x="0" y="0"/>
+          <a:ext cx="0" cy="0"/>
+          <a:chOff x="0" y="0"/>
+          <a:chExt cx="0" cy="0"/>
+        </a:xfrm>
+      </p:grpSpPr>
+      <p:pic>
+        <p:nvPicPr>
+          <p:cNvPr id="4" name="Image 3" descr="Une image contenant texte, arts de la table, vaisselle, assiette&#10;&#10;Description générée automatiquement">
+            <a:extLst>
+              <a:ext uri="{FF2B5EF4-FFF2-40B4-BE49-F238E27FC236}">
+                <a16:creationId xmlns:a16="http://schemas.microsoft.com/office/drawing/2014/main" id="{048D6101-F13A-80D7-C2AB-B3857FA6F930}"/>
+              </a:ext>
+            </a:extLst>
+          </p:cNvPr>
+          <p:cNvPicPr>
+            <a:picLocks noChangeAspect="1"/>
+          </p:cNvPicPr>
+          <p:nvPr/>
+        </p:nvPicPr>
+        <p:blipFill>
+          <a:blip r:embed="rId2">
+            <a:extLst>
+              <a:ext uri="{28A0092B-C50C-407E-A947-70E740481C1C}">
+                <a14:useLocalDpi xmlns:a14="http://schemas.microsoft.com/office/drawing/2010/main" val="0"/>
+              </a:ext>
+            </a:extLst>
+          </a:blip>
+          <a:stretch>
+            <a:fillRect/>
+          </a:stretch>
+        </p:blipFill>
+        <p:spPr>
+          <a:xfrm>
+            <a:off x="162214" y="144551"/>
+            <a:ext cx="2095500" cy="695325"/>
+          </a:xfrm>
+          <a:prstGeom prst="rect">
+            <a:avLst/>
+          </a:prstGeom>
+        </p:spPr>
+      </p:pic>
+      <p:pic>
+        <p:nvPicPr>
+          <p:cNvPr id="5" name="Image 4" descr="@InnovationLab-EFREIParis">
+            <a:extLst>
+              <a:ext uri="{FF2B5EF4-FFF2-40B4-BE49-F238E27FC236}">
+                <a16:creationId xmlns:a16="http://schemas.microsoft.com/office/drawing/2014/main" id="{1CC0B959-36F1-C032-5A4F-8A76ED267A0F}"/>
+              </a:ext>
+            </a:extLst>
+          </p:cNvPr>
+          <p:cNvPicPr>
+            <a:picLocks noChangeAspect="1"/>
+          </p:cNvPicPr>
+          <p:nvPr/>
+        </p:nvPicPr>
+        <p:blipFill>
+          <a:blip r:embed="rId3">
+            <a:extLst>
+              <a:ext uri="{28A0092B-C50C-407E-A947-70E740481C1C}">
+                <a14:useLocalDpi xmlns:a14="http://schemas.microsoft.com/office/drawing/2010/main" val="0"/>
+              </a:ext>
+            </a:extLst>
+          </a:blip>
+          <a:srcRect/>
+          <a:stretch>
+            <a:fillRect/>
+          </a:stretch>
+        </p:blipFill>
+        <p:spPr bwMode="auto">
+          <a:xfrm>
+            <a:off x="10901500" y="13740"/>
+            <a:ext cx="956945" cy="956945"/>
+          </a:xfrm>
+          <a:prstGeom prst="rect">
+            <a:avLst/>
+          </a:prstGeom>
+          <a:noFill/>
+          <a:ln>
+            <a:noFill/>
+          </a:ln>
+        </p:spPr>
+      </p:pic>
+      <p:sp>
+        <p:nvSpPr>
+          <p:cNvPr id="6" name="Titre 1">
+            <a:extLst>
+              <a:ext uri="{FF2B5EF4-FFF2-40B4-BE49-F238E27FC236}">
+                <a16:creationId xmlns:a16="http://schemas.microsoft.com/office/drawing/2014/main" id="{92254044-4234-5CCF-1A1A-8029C066A2BB}"/>
+              </a:ext>
+            </a:extLst>
+          </p:cNvPr>
+          <p:cNvSpPr>
+            <a:spLocks noGrp="1"/>
+          </p:cNvSpPr>
+          <p:nvPr>
+            <p:ph type="title"/>
+          </p:nvPr>
+        </p:nvSpPr>
+        <p:spPr>
+          <a:xfrm>
+            <a:off x="838200" y="917209"/>
+            <a:ext cx="10515600" cy="1325563"/>
+          </a:xfrm>
+        </p:spPr>
+        <p:txBody>
+          <a:bodyPr/>
+          <a:lstStyle/>
+          <a:p>
+            <a:r>
+              <a:rPr lang="fr-FR" dirty="0"/>
+              <a:t>Apports Matériels</a:t>
+            </a:r>
+          </a:p>
+        </p:txBody>
+      </p:sp>
+      <p:sp>
+        <p:nvSpPr>
+          <p:cNvPr id="7" name="Espace réservé du contenu 2">
+            <a:extLst>
+              <a:ext uri="{FF2B5EF4-FFF2-40B4-BE49-F238E27FC236}">
+                <a16:creationId xmlns:a16="http://schemas.microsoft.com/office/drawing/2014/main" id="{1F16E1CC-6FB8-1747-FFAD-5376E993DF51}"/>
+              </a:ext>
+            </a:extLst>
+          </p:cNvPr>
+          <p:cNvSpPr>
+            <a:spLocks noGrp="1"/>
+          </p:cNvSpPr>
+          <p:nvPr>
+            <p:ph idx="1"/>
+          </p:nvPr>
+        </p:nvSpPr>
+        <p:spPr>
+          <a:xfrm>
+            <a:off x="838200" y="2377709"/>
+            <a:ext cx="10515600" cy="4351338"/>
+          </a:xfrm>
+        </p:spPr>
+        <p:txBody>
+          <a:bodyPr/>
+          <a:lstStyle/>
+          <a:p>
+            <a:r>
+              <a:rPr lang="fr-FR" u="sng" dirty="0"/>
+              <a:t>Rapporteur en plexiglas :</a:t>
+            </a:r>
+          </a:p>
+          <a:p>
+            <a:pPr>
+              <a:buFont typeface="Wingdings" panose="05000000000000000000" pitchFamily="2" charset="2"/>
+              <a:buChar char="Ø"/>
+            </a:pPr>
+            <a:r>
+              <a:rPr lang="fr-FR" dirty="0"/>
+              <a:t>Conception sur SolidWorks</a:t>
+            </a:r>
+          </a:p>
+          <a:p>
+            <a:pPr>
+              <a:buFont typeface="Wingdings" panose="05000000000000000000" pitchFamily="2" charset="2"/>
+              <a:buChar char="Ø"/>
+            </a:pPr>
+            <a:r>
+              <a:rPr lang="fr-FR" dirty="0"/>
+              <a:t>Fabrication via la découpeuse laser</a:t>
+            </a:r>
+          </a:p>
+          <a:p>
+            <a:r>
+              <a:rPr lang="fr-FR" u="sng" dirty="0"/>
+              <a:t>Nouveau Carter:</a:t>
+            </a:r>
+          </a:p>
+          <a:p>
+            <a:pPr>
+              <a:buFont typeface="Wingdings" panose="05000000000000000000" pitchFamily="2" charset="2"/>
+              <a:buChar char="Ø"/>
+            </a:pPr>
+            <a:r>
+              <a:rPr lang="fr-FR" dirty="0"/>
+              <a:t>Modification de l’ancien modèle sur SolidWorks</a:t>
+            </a:r>
+          </a:p>
+          <a:p>
+            <a:endParaRPr lang="fr-FR" u="sng" dirty="0"/>
+          </a:p>
+        </p:txBody>
+      </p:sp>
+      <p:pic>
+        <p:nvPicPr>
+          <p:cNvPr id="8" name="Image 7">
+            <a:extLst>
+              <a:ext uri="{FF2B5EF4-FFF2-40B4-BE49-F238E27FC236}">
+                <a16:creationId xmlns:a16="http://schemas.microsoft.com/office/drawing/2014/main" id="{A75FC30A-D886-932D-32F6-CED487384C23}"/>
+              </a:ext>
+            </a:extLst>
+          </p:cNvPr>
+          <p:cNvPicPr>
+            <a:picLocks noChangeAspect="1"/>
+          </p:cNvPicPr>
+          <p:nvPr/>
+        </p:nvPicPr>
+        <p:blipFill>
+          <a:blip r:embed="rId4"/>
+          <a:stretch>
+            <a:fillRect/>
+          </a:stretch>
+        </p:blipFill>
+        <p:spPr>
+          <a:xfrm>
+            <a:off x="6517959" y="2450585"/>
+            <a:ext cx="3236324" cy="1741191"/>
+          </a:xfrm>
+          <a:prstGeom prst="rect">
+            <a:avLst/>
+          </a:prstGeom>
+        </p:spPr>
+      </p:pic>
+      <p:pic>
+        <p:nvPicPr>
+          <p:cNvPr id="9" name="Image 8">
+            <a:extLst>
+              <a:ext uri="{FF2B5EF4-FFF2-40B4-BE49-F238E27FC236}">
+                <a16:creationId xmlns:a16="http://schemas.microsoft.com/office/drawing/2014/main" id="{7FE702BD-A20D-431C-8AEC-35696A747317}"/>
+              </a:ext>
+            </a:extLst>
+          </p:cNvPr>
+          <p:cNvPicPr>
+            <a:picLocks noChangeAspect="1"/>
+          </p:cNvPicPr>
+          <p:nvPr/>
+        </p:nvPicPr>
+        <p:blipFill>
+          <a:blip r:embed="rId5"/>
+          <a:stretch>
+            <a:fillRect/>
+          </a:stretch>
+        </p:blipFill>
+        <p:spPr>
+          <a:xfrm>
+            <a:off x="9846023" y="2427571"/>
+            <a:ext cx="2049910" cy="1764206"/>
+          </a:xfrm>
+          <a:prstGeom prst="rect">
+            <a:avLst/>
+          </a:prstGeom>
+        </p:spPr>
+      </p:pic>
+      <p:pic>
+        <p:nvPicPr>
+          <p:cNvPr id="10" name="Image 9">
+            <a:extLst>
+              <a:ext uri="{FF2B5EF4-FFF2-40B4-BE49-F238E27FC236}">
+                <a16:creationId xmlns:a16="http://schemas.microsoft.com/office/drawing/2014/main" id="{7FBF10E2-5D66-613A-4D77-1302E0A0F442}"/>
+              </a:ext>
+            </a:extLst>
+          </p:cNvPr>
+          <p:cNvPicPr>
+            <a:picLocks noChangeAspect="1"/>
+          </p:cNvPicPr>
+          <p:nvPr/>
+        </p:nvPicPr>
+        <p:blipFill>
+          <a:blip r:embed="rId6"/>
+          <a:stretch>
+            <a:fillRect/>
+          </a:stretch>
+        </p:blipFill>
+        <p:spPr>
+          <a:xfrm>
+            <a:off x="8481548" y="4326713"/>
+            <a:ext cx="2545469" cy="1973379"/>
+          </a:xfrm>
+          <a:prstGeom prst="rect">
+            <a:avLst/>
+          </a:prstGeom>
+        </p:spPr>
+      </p:pic>
+    </p:spTree>
+    <p:extLst>
+      <p:ext uri="{BB962C8B-B14F-4D97-AF65-F5344CB8AC3E}">
+        <p14:creationId xmlns:p14="http://schemas.microsoft.com/office/powerpoint/2010/main" val="4129120318"/>
+      </p:ext>
+    </p:extLst>
+  </p:cSld>
+  <p:clrMapOvr>
+    <a:masterClrMapping/>
+  </p:clrMapOvr>
+  <p:timing>
+    <p:tnLst>
+      <p:par>
+        <p:cTn id="1" dur="indefinite" restart="never" nodeType="tmRoot">
+          <p:childTnLst>
+            <p:seq concurrent="1" nextAc="seek">
+              <p:cTn id="2" dur="indefinite" nodeType="mainSeq">
+                <p:childTnLst>
+                  <p:par>
+                    <p:cTn id="3" fill="hold">
+                      <p:stCondLst>
+                        <p:cond delay="indefinite"/>
+                      </p:stCondLst>
+                      <p:childTnLst>
+                        <p:par>
+                          <p:cTn id="4" fill="hold">
+                            <p:stCondLst>
+                              <p:cond delay="0"/>
+                            </p:stCondLst>
+                            <p:childTnLst>
+                              <p:par>
+                                <p:cTn id="5" presetID="22" presetClass="entr" presetSubtype="1" fill="hold" nodeType="clickEffect">
+                                  <p:stCondLst>
+                                    <p:cond delay="0"/>
+                                  </p:stCondLst>
+                                  <p:childTnLst>
+                                    <p:set>
+                                      <p:cBhvr>
+                                        <p:cTn id="6" dur="1" fill="hold">
+                                          <p:stCondLst>
+                                            <p:cond delay="0"/>
+                                          </p:stCondLst>
+                                        </p:cTn>
+                                        <p:tgtEl>
+                                          <p:spTgt spid="7">
+                                            <p:txEl>
+                                              <p:pRg st="0" end="0"/>
+                                            </p:txEl>
+                                          </p:spTgt>
+                                        </p:tgtEl>
+                                        <p:attrNameLst>
+                                          <p:attrName>style.visibility</p:attrName>
+                                        </p:attrNameLst>
+                                      </p:cBhvr>
+                                      <p:to>
+                                        <p:strVal val="visible"/>
+                                      </p:to>
+                                    </p:set>
+                                    <p:animEffect transition="in" filter="wipe(up)">
+                                      <p:cBhvr>
+                                        <p:cTn id="7" dur="500"/>
+                                        <p:tgtEl>
+                                          <p:spTgt spid="7">
+                                            <p:txEl>
+                                              <p:pRg st="0" end="0"/>
+                                            </p:txEl>
+                                          </p:spTgt>
+                                        </p:tgtEl>
+                                      </p:cBhvr>
+                                    </p:animEffect>
+                                  </p:childTnLst>
+                                </p:cTn>
+                              </p:par>
+                            </p:childTnLst>
+                          </p:cTn>
+                        </p:par>
+                      </p:childTnLst>
+                    </p:cTn>
+                  </p:par>
+                  <p:par>
+                    <p:cTn id="8" fill="hold">
+                      <p:stCondLst>
+                        <p:cond delay="indefinite"/>
+                      </p:stCondLst>
+                      <p:childTnLst>
+                        <p:par>
+                          <p:cTn id="9" fill="hold">
+                            <p:stCondLst>
+                              <p:cond delay="0"/>
+                            </p:stCondLst>
+                            <p:childTnLst>
+                              <p:par>
+                                <p:cTn id="10" presetID="22" presetClass="entr" presetSubtype="1" fill="hold" nodeType="clickEffect">
+                                  <p:stCondLst>
+                                    <p:cond delay="0"/>
+                                  </p:stCondLst>
+                                  <p:childTnLst>
+                                    <p:set>
+                                      <p:cBhvr>
+                                        <p:cTn id="11" dur="1" fill="hold">
+                                          <p:stCondLst>
+                                            <p:cond delay="0"/>
+                                          </p:stCondLst>
+                                        </p:cTn>
+                                        <p:tgtEl>
+                                          <p:spTgt spid="7">
+                                            <p:txEl>
+                                              <p:pRg st="1" end="1"/>
+                                            </p:txEl>
+                                          </p:spTgt>
+                                        </p:tgtEl>
+                                        <p:attrNameLst>
+                                          <p:attrName>style.visibility</p:attrName>
+                                        </p:attrNameLst>
+                                      </p:cBhvr>
+                                      <p:to>
+                                        <p:strVal val="visible"/>
+                                      </p:to>
+                                    </p:set>
+                                    <p:animEffect transition="in" filter="wipe(up)">
+                                      <p:cBhvr>
+                                        <p:cTn id="12" dur="500"/>
+                                        <p:tgtEl>
+                                          <p:spTgt spid="7">
+                                            <p:txEl>
+                                              <p:pRg st="1" end="1"/>
+                                            </p:txEl>
+                                          </p:spTgt>
+                                        </p:tgtEl>
+                                      </p:cBhvr>
+                                    </p:animEffect>
+                                  </p:childTnLst>
+                                </p:cTn>
+                              </p:par>
+                            </p:childTnLst>
+                          </p:cTn>
+                        </p:par>
+                      </p:childTnLst>
+                    </p:cTn>
+                  </p:par>
+                  <p:par>
+                    <p:cTn id="13" fill="hold">
+                      <p:stCondLst>
+                        <p:cond delay="indefinite"/>
+                      </p:stCondLst>
+                      <p:childTnLst>
+                        <p:par>
+                          <p:cTn id="14" fill="hold">
+                            <p:stCondLst>
+                              <p:cond delay="0"/>
+                            </p:stCondLst>
+                            <p:childTnLst>
+                              <p:par>
+                                <p:cTn id="15" presetID="1" presetClass="entr" presetSubtype="0" fill="hold" nodeType="clickEffect">
+                                  <p:stCondLst>
+                                    <p:cond delay="0"/>
+                                  </p:stCondLst>
+                                  <p:childTnLst>
+                                    <p:set>
+                                      <p:cBhvr>
+                                        <p:cTn id="16" dur="1" fill="hold">
+                                          <p:stCondLst>
+                                            <p:cond delay="0"/>
+                                          </p:stCondLst>
+                                        </p:cTn>
+                                        <p:tgtEl>
+                                          <p:spTgt spid="8"/>
+                                        </p:tgtEl>
+                                        <p:attrNameLst>
+                                          <p:attrName>style.visibility</p:attrName>
+                                        </p:attrNameLst>
+                                      </p:cBhvr>
+                                      <p:to>
+                                        <p:strVal val="visible"/>
+                                      </p:to>
+                                    </p:set>
+                                  </p:childTnLst>
+                                </p:cTn>
+                              </p:par>
+                            </p:childTnLst>
+                          </p:cTn>
+                        </p:par>
+                      </p:childTnLst>
+                    </p:cTn>
+                  </p:par>
+                  <p:par>
+                    <p:cTn id="17" fill="hold">
+                      <p:stCondLst>
+                        <p:cond delay="indefinite"/>
+                      </p:stCondLst>
+                      <p:childTnLst>
+                        <p:par>
+                          <p:cTn id="18" fill="hold">
+                            <p:stCondLst>
+                              <p:cond delay="0"/>
+                            </p:stCondLst>
+                            <p:childTnLst>
+                              <p:par>
+                                <p:cTn id="19" presetID="22" presetClass="entr" presetSubtype="1" fill="hold" nodeType="clickEffect">
+                                  <p:stCondLst>
+                                    <p:cond delay="0"/>
+                                  </p:stCondLst>
+                                  <p:childTnLst>
+                                    <p:set>
+                                      <p:cBhvr>
+                                        <p:cTn id="20" dur="1" fill="hold">
+                                          <p:stCondLst>
+                                            <p:cond delay="0"/>
+                                          </p:stCondLst>
+                                        </p:cTn>
+                                        <p:tgtEl>
+                                          <p:spTgt spid="7">
+                                            <p:txEl>
+                                              <p:pRg st="2" end="2"/>
+                                            </p:txEl>
+                                          </p:spTgt>
+                                        </p:tgtEl>
+                                        <p:attrNameLst>
+                                          <p:attrName>style.visibility</p:attrName>
+                                        </p:attrNameLst>
+                                      </p:cBhvr>
+                                      <p:to>
+                                        <p:strVal val="visible"/>
+                                      </p:to>
+                                    </p:set>
+                                    <p:animEffect transition="in" filter="wipe(up)">
+                                      <p:cBhvr>
+                                        <p:cTn id="21" dur="500"/>
+                                        <p:tgtEl>
+                                          <p:spTgt spid="7">
+                                            <p:txEl>
+                                              <p:pRg st="2" end="2"/>
+                                            </p:txEl>
+                                          </p:spTgt>
+                                        </p:tgtEl>
+                                      </p:cBhvr>
+                                    </p:animEffect>
+                                  </p:childTnLst>
+                                </p:cTn>
+                              </p:par>
+                            </p:childTnLst>
+                          </p:cTn>
+                        </p:par>
+                      </p:childTnLst>
+                    </p:cTn>
+                  </p:par>
+                  <p:par>
+                    <p:cTn id="22" fill="hold">
+                      <p:stCondLst>
+                        <p:cond delay="indefinite"/>
+                      </p:stCondLst>
+                      <p:childTnLst>
+                        <p:par>
+                          <p:cTn id="23" fill="hold">
+                            <p:stCondLst>
+                              <p:cond delay="0"/>
+                            </p:stCondLst>
+                            <p:childTnLst>
+                              <p:par>
+                                <p:cTn id="24" presetID="1" presetClass="entr" presetSubtype="0" fill="hold" nodeType="clickEffect">
+                                  <p:stCondLst>
+                                    <p:cond delay="0"/>
+                                  </p:stCondLst>
+                                  <p:childTnLst>
+                                    <p:set>
+                                      <p:cBhvr>
+                                        <p:cTn id="25" dur="1" fill="hold">
+                                          <p:stCondLst>
+                                            <p:cond delay="0"/>
+                                          </p:stCondLst>
+                                        </p:cTn>
+                                        <p:tgtEl>
+                                          <p:spTgt spid="9"/>
+                                        </p:tgtEl>
+                                        <p:attrNameLst>
+                                          <p:attrName>style.visibility</p:attrName>
+                                        </p:attrNameLst>
+                                      </p:cBhvr>
+                                      <p:to>
+                                        <p:strVal val="visible"/>
+                                      </p:to>
+                                    </p:set>
+                                  </p:childTnLst>
+                                </p:cTn>
+                              </p:par>
+                            </p:childTnLst>
+                          </p:cTn>
+                        </p:par>
+                      </p:childTnLst>
+                    </p:cTn>
+                  </p:par>
+                  <p:par>
+                    <p:cTn id="26" fill="hold">
+                      <p:stCondLst>
+                        <p:cond delay="indefinite"/>
+                      </p:stCondLst>
+                      <p:childTnLst>
+                        <p:par>
+                          <p:cTn id="27" fill="hold">
+                            <p:stCondLst>
+                              <p:cond delay="0"/>
+                            </p:stCondLst>
+                            <p:childTnLst>
+                              <p:par>
+                                <p:cTn id="28" presetID="22" presetClass="entr" presetSubtype="1" fill="hold" nodeType="clickEffect">
+                                  <p:stCondLst>
+                                    <p:cond delay="0"/>
+                                  </p:stCondLst>
+                                  <p:childTnLst>
+                                    <p:set>
+                                      <p:cBhvr>
+                                        <p:cTn id="29" dur="1" fill="hold">
+                                          <p:stCondLst>
+                                            <p:cond delay="0"/>
+                                          </p:stCondLst>
+                                        </p:cTn>
+                                        <p:tgtEl>
+                                          <p:spTgt spid="7">
+                                            <p:txEl>
+                                              <p:pRg st="3" end="3"/>
+                                            </p:txEl>
+                                          </p:spTgt>
+                                        </p:tgtEl>
+                                        <p:attrNameLst>
+                                          <p:attrName>style.visibility</p:attrName>
+                                        </p:attrNameLst>
+                                      </p:cBhvr>
+                                      <p:to>
+                                        <p:strVal val="visible"/>
+                                      </p:to>
+                                    </p:set>
+                                    <p:animEffect transition="in" filter="wipe(up)">
+                                      <p:cBhvr>
+                                        <p:cTn id="30" dur="500"/>
+                                        <p:tgtEl>
+                                          <p:spTgt spid="7">
+                                            <p:txEl>
+                                              <p:pRg st="3" end="3"/>
+                                            </p:txEl>
+                                          </p:spTgt>
+                                        </p:tgtEl>
+                                      </p:cBhvr>
+                                    </p:animEffect>
+                                  </p:childTnLst>
+                                </p:cTn>
+                              </p:par>
+                            </p:childTnLst>
+                          </p:cTn>
+                        </p:par>
+                      </p:childTnLst>
+                    </p:cTn>
+                  </p:par>
+                  <p:par>
+                    <p:cTn id="31" fill="hold">
+                      <p:stCondLst>
+                        <p:cond delay="indefinite"/>
+                      </p:stCondLst>
+                      <p:childTnLst>
+                        <p:par>
+                          <p:cTn id="32" fill="hold">
+                            <p:stCondLst>
+                              <p:cond delay="0"/>
+                            </p:stCondLst>
+                            <p:childTnLst>
+                              <p:par>
+                                <p:cTn id="33" presetID="22" presetClass="entr" presetSubtype="1" fill="hold" nodeType="clickEffect">
+                                  <p:stCondLst>
+                                    <p:cond delay="0"/>
+                                  </p:stCondLst>
+                                  <p:childTnLst>
+                                    <p:set>
+                                      <p:cBhvr>
+                                        <p:cTn id="34" dur="1" fill="hold">
+                                          <p:stCondLst>
+                                            <p:cond delay="0"/>
+                                          </p:stCondLst>
+                                        </p:cTn>
+                                        <p:tgtEl>
+                                          <p:spTgt spid="7">
+                                            <p:txEl>
+                                              <p:pRg st="4" end="4"/>
+                                            </p:txEl>
+                                          </p:spTgt>
+                                        </p:tgtEl>
+                                        <p:attrNameLst>
+                                          <p:attrName>style.visibility</p:attrName>
+                                        </p:attrNameLst>
+                                      </p:cBhvr>
+                                      <p:to>
+                                        <p:strVal val="visible"/>
+                                      </p:to>
+                                    </p:set>
+                                    <p:animEffect transition="in" filter="wipe(up)">
+                                      <p:cBhvr>
+                                        <p:cTn id="35" dur="500"/>
+                                        <p:tgtEl>
+                                          <p:spTgt spid="7">
+                                            <p:txEl>
+                                              <p:pRg st="4" end="4"/>
+                                            </p:txEl>
+                                          </p:spTgt>
+                                        </p:tgtEl>
+                                      </p:cBhvr>
+                                    </p:animEffect>
+                                  </p:childTnLst>
+                                </p:cTn>
+                              </p:par>
+                            </p:childTnLst>
+                          </p:cTn>
+                        </p:par>
+                      </p:childTnLst>
+                    </p:cTn>
+                  </p:par>
+                  <p:par>
+                    <p:cTn id="36" fill="hold">
+                      <p:stCondLst>
+                        <p:cond delay="indefinite"/>
+                      </p:stCondLst>
+                      <p:childTnLst>
+                        <p:par>
+                          <p:cTn id="37" fill="hold">
+                            <p:stCondLst>
+                              <p:cond delay="0"/>
+                            </p:stCondLst>
+                            <p:childTnLst>
+                              <p:par>
+                                <p:cTn id="38" presetID="1" presetClass="entr" presetSubtype="0" fill="hold" nodeType="clickEffect">
+                                  <p:stCondLst>
+                                    <p:cond delay="0"/>
+                                  </p:stCondLst>
+                                  <p:childTnLst>
+                                    <p:set>
+                                      <p:cBhvr>
+                                        <p:cTn id="39" dur="1" fill="hold">
+                                          <p:stCondLst>
+                                            <p:cond delay="0"/>
+                                          </p:stCondLst>
+                                        </p:cTn>
+                                        <p:tgtEl>
+                                          <p:spTgt spid="10"/>
+                                        </p:tgtEl>
+                                        <p:attrNameLst>
+                                          <p:attrName>style.visibility</p:attrName>
+                                        </p:attrNameLst>
+                                      </p:cBhvr>
+                                      <p:to>
+                                        <p:strVal val="visible"/>
+                                      </p:to>
+                                    </p:set>
+                                  </p:childTnLst>
+                                </p:cTn>
+                              </p:par>
+                            </p:childTnLst>
+                          </p:cTn>
+                        </p:par>
+                      </p:childTnLst>
+                    </p:cTn>
+                  </p:par>
+                </p:childTnLst>
+              </p:cTn>
+              <p:prevCondLst>
+                <p:cond evt="onPrev" delay="0">
+                  <p:tgtEl>
+                    <p:sldTgt/>
+                  </p:tgtEl>
+                </p:cond>
+              </p:prevCondLst>
+              <p:nextCondLst>
+                <p:cond evt="onNext" delay="0">
+                  <p:tgtEl>
+                    <p:sldTgt/>
+                  </p:tgtEl>
+                </p:cond>
+              </p:nextCondLst>
+            </p:seq>
+          </p:childTnLst>
+        </p:cTn>
+      </p:par>
+    </p:tnLst>
+  </p:timing>
 </p:sld>
 </file>
 

--- a/01_doc/Presentations/Dossier 2022-2023 Julien/Présentation Soutenance de stage.pptx
+++ b/01_doc/Presentations/Dossier 2022-2023 Julien/Présentation Soutenance de stage.pptx
@@ -12,12 +12,14 @@
     <p:sldId id="257" r:id="rId6"/>
     <p:sldId id="262" r:id="rId7"/>
     <p:sldId id="258" r:id="rId8"/>
-    <p:sldId id="261" r:id="rId9"/>
-    <p:sldId id="266" r:id="rId10"/>
-    <p:sldId id="267" r:id="rId11"/>
-    <p:sldId id="268" r:id="rId12"/>
-    <p:sldId id="269" r:id="rId13"/>
-    <p:sldId id="270" r:id="rId14"/>
+    <p:sldId id="271" r:id="rId9"/>
+    <p:sldId id="272" r:id="rId10"/>
+    <p:sldId id="261" r:id="rId11"/>
+    <p:sldId id="266" r:id="rId12"/>
+    <p:sldId id="267" r:id="rId13"/>
+    <p:sldId id="268" r:id="rId14"/>
+    <p:sldId id="269" r:id="rId15"/>
+    <p:sldId id="270" r:id="rId16"/>
   </p:sldIdLst>
   <p:sldSz cx="12192000" cy="6858000"/>
   <p:notesSz cx="6858000" cy="9144000"/>
@@ -271,7 +273,7 @@
           <a:p>
             <a:fld id="{53D6A468-ED4D-45F2-857C-257AE920FA62}" type="datetimeFigureOut">
               <a:rPr lang="fr-FR" smtClean="0"/>
-              <a:t>15/03/2023</a:t>
+              <a:t>21/03/2023</a:t>
             </a:fld>
             <a:endParaRPr lang="fr-FR"/>
           </a:p>
@@ -469,7 +471,7 @@
           <a:p>
             <a:fld id="{53D6A468-ED4D-45F2-857C-257AE920FA62}" type="datetimeFigureOut">
               <a:rPr lang="fr-FR" smtClean="0"/>
-              <a:t>15/03/2023</a:t>
+              <a:t>21/03/2023</a:t>
             </a:fld>
             <a:endParaRPr lang="fr-FR"/>
           </a:p>
@@ -677,7 +679,7 @@
           <a:p>
             <a:fld id="{53D6A468-ED4D-45F2-857C-257AE920FA62}" type="datetimeFigureOut">
               <a:rPr lang="fr-FR" smtClean="0"/>
-              <a:t>15/03/2023</a:t>
+              <a:t>21/03/2023</a:t>
             </a:fld>
             <a:endParaRPr lang="fr-FR"/>
           </a:p>
@@ -875,7 +877,7 @@
           <a:p>
             <a:fld id="{53D6A468-ED4D-45F2-857C-257AE920FA62}" type="datetimeFigureOut">
               <a:rPr lang="fr-FR" smtClean="0"/>
-              <a:t>15/03/2023</a:t>
+              <a:t>21/03/2023</a:t>
             </a:fld>
             <a:endParaRPr lang="fr-FR"/>
           </a:p>
@@ -1150,7 +1152,7 @@
           <a:p>
             <a:fld id="{53D6A468-ED4D-45F2-857C-257AE920FA62}" type="datetimeFigureOut">
               <a:rPr lang="fr-FR" smtClean="0"/>
-              <a:t>15/03/2023</a:t>
+              <a:t>21/03/2023</a:t>
             </a:fld>
             <a:endParaRPr lang="fr-FR"/>
           </a:p>
@@ -1415,7 +1417,7 @@
           <a:p>
             <a:fld id="{53D6A468-ED4D-45F2-857C-257AE920FA62}" type="datetimeFigureOut">
               <a:rPr lang="fr-FR" smtClean="0"/>
-              <a:t>15/03/2023</a:t>
+              <a:t>21/03/2023</a:t>
             </a:fld>
             <a:endParaRPr lang="fr-FR"/>
           </a:p>
@@ -1827,7 +1829,7 @@
           <a:p>
             <a:fld id="{53D6A468-ED4D-45F2-857C-257AE920FA62}" type="datetimeFigureOut">
               <a:rPr lang="fr-FR" smtClean="0"/>
-              <a:t>15/03/2023</a:t>
+              <a:t>21/03/2023</a:t>
             </a:fld>
             <a:endParaRPr lang="fr-FR"/>
           </a:p>
@@ -1968,7 +1970,7 @@
           <a:p>
             <a:fld id="{53D6A468-ED4D-45F2-857C-257AE920FA62}" type="datetimeFigureOut">
               <a:rPr lang="fr-FR" smtClean="0"/>
-              <a:t>15/03/2023</a:t>
+              <a:t>21/03/2023</a:t>
             </a:fld>
             <a:endParaRPr lang="fr-FR"/>
           </a:p>
@@ -2081,7 +2083,7 @@
           <a:p>
             <a:fld id="{53D6A468-ED4D-45F2-857C-257AE920FA62}" type="datetimeFigureOut">
               <a:rPr lang="fr-FR" smtClean="0"/>
-              <a:t>15/03/2023</a:t>
+              <a:t>21/03/2023</a:t>
             </a:fld>
             <a:endParaRPr lang="fr-FR"/>
           </a:p>
@@ -2392,7 +2394,7 @@
           <a:p>
             <a:fld id="{53D6A468-ED4D-45F2-857C-257AE920FA62}" type="datetimeFigureOut">
               <a:rPr lang="fr-FR" smtClean="0"/>
-              <a:t>15/03/2023</a:t>
+              <a:t>21/03/2023</a:t>
             </a:fld>
             <a:endParaRPr lang="fr-FR"/>
           </a:p>
@@ -2680,7 +2682,7 @@
           <a:p>
             <a:fld id="{53D6A468-ED4D-45F2-857C-257AE920FA62}" type="datetimeFigureOut">
               <a:rPr lang="fr-FR" smtClean="0"/>
-              <a:t>15/03/2023</a:t>
+              <a:t>21/03/2023</a:t>
             </a:fld>
             <a:endParaRPr lang="fr-FR"/>
           </a:p>
@@ -2921,7 +2923,7 @@
           <a:p>
             <a:fld id="{53D6A468-ED4D-45F2-857C-257AE920FA62}" type="datetimeFigureOut">
               <a:rPr lang="fr-FR" smtClean="0"/>
-              <a:t>15/03/2023</a:t>
+              <a:t>21/03/2023</a:t>
             </a:fld>
             <a:endParaRPr lang="fr-FR"/>
           </a:p>
@@ -3534,6 +3536,921 @@
       </p:grpSpPr>
       <p:pic>
         <p:nvPicPr>
+          <p:cNvPr id="5" name="Image 4">
+            <a:extLst>
+              <a:ext uri="{FF2B5EF4-FFF2-40B4-BE49-F238E27FC236}">
+                <a16:creationId xmlns:a16="http://schemas.microsoft.com/office/drawing/2014/main" id="{BADEC615-BE84-8D71-F23F-30FC3A3691F5}"/>
+              </a:ext>
+            </a:extLst>
+          </p:cNvPr>
+          <p:cNvPicPr>
+            <a:picLocks noChangeAspect="1"/>
+          </p:cNvPicPr>
+          <p:nvPr/>
+        </p:nvPicPr>
+        <p:blipFill>
+          <a:blip r:embed="rId2">
+            <a:extLst>
+              <a:ext uri="{28A0092B-C50C-407E-A947-70E740481C1C}">
+                <a14:useLocalDpi xmlns:a14="http://schemas.microsoft.com/office/drawing/2010/main" val="0"/>
+              </a:ext>
+            </a:extLst>
+          </a:blip>
+          <a:stretch>
+            <a:fillRect/>
+          </a:stretch>
+        </p:blipFill>
+        <p:spPr>
+          <a:xfrm>
+            <a:off x="2546007" y="0"/>
+            <a:ext cx="7099985" cy="6858000"/>
+          </a:xfrm>
+          <a:prstGeom prst="rect">
+            <a:avLst/>
+          </a:prstGeom>
+        </p:spPr>
+      </p:pic>
+      <p:pic>
+        <p:nvPicPr>
+          <p:cNvPr id="4" name="Image 3" descr="Une image contenant texte, arts de la table, vaisselle, assiette&#10;&#10;Description générée automatiquement">
+            <a:extLst>
+              <a:ext uri="{FF2B5EF4-FFF2-40B4-BE49-F238E27FC236}">
+                <a16:creationId xmlns:a16="http://schemas.microsoft.com/office/drawing/2014/main" id="{AFA31AE4-8C91-AE6E-EF68-DE55FD50571A}"/>
+              </a:ext>
+            </a:extLst>
+          </p:cNvPr>
+          <p:cNvPicPr>
+            <a:picLocks noChangeAspect="1"/>
+          </p:cNvPicPr>
+          <p:nvPr/>
+        </p:nvPicPr>
+        <p:blipFill>
+          <a:blip r:embed="rId3">
+            <a:extLst>
+              <a:ext uri="{28A0092B-C50C-407E-A947-70E740481C1C}">
+                <a14:useLocalDpi xmlns:a14="http://schemas.microsoft.com/office/drawing/2010/main" val="0"/>
+              </a:ext>
+            </a:extLst>
+          </a:blip>
+          <a:stretch>
+            <a:fillRect/>
+          </a:stretch>
+        </p:blipFill>
+        <p:spPr>
+          <a:xfrm>
+            <a:off x="162214" y="144551"/>
+            <a:ext cx="2095500" cy="695325"/>
+          </a:xfrm>
+          <a:prstGeom prst="rect">
+            <a:avLst/>
+          </a:prstGeom>
+        </p:spPr>
+      </p:pic>
+      <p:pic>
+        <p:nvPicPr>
+          <p:cNvPr id="6" name="Image 5" descr="@InnovationLab-EFREIParis">
+            <a:extLst>
+              <a:ext uri="{FF2B5EF4-FFF2-40B4-BE49-F238E27FC236}">
+                <a16:creationId xmlns:a16="http://schemas.microsoft.com/office/drawing/2014/main" id="{D3603825-1A6F-E219-4635-028A2B200D85}"/>
+              </a:ext>
+            </a:extLst>
+          </p:cNvPr>
+          <p:cNvPicPr>
+            <a:picLocks noChangeAspect="1"/>
+          </p:cNvPicPr>
+          <p:nvPr/>
+        </p:nvPicPr>
+        <p:blipFill>
+          <a:blip r:embed="rId4">
+            <a:extLst>
+              <a:ext uri="{28A0092B-C50C-407E-A947-70E740481C1C}">
+                <a14:useLocalDpi xmlns:a14="http://schemas.microsoft.com/office/drawing/2010/main" val="0"/>
+              </a:ext>
+            </a:extLst>
+          </a:blip>
+          <a:srcRect/>
+          <a:stretch>
+            <a:fillRect/>
+          </a:stretch>
+        </p:blipFill>
+        <p:spPr bwMode="auto">
+          <a:xfrm>
+            <a:off x="10901500" y="13740"/>
+            <a:ext cx="956945" cy="956945"/>
+          </a:xfrm>
+          <a:prstGeom prst="rect">
+            <a:avLst/>
+          </a:prstGeom>
+          <a:noFill/>
+          <a:ln>
+            <a:noFill/>
+          </a:ln>
+        </p:spPr>
+      </p:pic>
+    </p:spTree>
+    <p:extLst>
+      <p:ext uri="{BB962C8B-B14F-4D97-AF65-F5344CB8AC3E}">
+        <p14:creationId xmlns:p14="http://schemas.microsoft.com/office/powerpoint/2010/main" val="1830679700"/>
+      </p:ext>
+    </p:extLst>
+  </p:cSld>
+  <p:clrMapOvr>
+    <a:masterClrMapping/>
+  </p:clrMapOvr>
+</p:sld>
+</file>
+
+<file path=ppt/slides/slide11.xml><?xml version="1.0" encoding="utf-8"?>
+<p:sld xmlns:a="http://schemas.openxmlformats.org/drawingml/2006/main" xmlns:r="http://schemas.openxmlformats.org/officeDocument/2006/relationships" xmlns:p="http://schemas.openxmlformats.org/presentationml/2006/main">
+  <p:cSld>
+    <p:spTree>
+      <p:nvGrpSpPr>
+        <p:cNvPr id="1" name=""/>
+        <p:cNvGrpSpPr/>
+        <p:nvPr/>
+      </p:nvGrpSpPr>
+      <p:grpSpPr>
+        <a:xfrm>
+          <a:off x="0" y="0"/>
+          <a:ext cx="0" cy="0"/>
+          <a:chOff x="0" y="0"/>
+          <a:chExt cx="0" cy="0"/>
+        </a:xfrm>
+      </p:grpSpPr>
+      <p:pic>
+        <p:nvPicPr>
+          <p:cNvPr id="4" name="Image 3" descr="Une image contenant texte, arts de la table, vaisselle, assiette&#10;&#10;Description générée automatiquement">
+            <a:extLst>
+              <a:ext uri="{FF2B5EF4-FFF2-40B4-BE49-F238E27FC236}">
+                <a16:creationId xmlns:a16="http://schemas.microsoft.com/office/drawing/2014/main" id="{048D6101-F13A-80D7-C2AB-B3857FA6F930}"/>
+              </a:ext>
+            </a:extLst>
+          </p:cNvPr>
+          <p:cNvPicPr>
+            <a:picLocks noChangeAspect="1"/>
+          </p:cNvPicPr>
+          <p:nvPr/>
+        </p:nvPicPr>
+        <p:blipFill>
+          <a:blip r:embed="rId2">
+            <a:extLst>
+              <a:ext uri="{28A0092B-C50C-407E-A947-70E740481C1C}">
+                <a14:useLocalDpi xmlns:a14="http://schemas.microsoft.com/office/drawing/2010/main" val="0"/>
+              </a:ext>
+            </a:extLst>
+          </a:blip>
+          <a:stretch>
+            <a:fillRect/>
+          </a:stretch>
+        </p:blipFill>
+        <p:spPr>
+          <a:xfrm>
+            <a:off x="162214" y="144551"/>
+            <a:ext cx="2095500" cy="695325"/>
+          </a:xfrm>
+          <a:prstGeom prst="rect">
+            <a:avLst/>
+          </a:prstGeom>
+        </p:spPr>
+      </p:pic>
+      <p:pic>
+        <p:nvPicPr>
+          <p:cNvPr id="5" name="Image 4" descr="@InnovationLab-EFREIParis">
+            <a:extLst>
+              <a:ext uri="{FF2B5EF4-FFF2-40B4-BE49-F238E27FC236}">
+                <a16:creationId xmlns:a16="http://schemas.microsoft.com/office/drawing/2014/main" id="{1CC0B959-36F1-C032-5A4F-8A76ED267A0F}"/>
+              </a:ext>
+            </a:extLst>
+          </p:cNvPr>
+          <p:cNvPicPr>
+            <a:picLocks noChangeAspect="1"/>
+          </p:cNvPicPr>
+          <p:nvPr/>
+        </p:nvPicPr>
+        <p:blipFill>
+          <a:blip r:embed="rId3">
+            <a:extLst>
+              <a:ext uri="{28A0092B-C50C-407E-A947-70E740481C1C}">
+                <a14:useLocalDpi xmlns:a14="http://schemas.microsoft.com/office/drawing/2010/main" val="0"/>
+              </a:ext>
+            </a:extLst>
+          </a:blip>
+          <a:srcRect/>
+          <a:stretch>
+            <a:fillRect/>
+          </a:stretch>
+        </p:blipFill>
+        <p:spPr bwMode="auto">
+          <a:xfrm>
+            <a:off x="10901500" y="13740"/>
+            <a:ext cx="956945" cy="956945"/>
+          </a:xfrm>
+          <a:prstGeom prst="rect">
+            <a:avLst/>
+          </a:prstGeom>
+          <a:noFill/>
+          <a:ln>
+            <a:noFill/>
+          </a:ln>
+        </p:spPr>
+      </p:pic>
+      <p:sp>
+        <p:nvSpPr>
+          <p:cNvPr id="6" name="Titre 1">
+            <a:extLst>
+              <a:ext uri="{FF2B5EF4-FFF2-40B4-BE49-F238E27FC236}">
+                <a16:creationId xmlns:a16="http://schemas.microsoft.com/office/drawing/2014/main" id="{92254044-4234-5CCF-1A1A-8029C066A2BB}"/>
+              </a:ext>
+            </a:extLst>
+          </p:cNvPr>
+          <p:cNvSpPr>
+            <a:spLocks noGrp="1"/>
+          </p:cNvSpPr>
+          <p:nvPr>
+            <p:ph type="title"/>
+          </p:nvPr>
+        </p:nvSpPr>
+        <p:spPr>
+          <a:xfrm>
+            <a:off x="838200" y="917209"/>
+            <a:ext cx="10515600" cy="1325563"/>
+          </a:xfrm>
+        </p:spPr>
+        <p:txBody>
+          <a:bodyPr/>
+          <a:lstStyle/>
+          <a:p>
+            <a:r>
+              <a:rPr lang="fr-FR" dirty="0"/>
+              <a:t>Apports Matériels</a:t>
+            </a:r>
+          </a:p>
+        </p:txBody>
+      </p:sp>
+      <p:sp>
+        <p:nvSpPr>
+          <p:cNvPr id="7" name="Espace réservé du contenu 2">
+            <a:extLst>
+              <a:ext uri="{FF2B5EF4-FFF2-40B4-BE49-F238E27FC236}">
+                <a16:creationId xmlns:a16="http://schemas.microsoft.com/office/drawing/2014/main" id="{1F16E1CC-6FB8-1747-FFAD-5376E993DF51}"/>
+              </a:ext>
+            </a:extLst>
+          </p:cNvPr>
+          <p:cNvSpPr>
+            <a:spLocks noGrp="1"/>
+          </p:cNvSpPr>
+          <p:nvPr>
+            <p:ph idx="1"/>
+          </p:nvPr>
+        </p:nvSpPr>
+        <p:spPr>
+          <a:xfrm>
+            <a:off x="838200" y="2377709"/>
+            <a:ext cx="10515600" cy="4351338"/>
+          </a:xfrm>
+        </p:spPr>
+        <p:txBody>
+          <a:bodyPr/>
+          <a:lstStyle/>
+          <a:p>
+            <a:r>
+              <a:rPr lang="fr-FR" u="sng" dirty="0"/>
+              <a:t>Rapporteur en plexiglas :</a:t>
+            </a:r>
+          </a:p>
+          <a:p>
+            <a:pPr>
+              <a:buFont typeface="Wingdings" panose="05000000000000000000" pitchFamily="2" charset="2"/>
+              <a:buChar char="Ø"/>
+            </a:pPr>
+            <a:r>
+              <a:rPr lang="fr-FR" dirty="0"/>
+              <a:t>Conception sur SolidWorks</a:t>
+            </a:r>
+          </a:p>
+          <a:p>
+            <a:pPr>
+              <a:buFont typeface="Wingdings" panose="05000000000000000000" pitchFamily="2" charset="2"/>
+              <a:buChar char="Ø"/>
+            </a:pPr>
+            <a:r>
+              <a:rPr lang="fr-FR" dirty="0"/>
+              <a:t>Fabrication via la découpeuse laser</a:t>
+            </a:r>
+          </a:p>
+          <a:p>
+            <a:r>
+              <a:rPr lang="fr-FR" u="sng" dirty="0"/>
+              <a:t>Nouveau Carter:</a:t>
+            </a:r>
+          </a:p>
+          <a:p>
+            <a:pPr>
+              <a:buFont typeface="Wingdings" panose="05000000000000000000" pitchFamily="2" charset="2"/>
+              <a:buChar char="Ø"/>
+            </a:pPr>
+            <a:r>
+              <a:rPr lang="fr-FR" dirty="0"/>
+              <a:t>Modification de l’ancien modèle sur SolidWorks</a:t>
+            </a:r>
+          </a:p>
+          <a:p>
+            <a:endParaRPr lang="fr-FR" u="sng" dirty="0"/>
+          </a:p>
+        </p:txBody>
+      </p:sp>
+      <p:pic>
+        <p:nvPicPr>
+          <p:cNvPr id="8" name="Image 7">
+            <a:extLst>
+              <a:ext uri="{FF2B5EF4-FFF2-40B4-BE49-F238E27FC236}">
+                <a16:creationId xmlns:a16="http://schemas.microsoft.com/office/drawing/2014/main" id="{A75FC30A-D886-932D-32F6-CED487384C23}"/>
+              </a:ext>
+            </a:extLst>
+          </p:cNvPr>
+          <p:cNvPicPr>
+            <a:picLocks noChangeAspect="1"/>
+          </p:cNvPicPr>
+          <p:nvPr/>
+        </p:nvPicPr>
+        <p:blipFill>
+          <a:blip r:embed="rId4"/>
+          <a:stretch>
+            <a:fillRect/>
+          </a:stretch>
+        </p:blipFill>
+        <p:spPr>
+          <a:xfrm>
+            <a:off x="6517959" y="2450585"/>
+            <a:ext cx="3236324" cy="1741191"/>
+          </a:xfrm>
+          <a:prstGeom prst="rect">
+            <a:avLst/>
+          </a:prstGeom>
+        </p:spPr>
+      </p:pic>
+      <p:pic>
+        <p:nvPicPr>
+          <p:cNvPr id="9" name="Image 8">
+            <a:extLst>
+              <a:ext uri="{FF2B5EF4-FFF2-40B4-BE49-F238E27FC236}">
+                <a16:creationId xmlns:a16="http://schemas.microsoft.com/office/drawing/2014/main" id="{7FE702BD-A20D-431C-8AEC-35696A747317}"/>
+              </a:ext>
+            </a:extLst>
+          </p:cNvPr>
+          <p:cNvPicPr>
+            <a:picLocks noChangeAspect="1"/>
+          </p:cNvPicPr>
+          <p:nvPr/>
+        </p:nvPicPr>
+        <p:blipFill>
+          <a:blip r:embed="rId5"/>
+          <a:stretch>
+            <a:fillRect/>
+          </a:stretch>
+        </p:blipFill>
+        <p:spPr>
+          <a:xfrm>
+            <a:off x="9846023" y="2427571"/>
+            <a:ext cx="2049910" cy="1764206"/>
+          </a:xfrm>
+          <a:prstGeom prst="rect">
+            <a:avLst/>
+          </a:prstGeom>
+        </p:spPr>
+      </p:pic>
+      <p:pic>
+        <p:nvPicPr>
+          <p:cNvPr id="10" name="Image 9">
+            <a:extLst>
+              <a:ext uri="{FF2B5EF4-FFF2-40B4-BE49-F238E27FC236}">
+                <a16:creationId xmlns:a16="http://schemas.microsoft.com/office/drawing/2014/main" id="{7FBF10E2-5D66-613A-4D77-1302E0A0F442}"/>
+              </a:ext>
+            </a:extLst>
+          </p:cNvPr>
+          <p:cNvPicPr>
+            <a:picLocks noChangeAspect="1"/>
+          </p:cNvPicPr>
+          <p:nvPr/>
+        </p:nvPicPr>
+        <p:blipFill>
+          <a:blip r:embed="rId6"/>
+          <a:stretch>
+            <a:fillRect/>
+          </a:stretch>
+        </p:blipFill>
+        <p:spPr>
+          <a:xfrm>
+            <a:off x="8481548" y="4326713"/>
+            <a:ext cx="2545469" cy="1973379"/>
+          </a:xfrm>
+          <a:prstGeom prst="rect">
+            <a:avLst/>
+          </a:prstGeom>
+        </p:spPr>
+      </p:pic>
+    </p:spTree>
+    <p:extLst>
+      <p:ext uri="{BB962C8B-B14F-4D97-AF65-F5344CB8AC3E}">
+        <p14:creationId xmlns:p14="http://schemas.microsoft.com/office/powerpoint/2010/main" val="4129120318"/>
+      </p:ext>
+    </p:extLst>
+  </p:cSld>
+  <p:clrMapOvr>
+    <a:masterClrMapping/>
+  </p:clrMapOvr>
+  <p:timing>
+    <p:tnLst>
+      <p:par>
+        <p:cTn id="1" dur="indefinite" restart="never" nodeType="tmRoot">
+          <p:childTnLst>
+            <p:seq concurrent="1" nextAc="seek">
+              <p:cTn id="2" dur="indefinite" nodeType="mainSeq">
+                <p:childTnLst>
+                  <p:par>
+                    <p:cTn id="3" fill="hold">
+                      <p:stCondLst>
+                        <p:cond delay="indefinite"/>
+                      </p:stCondLst>
+                      <p:childTnLst>
+                        <p:par>
+                          <p:cTn id="4" fill="hold">
+                            <p:stCondLst>
+                              <p:cond delay="0"/>
+                            </p:stCondLst>
+                            <p:childTnLst>
+                              <p:par>
+                                <p:cTn id="5" presetID="22" presetClass="entr" presetSubtype="1" fill="hold" nodeType="clickEffect">
+                                  <p:stCondLst>
+                                    <p:cond delay="0"/>
+                                  </p:stCondLst>
+                                  <p:childTnLst>
+                                    <p:set>
+                                      <p:cBhvr>
+                                        <p:cTn id="6" dur="1" fill="hold">
+                                          <p:stCondLst>
+                                            <p:cond delay="0"/>
+                                          </p:stCondLst>
+                                        </p:cTn>
+                                        <p:tgtEl>
+                                          <p:spTgt spid="7">
+                                            <p:txEl>
+                                              <p:pRg st="0" end="0"/>
+                                            </p:txEl>
+                                          </p:spTgt>
+                                        </p:tgtEl>
+                                        <p:attrNameLst>
+                                          <p:attrName>style.visibility</p:attrName>
+                                        </p:attrNameLst>
+                                      </p:cBhvr>
+                                      <p:to>
+                                        <p:strVal val="visible"/>
+                                      </p:to>
+                                    </p:set>
+                                    <p:animEffect transition="in" filter="wipe(up)">
+                                      <p:cBhvr>
+                                        <p:cTn id="7" dur="500"/>
+                                        <p:tgtEl>
+                                          <p:spTgt spid="7">
+                                            <p:txEl>
+                                              <p:pRg st="0" end="0"/>
+                                            </p:txEl>
+                                          </p:spTgt>
+                                        </p:tgtEl>
+                                      </p:cBhvr>
+                                    </p:animEffect>
+                                  </p:childTnLst>
+                                </p:cTn>
+                              </p:par>
+                            </p:childTnLst>
+                          </p:cTn>
+                        </p:par>
+                      </p:childTnLst>
+                    </p:cTn>
+                  </p:par>
+                  <p:par>
+                    <p:cTn id="8" fill="hold">
+                      <p:stCondLst>
+                        <p:cond delay="indefinite"/>
+                      </p:stCondLst>
+                      <p:childTnLst>
+                        <p:par>
+                          <p:cTn id="9" fill="hold">
+                            <p:stCondLst>
+                              <p:cond delay="0"/>
+                            </p:stCondLst>
+                            <p:childTnLst>
+                              <p:par>
+                                <p:cTn id="10" presetID="22" presetClass="entr" presetSubtype="1" fill="hold" nodeType="clickEffect">
+                                  <p:stCondLst>
+                                    <p:cond delay="0"/>
+                                  </p:stCondLst>
+                                  <p:childTnLst>
+                                    <p:set>
+                                      <p:cBhvr>
+                                        <p:cTn id="11" dur="1" fill="hold">
+                                          <p:stCondLst>
+                                            <p:cond delay="0"/>
+                                          </p:stCondLst>
+                                        </p:cTn>
+                                        <p:tgtEl>
+                                          <p:spTgt spid="7">
+                                            <p:txEl>
+                                              <p:pRg st="1" end="1"/>
+                                            </p:txEl>
+                                          </p:spTgt>
+                                        </p:tgtEl>
+                                        <p:attrNameLst>
+                                          <p:attrName>style.visibility</p:attrName>
+                                        </p:attrNameLst>
+                                      </p:cBhvr>
+                                      <p:to>
+                                        <p:strVal val="visible"/>
+                                      </p:to>
+                                    </p:set>
+                                    <p:animEffect transition="in" filter="wipe(up)">
+                                      <p:cBhvr>
+                                        <p:cTn id="12" dur="500"/>
+                                        <p:tgtEl>
+                                          <p:spTgt spid="7">
+                                            <p:txEl>
+                                              <p:pRg st="1" end="1"/>
+                                            </p:txEl>
+                                          </p:spTgt>
+                                        </p:tgtEl>
+                                      </p:cBhvr>
+                                    </p:animEffect>
+                                  </p:childTnLst>
+                                </p:cTn>
+                              </p:par>
+                            </p:childTnLst>
+                          </p:cTn>
+                        </p:par>
+                      </p:childTnLst>
+                    </p:cTn>
+                  </p:par>
+                  <p:par>
+                    <p:cTn id="13" fill="hold">
+                      <p:stCondLst>
+                        <p:cond delay="indefinite"/>
+                      </p:stCondLst>
+                      <p:childTnLst>
+                        <p:par>
+                          <p:cTn id="14" fill="hold">
+                            <p:stCondLst>
+                              <p:cond delay="0"/>
+                            </p:stCondLst>
+                            <p:childTnLst>
+                              <p:par>
+                                <p:cTn id="15" presetID="1" presetClass="entr" presetSubtype="0" fill="hold" nodeType="clickEffect">
+                                  <p:stCondLst>
+                                    <p:cond delay="0"/>
+                                  </p:stCondLst>
+                                  <p:childTnLst>
+                                    <p:set>
+                                      <p:cBhvr>
+                                        <p:cTn id="16" dur="1" fill="hold">
+                                          <p:stCondLst>
+                                            <p:cond delay="0"/>
+                                          </p:stCondLst>
+                                        </p:cTn>
+                                        <p:tgtEl>
+                                          <p:spTgt spid="8"/>
+                                        </p:tgtEl>
+                                        <p:attrNameLst>
+                                          <p:attrName>style.visibility</p:attrName>
+                                        </p:attrNameLst>
+                                      </p:cBhvr>
+                                      <p:to>
+                                        <p:strVal val="visible"/>
+                                      </p:to>
+                                    </p:set>
+                                  </p:childTnLst>
+                                </p:cTn>
+                              </p:par>
+                            </p:childTnLst>
+                          </p:cTn>
+                        </p:par>
+                      </p:childTnLst>
+                    </p:cTn>
+                  </p:par>
+                  <p:par>
+                    <p:cTn id="17" fill="hold">
+                      <p:stCondLst>
+                        <p:cond delay="indefinite"/>
+                      </p:stCondLst>
+                      <p:childTnLst>
+                        <p:par>
+                          <p:cTn id="18" fill="hold">
+                            <p:stCondLst>
+                              <p:cond delay="0"/>
+                            </p:stCondLst>
+                            <p:childTnLst>
+                              <p:par>
+                                <p:cTn id="19" presetID="22" presetClass="entr" presetSubtype="1" fill="hold" nodeType="clickEffect">
+                                  <p:stCondLst>
+                                    <p:cond delay="0"/>
+                                  </p:stCondLst>
+                                  <p:childTnLst>
+                                    <p:set>
+                                      <p:cBhvr>
+                                        <p:cTn id="20" dur="1" fill="hold">
+                                          <p:stCondLst>
+                                            <p:cond delay="0"/>
+                                          </p:stCondLst>
+                                        </p:cTn>
+                                        <p:tgtEl>
+                                          <p:spTgt spid="7">
+                                            <p:txEl>
+                                              <p:pRg st="2" end="2"/>
+                                            </p:txEl>
+                                          </p:spTgt>
+                                        </p:tgtEl>
+                                        <p:attrNameLst>
+                                          <p:attrName>style.visibility</p:attrName>
+                                        </p:attrNameLst>
+                                      </p:cBhvr>
+                                      <p:to>
+                                        <p:strVal val="visible"/>
+                                      </p:to>
+                                    </p:set>
+                                    <p:animEffect transition="in" filter="wipe(up)">
+                                      <p:cBhvr>
+                                        <p:cTn id="21" dur="500"/>
+                                        <p:tgtEl>
+                                          <p:spTgt spid="7">
+                                            <p:txEl>
+                                              <p:pRg st="2" end="2"/>
+                                            </p:txEl>
+                                          </p:spTgt>
+                                        </p:tgtEl>
+                                      </p:cBhvr>
+                                    </p:animEffect>
+                                  </p:childTnLst>
+                                </p:cTn>
+                              </p:par>
+                            </p:childTnLst>
+                          </p:cTn>
+                        </p:par>
+                      </p:childTnLst>
+                    </p:cTn>
+                  </p:par>
+                  <p:par>
+                    <p:cTn id="22" fill="hold">
+                      <p:stCondLst>
+                        <p:cond delay="indefinite"/>
+                      </p:stCondLst>
+                      <p:childTnLst>
+                        <p:par>
+                          <p:cTn id="23" fill="hold">
+                            <p:stCondLst>
+                              <p:cond delay="0"/>
+                            </p:stCondLst>
+                            <p:childTnLst>
+                              <p:par>
+                                <p:cTn id="24" presetID="1" presetClass="entr" presetSubtype="0" fill="hold" nodeType="clickEffect">
+                                  <p:stCondLst>
+                                    <p:cond delay="0"/>
+                                  </p:stCondLst>
+                                  <p:childTnLst>
+                                    <p:set>
+                                      <p:cBhvr>
+                                        <p:cTn id="25" dur="1" fill="hold">
+                                          <p:stCondLst>
+                                            <p:cond delay="0"/>
+                                          </p:stCondLst>
+                                        </p:cTn>
+                                        <p:tgtEl>
+                                          <p:spTgt spid="9"/>
+                                        </p:tgtEl>
+                                        <p:attrNameLst>
+                                          <p:attrName>style.visibility</p:attrName>
+                                        </p:attrNameLst>
+                                      </p:cBhvr>
+                                      <p:to>
+                                        <p:strVal val="visible"/>
+                                      </p:to>
+                                    </p:set>
+                                  </p:childTnLst>
+                                </p:cTn>
+                              </p:par>
+                            </p:childTnLst>
+                          </p:cTn>
+                        </p:par>
+                      </p:childTnLst>
+                    </p:cTn>
+                  </p:par>
+                  <p:par>
+                    <p:cTn id="26" fill="hold">
+                      <p:stCondLst>
+                        <p:cond delay="indefinite"/>
+                      </p:stCondLst>
+                      <p:childTnLst>
+                        <p:par>
+                          <p:cTn id="27" fill="hold">
+                            <p:stCondLst>
+                              <p:cond delay="0"/>
+                            </p:stCondLst>
+                            <p:childTnLst>
+                              <p:par>
+                                <p:cTn id="28" presetID="22" presetClass="entr" presetSubtype="1" fill="hold" nodeType="clickEffect">
+                                  <p:stCondLst>
+                                    <p:cond delay="0"/>
+                                  </p:stCondLst>
+                                  <p:childTnLst>
+                                    <p:set>
+                                      <p:cBhvr>
+                                        <p:cTn id="29" dur="1" fill="hold">
+                                          <p:stCondLst>
+                                            <p:cond delay="0"/>
+                                          </p:stCondLst>
+                                        </p:cTn>
+                                        <p:tgtEl>
+                                          <p:spTgt spid="7">
+                                            <p:txEl>
+                                              <p:pRg st="3" end="3"/>
+                                            </p:txEl>
+                                          </p:spTgt>
+                                        </p:tgtEl>
+                                        <p:attrNameLst>
+                                          <p:attrName>style.visibility</p:attrName>
+                                        </p:attrNameLst>
+                                      </p:cBhvr>
+                                      <p:to>
+                                        <p:strVal val="visible"/>
+                                      </p:to>
+                                    </p:set>
+                                    <p:animEffect transition="in" filter="wipe(up)">
+                                      <p:cBhvr>
+                                        <p:cTn id="30" dur="500"/>
+                                        <p:tgtEl>
+                                          <p:spTgt spid="7">
+                                            <p:txEl>
+                                              <p:pRg st="3" end="3"/>
+                                            </p:txEl>
+                                          </p:spTgt>
+                                        </p:tgtEl>
+                                      </p:cBhvr>
+                                    </p:animEffect>
+                                  </p:childTnLst>
+                                </p:cTn>
+                              </p:par>
+                            </p:childTnLst>
+                          </p:cTn>
+                        </p:par>
+                      </p:childTnLst>
+                    </p:cTn>
+                  </p:par>
+                  <p:par>
+                    <p:cTn id="31" fill="hold">
+                      <p:stCondLst>
+                        <p:cond delay="indefinite"/>
+                      </p:stCondLst>
+                      <p:childTnLst>
+                        <p:par>
+                          <p:cTn id="32" fill="hold">
+                            <p:stCondLst>
+                              <p:cond delay="0"/>
+                            </p:stCondLst>
+                            <p:childTnLst>
+                              <p:par>
+                                <p:cTn id="33" presetID="22" presetClass="entr" presetSubtype="1" fill="hold" nodeType="clickEffect">
+                                  <p:stCondLst>
+                                    <p:cond delay="0"/>
+                                  </p:stCondLst>
+                                  <p:childTnLst>
+                                    <p:set>
+                                      <p:cBhvr>
+                                        <p:cTn id="34" dur="1" fill="hold">
+                                          <p:stCondLst>
+                                            <p:cond delay="0"/>
+                                          </p:stCondLst>
+                                        </p:cTn>
+                                        <p:tgtEl>
+                                          <p:spTgt spid="7">
+                                            <p:txEl>
+                                              <p:pRg st="4" end="4"/>
+                                            </p:txEl>
+                                          </p:spTgt>
+                                        </p:tgtEl>
+                                        <p:attrNameLst>
+                                          <p:attrName>style.visibility</p:attrName>
+                                        </p:attrNameLst>
+                                      </p:cBhvr>
+                                      <p:to>
+                                        <p:strVal val="visible"/>
+                                      </p:to>
+                                    </p:set>
+                                    <p:animEffect transition="in" filter="wipe(up)">
+                                      <p:cBhvr>
+                                        <p:cTn id="35" dur="500"/>
+                                        <p:tgtEl>
+                                          <p:spTgt spid="7">
+                                            <p:txEl>
+                                              <p:pRg st="4" end="4"/>
+                                            </p:txEl>
+                                          </p:spTgt>
+                                        </p:tgtEl>
+                                      </p:cBhvr>
+                                    </p:animEffect>
+                                  </p:childTnLst>
+                                </p:cTn>
+                              </p:par>
+                            </p:childTnLst>
+                          </p:cTn>
+                        </p:par>
+                      </p:childTnLst>
+                    </p:cTn>
+                  </p:par>
+                  <p:par>
+                    <p:cTn id="36" fill="hold">
+                      <p:stCondLst>
+                        <p:cond delay="indefinite"/>
+                      </p:stCondLst>
+                      <p:childTnLst>
+                        <p:par>
+                          <p:cTn id="37" fill="hold">
+                            <p:stCondLst>
+                              <p:cond delay="0"/>
+                            </p:stCondLst>
+                            <p:childTnLst>
+                              <p:par>
+                                <p:cTn id="38" presetID="1" presetClass="entr" presetSubtype="0" fill="hold" nodeType="clickEffect">
+                                  <p:stCondLst>
+                                    <p:cond delay="0"/>
+                                  </p:stCondLst>
+                                  <p:childTnLst>
+                                    <p:set>
+                                      <p:cBhvr>
+                                        <p:cTn id="39" dur="1" fill="hold">
+                                          <p:stCondLst>
+                                            <p:cond delay="0"/>
+                                          </p:stCondLst>
+                                        </p:cTn>
+                                        <p:tgtEl>
+                                          <p:spTgt spid="10"/>
+                                        </p:tgtEl>
+                                        <p:attrNameLst>
+                                          <p:attrName>style.visibility</p:attrName>
+                                        </p:attrNameLst>
+                                      </p:cBhvr>
+                                      <p:to>
+                                        <p:strVal val="visible"/>
+                                      </p:to>
+                                    </p:set>
+                                  </p:childTnLst>
+                                </p:cTn>
+                              </p:par>
+                            </p:childTnLst>
+                          </p:cTn>
+                        </p:par>
+                      </p:childTnLst>
+                    </p:cTn>
+                  </p:par>
+                </p:childTnLst>
+              </p:cTn>
+              <p:prevCondLst>
+                <p:cond evt="onPrev" delay="0">
+                  <p:tgtEl>
+                    <p:sldTgt/>
+                  </p:tgtEl>
+                </p:cond>
+              </p:prevCondLst>
+              <p:nextCondLst>
+                <p:cond evt="onNext" delay="0">
+                  <p:tgtEl>
+                    <p:sldTgt/>
+                  </p:tgtEl>
+                </p:cond>
+              </p:nextCondLst>
+            </p:seq>
+          </p:childTnLst>
+        </p:cTn>
+      </p:par>
+    </p:tnLst>
+  </p:timing>
+</p:sld>
+</file>
+
+<file path=ppt/slides/slide12.xml><?xml version="1.0" encoding="utf-8"?>
+<p:sld xmlns:a="http://schemas.openxmlformats.org/drawingml/2006/main" xmlns:r="http://schemas.openxmlformats.org/officeDocument/2006/relationships" xmlns:p="http://schemas.openxmlformats.org/presentationml/2006/main">
+  <p:cSld>
+    <p:spTree>
+      <p:nvGrpSpPr>
+        <p:cNvPr id="1" name=""/>
+        <p:cNvGrpSpPr/>
+        <p:nvPr/>
+      </p:nvGrpSpPr>
+      <p:grpSpPr>
+        <a:xfrm>
+          <a:off x="0" y="0"/>
+          <a:ext cx="0" cy="0"/>
+          <a:chOff x="0" y="0"/>
+          <a:chExt cx="0" cy="0"/>
+        </a:xfrm>
+      </p:grpSpPr>
+      <p:pic>
+        <p:nvPicPr>
           <p:cNvPr id="4" name="Image 3" descr="Une image contenant texte, arts de la table, vaisselle, assiette&#10;&#10;Description générée automatiquement">
             <a:extLst>
               <a:ext uri="{FF2B5EF4-FFF2-40B4-BE49-F238E27FC236}">
@@ -4459,7 +5376,7 @@
 </p:sld>
 </file>
 
-<file path=ppt/slides/slide11.xml><?xml version="1.0" encoding="utf-8"?>
+<file path=ppt/slides/slide13.xml><?xml version="1.0" encoding="utf-8"?>
 <p:sld xmlns:a="http://schemas.openxmlformats.org/drawingml/2006/main" xmlns:r="http://schemas.openxmlformats.org/officeDocument/2006/relationships" xmlns:p="http://schemas.openxmlformats.org/presentationml/2006/main">
   <p:cSld>
     <p:spTree>
@@ -4880,7 +5797,7 @@
 </p:sld>
 </file>
 
-<file path=ppt/slides/slide12.xml><?xml version="1.0" encoding="utf-8"?>
+<file path=ppt/slides/slide14.xml><?xml version="1.0" encoding="utf-8"?>
 <p:sld xmlns:a="http://schemas.openxmlformats.org/drawingml/2006/main" xmlns:r="http://schemas.openxmlformats.org/officeDocument/2006/relationships" xmlns:p="http://schemas.openxmlformats.org/presentationml/2006/main">
   <p:cSld>
     <p:spTree>
@@ -5499,7 +6416,7 @@
 </p:sld>
 </file>
 
-<file path=ppt/slides/slide13.xml><?xml version="1.0" encoding="utf-8"?>
+<file path=ppt/slides/slide15.xml><?xml version="1.0" encoding="utf-8"?>
 <p:sld xmlns:a="http://schemas.openxmlformats.org/drawingml/2006/main" xmlns:r="http://schemas.openxmlformats.org/officeDocument/2006/relationships" xmlns:p="http://schemas.openxmlformats.org/presentationml/2006/main">
   <p:cSld>
     <p:spTree>
@@ -11094,42 +12011,6 @@
       </p:grpSpPr>
       <p:pic>
         <p:nvPicPr>
-          <p:cNvPr id="5" name="Image 4">
-            <a:extLst>
-              <a:ext uri="{FF2B5EF4-FFF2-40B4-BE49-F238E27FC236}">
-                <a16:creationId xmlns:a16="http://schemas.microsoft.com/office/drawing/2014/main" id="{BADEC615-BE84-8D71-F23F-30FC3A3691F5}"/>
-              </a:ext>
-            </a:extLst>
-          </p:cNvPr>
-          <p:cNvPicPr>
-            <a:picLocks noChangeAspect="1"/>
-          </p:cNvPicPr>
-          <p:nvPr/>
-        </p:nvPicPr>
-        <p:blipFill>
-          <a:blip r:embed="rId2">
-            <a:extLst>
-              <a:ext uri="{28A0092B-C50C-407E-A947-70E740481C1C}">
-                <a14:useLocalDpi xmlns:a14="http://schemas.microsoft.com/office/drawing/2010/main" val="0"/>
-              </a:ext>
-            </a:extLst>
-          </a:blip>
-          <a:stretch>
-            <a:fillRect/>
-          </a:stretch>
-        </p:blipFill>
-        <p:spPr>
-          <a:xfrm>
-            <a:off x="2546007" y="0"/>
-            <a:ext cx="7099985" cy="6858000"/>
-          </a:xfrm>
-          <a:prstGeom prst="rect">
-            <a:avLst/>
-          </a:prstGeom>
-        </p:spPr>
-      </p:pic>
-      <p:pic>
-        <p:nvPicPr>
           <p:cNvPr id="4" name="Image 3" descr="Une image contenant texte, arts de la table, vaisselle, assiette&#10;&#10;Description générée automatiquement">
             <a:extLst>
               <a:ext uri="{FF2B5EF4-FFF2-40B4-BE49-F238E27FC236}">
@@ -11205,88 +12086,22 @@
           </a:ln>
         </p:spPr>
       </p:pic>
-    </p:spTree>
-    <p:extLst>
-      <p:ext uri="{BB962C8B-B14F-4D97-AF65-F5344CB8AC3E}">
-        <p14:creationId xmlns:p14="http://schemas.microsoft.com/office/powerpoint/2010/main" val="1830679700"/>
-      </p:ext>
-    </p:extLst>
-  </p:cSld>
-  <p:clrMapOvr>
-    <a:masterClrMapping/>
-  </p:clrMapOvr>
-</p:sld>
-</file>
-
-<file path=ppt/slides/slide9.xml><?xml version="1.0" encoding="utf-8"?>
-<p:sld xmlns:a="http://schemas.openxmlformats.org/drawingml/2006/main" xmlns:r="http://schemas.openxmlformats.org/officeDocument/2006/relationships" xmlns:p="http://schemas.openxmlformats.org/presentationml/2006/main">
-  <p:cSld>
-    <p:spTree>
-      <p:nvGrpSpPr>
-        <p:cNvPr id="1" name=""/>
-        <p:cNvGrpSpPr/>
-        <p:nvPr/>
-      </p:nvGrpSpPr>
-      <p:grpSpPr>
-        <a:xfrm>
-          <a:off x="0" y="0"/>
-          <a:ext cx="0" cy="0"/>
-          <a:chOff x="0" y="0"/>
-          <a:chExt cx="0" cy="0"/>
-        </a:xfrm>
-      </p:grpSpPr>
       <p:pic>
         <p:nvPicPr>
-          <p:cNvPr id="4" name="Image 3" descr="Une image contenant texte, arts de la table, vaisselle, assiette&#10;&#10;Description générée automatiquement">
-            <a:extLst>
-              <a:ext uri="{FF2B5EF4-FFF2-40B4-BE49-F238E27FC236}">
-                <a16:creationId xmlns:a16="http://schemas.microsoft.com/office/drawing/2014/main" id="{048D6101-F13A-80D7-C2AB-B3857FA6F930}"/>
+          <p:cNvPr id="1026" name="Picture 2">
+            <a:extLst>
+              <a:ext uri="{FF2B5EF4-FFF2-40B4-BE49-F238E27FC236}">
+                <a16:creationId xmlns:a16="http://schemas.microsoft.com/office/drawing/2014/main" id="{A10CEC4F-5593-9464-9D40-6AB50A383DFF}"/>
               </a:ext>
             </a:extLst>
           </p:cNvPr>
           <p:cNvPicPr>
-            <a:picLocks noChangeAspect="1"/>
+            <a:picLocks noChangeAspect="1" noChangeArrowheads="1"/>
           </p:cNvPicPr>
           <p:nvPr/>
         </p:nvPicPr>
         <p:blipFill>
-          <a:blip r:embed="rId2">
-            <a:extLst>
-              <a:ext uri="{28A0092B-C50C-407E-A947-70E740481C1C}">
-                <a14:useLocalDpi xmlns:a14="http://schemas.microsoft.com/office/drawing/2010/main" val="0"/>
-              </a:ext>
-            </a:extLst>
-          </a:blip>
-          <a:stretch>
-            <a:fillRect/>
-          </a:stretch>
-        </p:blipFill>
-        <p:spPr>
-          <a:xfrm>
-            <a:off x="162214" y="144551"/>
-            <a:ext cx="2095500" cy="695325"/>
-          </a:xfrm>
-          <a:prstGeom prst="rect">
-            <a:avLst/>
-          </a:prstGeom>
-        </p:spPr>
-      </p:pic>
-      <p:pic>
-        <p:nvPicPr>
-          <p:cNvPr id="5" name="Image 4" descr="@InnovationLab-EFREIParis">
-            <a:extLst>
-              <a:ext uri="{FF2B5EF4-FFF2-40B4-BE49-F238E27FC236}">
-                <a16:creationId xmlns:a16="http://schemas.microsoft.com/office/drawing/2014/main" id="{1CC0B959-36F1-C032-5A4F-8A76ED267A0F}"/>
-              </a:ext>
-            </a:extLst>
-          </p:cNvPr>
-          <p:cNvPicPr>
-            <a:picLocks noChangeAspect="1"/>
-          </p:cNvPicPr>
-          <p:nvPr/>
-        </p:nvPicPr>
-        <p:blipFill>
-          <a:blip r:embed="rId3">
+          <a:blip r:embed="rId5">
             <a:extLst>
               <a:ext uri="{28A0092B-C50C-407E-A947-70E740481C1C}">
                 <a14:useLocalDpi xmlns:a14="http://schemas.microsoft.com/office/drawing/2010/main" val="0"/>
@@ -11300,217 +12115,498 @@
         </p:blipFill>
         <p:spPr bwMode="auto">
           <a:xfrm>
-            <a:off x="10901500" y="13740"/>
-            <a:ext cx="956945" cy="956945"/>
+            <a:off x="5540211" y="144551"/>
+            <a:ext cx="1124121" cy="736189"/>
           </a:xfrm>
           <a:prstGeom prst="rect">
             <a:avLst/>
           </a:prstGeom>
           <a:noFill/>
-          <a:ln>
-            <a:noFill/>
-          </a:ln>
+          <a:extLst>
+            <a:ext uri="{909E8E84-426E-40DD-AFC4-6F175D3DCCD1}">
+              <a14:hiddenFill xmlns:a14="http://schemas.microsoft.com/office/drawing/2010/main">
+                <a:solidFill>
+                  <a:srgbClr val="FFFFFF"/>
+                </a:solidFill>
+              </a14:hiddenFill>
+            </a:ext>
+          </a:extLst>
         </p:spPr>
       </p:pic>
-      <p:sp>
-        <p:nvSpPr>
-          <p:cNvPr id="6" name="Titre 1">
-            <a:extLst>
-              <a:ext uri="{FF2B5EF4-FFF2-40B4-BE49-F238E27FC236}">
-                <a16:creationId xmlns:a16="http://schemas.microsoft.com/office/drawing/2014/main" id="{92254044-4234-5CCF-1A1A-8029C066A2BB}"/>
-              </a:ext>
-            </a:extLst>
-          </p:cNvPr>
-          <p:cNvSpPr>
-            <a:spLocks noGrp="1"/>
-          </p:cNvSpPr>
-          <p:nvPr>
-            <p:ph type="title"/>
-          </p:nvPr>
-        </p:nvSpPr>
-        <p:spPr>
-          <a:xfrm>
-            <a:off x="838200" y="917209"/>
-            <a:ext cx="10515600" cy="1325563"/>
-          </a:xfrm>
-        </p:spPr>
-        <p:txBody>
-          <a:bodyPr/>
-          <a:lstStyle/>
-          <a:p>
-            <a:r>
-              <a:rPr lang="fr-FR" dirty="0"/>
-              <a:t>Apports Matériels</a:t>
-            </a:r>
-          </a:p>
-        </p:txBody>
-      </p:sp>
-      <p:sp>
-        <p:nvSpPr>
-          <p:cNvPr id="7" name="Espace réservé du contenu 2">
-            <a:extLst>
-              <a:ext uri="{FF2B5EF4-FFF2-40B4-BE49-F238E27FC236}">
-                <a16:creationId xmlns:a16="http://schemas.microsoft.com/office/drawing/2014/main" id="{1F16E1CC-6FB8-1747-FFAD-5376E993DF51}"/>
-              </a:ext>
-            </a:extLst>
-          </p:cNvPr>
-          <p:cNvSpPr>
-            <a:spLocks noGrp="1"/>
-          </p:cNvSpPr>
-          <p:nvPr>
-            <p:ph idx="1"/>
-          </p:nvPr>
-        </p:nvSpPr>
-        <p:spPr>
-          <a:xfrm>
-            <a:off x="838200" y="2377709"/>
-            <a:ext cx="10515600" cy="4351338"/>
-          </a:xfrm>
-        </p:spPr>
-        <p:txBody>
-          <a:bodyPr/>
-          <a:lstStyle/>
-          <a:p>
-            <a:r>
-              <a:rPr lang="fr-FR" u="sng" dirty="0"/>
-              <a:t>Rapporteur en plexiglas :</a:t>
-            </a:r>
-          </a:p>
-          <a:p>
-            <a:pPr>
-              <a:buFont typeface="Wingdings" panose="05000000000000000000" pitchFamily="2" charset="2"/>
-              <a:buChar char="Ø"/>
-            </a:pPr>
-            <a:r>
-              <a:rPr lang="fr-FR" dirty="0"/>
-              <a:t>Conception sur SolidWorks</a:t>
-            </a:r>
-          </a:p>
-          <a:p>
-            <a:pPr>
-              <a:buFont typeface="Wingdings" panose="05000000000000000000" pitchFamily="2" charset="2"/>
-              <a:buChar char="Ø"/>
-            </a:pPr>
-            <a:r>
-              <a:rPr lang="fr-FR" dirty="0"/>
-              <a:t>Fabrication via la découpeuse laser</a:t>
-            </a:r>
-          </a:p>
-          <a:p>
-            <a:r>
-              <a:rPr lang="fr-FR" u="sng" dirty="0"/>
-              <a:t>Nouveau Carter:</a:t>
-            </a:r>
-          </a:p>
-          <a:p>
-            <a:pPr>
-              <a:buFont typeface="Wingdings" panose="05000000000000000000" pitchFamily="2" charset="2"/>
-              <a:buChar char="Ø"/>
-            </a:pPr>
-            <a:r>
-              <a:rPr lang="fr-FR" dirty="0"/>
-              <a:t>Modification de l’ancien modèle sur SolidWorks</a:t>
-            </a:r>
-          </a:p>
-          <a:p>
-            <a:endParaRPr lang="fr-FR" u="sng" dirty="0"/>
-          </a:p>
-        </p:txBody>
-      </p:sp>
       <p:pic>
         <p:nvPicPr>
-          <p:cNvPr id="8" name="Image 7">
-            <a:extLst>
-              <a:ext uri="{FF2B5EF4-FFF2-40B4-BE49-F238E27FC236}">
-                <a16:creationId xmlns:a16="http://schemas.microsoft.com/office/drawing/2014/main" id="{A75FC30A-D886-932D-32F6-CED487384C23}"/>
+          <p:cNvPr id="1027" name="Picture 3">
+            <a:extLst>
+              <a:ext uri="{FF2B5EF4-FFF2-40B4-BE49-F238E27FC236}">
+                <a16:creationId xmlns:a16="http://schemas.microsoft.com/office/drawing/2014/main" id="{A03B4A10-AA2D-7DED-A2BF-8B0882A6D100}"/>
               </a:ext>
             </a:extLst>
           </p:cNvPr>
           <p:cNvPicPr>
-            <a:picLocks noChangeAspect="1"/>
+            <a:picLocks noChangeAspect="1" noChangeArrowheads="1"/>
           </p:cNvPicPr>
           <p:nvPr/>
         </p:nvPicPr>
         <p:blipFill>
-          <a:blip r:embed="rId4"/>
+          <a:blip r:embed="rId6">
+            <a:extLst>
+              <a:ext uri="{28A0092B-C50C-407E-A947-70E740481C1C}">
+                <a14:useLocalDpi xmlns:a14="http://schemas.microsoft.com/office/drawing/2010/main" val="0"/>
+              </a:ext>
+            </a:extLst>
+          </a:blip>
+          <a:srcRect/>
           <a:stretch>
             <a:fillRect/>
           </a:stretch>
         </p:blipFill>
-        <p:spPr>
+        <p:spPr bwMode="auto">
           <a:xfrm>
-            <a:off x="6517959" y="2450585"/>
-            <a:ext cx="3236324" cy="1741191"/>
+            <a:off x="7443762" y="213474"/>
+            <a:ext cx="2678307" cy="557476"/>
           </a:xfrm>
           <a:prstGeom prst="rect">
             <a:avLst/>
           </a:prstGeom>
+          <a:noFill/>
+          <a:extLst>
+            <a:ext uri="{909E8E84-426E-40DD-AFC4-6F175D3DCCD1}">
+              <a14:hiddenFill xmlns:a14="http://schemas.microsoft.com/office/drawing/2010/main">
+                <a:solidFill>
+                  <a:srgbClr val="FFFFFF"/>
+                </a:solidFill>
+              </a14:hiddenFill>
+            </a:ext>
+          </a:extLst>
         </p:spPr>
       </p:pic>
       <p:pic>
         <p:nvPicPr>
-          <p:cNvPr id="9" name="Image 8">
-            <a:extLst>
-              <a:ext uri="{FF2B5EF4-FFF2-40B4-BE49-F238E27FC236}">
-                <a16:creationId xmlns:a16="http://schemas.microsoft.com/office/drawing/2014/main" id="{7FE702BD-A20D-431C-8AEC-35696A747317}"/>
+          <p:cNvPr id="1028" name="Picture 4">
+            <a:extLst>
+              <a:ext uri="{FF2B5EF4-FFF2-40B4-BE49-F238E27FC236}">
+                <a16:creationId xmlns:a16="http://schemas.microsoft.com/office/drawing/2014/main" id="{5ED808D8-2ED4-8A0E-0DA1-6FFB113E3BCB}"/>
               </a:ext>
             </a:extLst>
           </p:cNvPr>
           <p:cNvPicPr>
-            <a:picLocks noChangeAspect="1"/>
+            <a:picLocks noChangeAspect="1" noChangeArrowheads="1"/>
           </p:cNvPicPr>
           <p:nvPr/>
         </p:nvPicPr>
         <p:blipFill>
-          <a:blip r:embed="rId5"/>
+          <a:blip r:embed="rId7">
+            <a:extLst>
+              <a:ext uri="{28A0092B-C50C-407E-A947-70E740481C1C}">
+                <a14:useLocalDpi xmlns:a14="http://schemas.microsoft.com/office/drawing/2010/main" val="0"/>
+              </a:ext>
+            </a:extLst>
+          </a:blip>
+          <a:srcRect/>
           <a:stretch>
             <a:fillRect/>
           </a:stretch>
         </p:blipFill>
-        <p:spPr>
+        <p:spPr bwMode="auto">
           <a:xfrm>
-            <a:off x="9846023" y="2427571"/>
-            <a:ext cx="2049910" cy="1764206"/>
+            <a:off x="5764200" y="1761034"/>
+            <a:ext cx="651634" cy="302304"/>
           </a:xfrm>
           <a:prstGeom prst="rect">
             <a:avLst/>
           </a:prstGeom>
+          <a:noFill/>
+          <a:extLst>
+            <a:ext uri="{909E8E84-426E-40DD-AFC4-6F175D3DCCD1}">
+              <a14:hiddenFill xmlns:a14="http://schemas.microsoft.com/office/drawing/2010/main">
+                <a:solidFill>
+                  <a:srgbClr val="FFFFFF"/>
+                </a:solidFill>
+              </a14:hiddenFill>
+            </a:ext>
+          </a:extLst>
         </p:spPr>
       </p:pic>
       <p:pic>
         <p:nvPicPr>
-          <p:cNvPr id="10" name="Image 9">
-            <a:extLst>
-              <a:ext uri="{FF2B5EF4-FFF2-40B4-BE49-F238E27FC236}">
-                <a16:creationId xmlns:a16="http://schemas.microsoft.com/office/drawing/2014/main" id="{7FBF10E2-5D66-613A-4D77-1302E0A0F442}"/>
+          <p:cNvPr id="1029" name="Picture 5">
+            <a:extLst>
+              <a:ext uri="{FF2B5EF4-FFF2-40B4-BE49-F238E27FC236}">
+                <a16:creationId xmlns:a16="http://schemas.microsoft.com/office/drawing/2014/main" id="{DF314983-F6E9-90C4-30EB-D31919D91786}"/>
               </a:ext>
             </a:extLst>
           </p:cNvPr>
           <p:cNvPicPr>
-            <a:picLocks noChangeAspect="1"/>
+            <a:picLocks noChangeAspect="1" noChangeArrowheads="1"/>
           </p:cNvPicPr>
           <p:nvPr/>
         </p:nvPicPr>
         <p:blipFill>
-          <a:blip r:embed="rId6"/>
+          <a:blip r:embed="rId8">
+            <a:extLst>
+              <a:ext uri="{28A0092B-C50C-407E-A947-70E740481C1C}">
+                <a14:useLocalDpi xmlns:a14="http://schemas.microsoft.com/office/drawing/2010/main" val="0"/>
+              </a:ext>
+            </a:extLst>
+          </a:blip>
+          <a:srcRect/>
           <a:stretch>
             <a:fillRect/>
           </a:stretch>
         </p:blipFill>
-        <p:spPr>
+        <p:spPr bwMode="auto">
           <a:xfrm>
-            <a:off x="8481548" y="4326713"/>
-            <a:ext cx="2545469" cy="1973379"/>
+            <a:off x="5997011" y="1867629"/>
+            <a:ext cx="194408" cy="550823"/>
           </a:xfrm>
           <a:prstGeom prst="rect">
             <a:avLst/>
           </a:prstGeom>
+          <a:noFill/>
+          <a:extLst>
+            <a:ext uri="{909E8E84-426E-40DD-AFC4-6F175D3DCCD1}">
+              <a14:hiddenFill xmlns:a14="http://schemas.microsoft.com/office/drawing/2010/main">
+                <a:solidFill>
+                  <a:srgbClr val="FFFFFF"/>
+                </a:solidFill>
+              </a14:hiddenFill>
+            </a:ext>
+          </a:extLst>
+        </p:spPr>
+      </p:pic>
+      <p:pic>
+        <p:nvPicPr>
+          <p:cNvPr id="1030" name="Picture 6">
+            <a:extLst>
+              <a:ext uri="{FF2B5EF4-FFF2-40B4-BE49-F238E27FC236}">
+                <a16:creationId xmlns:a16="http://schemas.microsoft.com/office/drawing/2014/main" id="{FCAE19A7-E194-CE73-167B-E8D8E1A155CC}"/>
+              </a:ext>
+            </a:extLst>
+          </p:cNvPr>
+          <p:cNvPicPr>
+            <a:picLocks noChangeAspect="1" noChangeArrowheads="1"/>
+          </p:cNvPicPr>
+          <p:nvPr/>
+        </p:nvPicPr>
+        <p:blipFill>
+          <a:blip r:embed="rId9">
+            <a:extLst>
+              <a:ext uri="{28A0092B-C50C-407E-A947-70E740481C1C}">
+                <a14:useLocalDpi xmlns:a14="http://schemas.microsoft.com/office/drawing/2010/main" val="0"/>
+              </a:ext>
+            </a:extLst>
+          </a:blip>
+          <a:srcRect/>
+          <a:stretch>
+            <a:fillRect/>
+          </a:stretch>
+        </p:blipFill>
+        <p:spPr bwMode="auto">
+          <a:xfrm>
+            <a:off x="5455436" y="2307880"/>
+            <a:ext cx="1258028" cy="524179"/>
+          </a:xfrm>
+          <a:prstGeom prst="rect">
+            <a:avLst/>
+          </a:prstGeom>
+          <a:noFill/>
+          <a:extLst>
+            <a:ext uri="{909E8E84-426E-40DD-AFC4-6F175D3DCCD1}">
+              <a14:hiddenFill xmlns:a14="http://schemas.microsoft.com/office/drawing/2010/main">
+                <a:solidFill>
+                  <a:srgbClr val="FFFFFF"/>
+                </a:solidFill>
+              </a14:hiddenFill>
+            </a:ext>
+          </a:extLst>
+        </p:spPr>
+      </p:pic>
+      <p:pic>
+        <p:nvPicPr>
+          <p:cNvPr id="1032" name="Picture 8">
+            <a:extLst>
+              <a:ext uri="{FF2B5EF4-FFF2-40B4-BE49-F238E27FC236}">
+                <a16:creationId xmlns:a16="http://schemas.microsoft.com/office/drawing/2014/main" id="{726E527E-E148-28C6-23CE-BCA425336E1F}"/>
+              </a:ext>
+            </a:extLst>
+          </p:cNvPr>
+          <p:cNvPicPr>
+            <a:picLocks noChangeAspect="1" noChangeArrowheads="1"/>
+          </p:cNvPicPr>
+          <p:nvPr/>
+        </p:nvPicPr>
+        <p:blipFill>
+          <a:blip r:embed="rId10">
+            <a:extLst>
+              <a:ext uri="{28A0092B-C50C-407E-A947-70E740481C1C}">
+                <a14:useLocalDpi xmlns:a14="http://schemas.microsoft.com/office/drawing/2010/main" val="0"/>
+              </a:ext>
+            </a:extLst>
+          </a:blip>
+          <a:srcRect/>
+          <a:stretch>
+            <a:fillRect/>
+          </a:stretch>
+        </p:blipFill>
+        <p:spPr bwMode="auto">
+          <a:xfrm flipH="1">
+            <a:off x="6000276" y="2645980"/>
+            <a:ext cx="194406" cy="550823"/>
+          </a:xfrm>
+          <a:prstGeom prst="rect">
+            <a:avLst/>
+          </a:prstGeom>
+          <a:noFill/>
+          <a:extLst>
+            <a:ext uri="{909E8E84-426E-40DD-AFC4-6F175D3DCCD1}">
+              <a14:hiddenFill xmlns:a14="http://schemas.microsoft.com/office/drawing/2010/main">
+                <a:solidFill>
+                  <a:srgbClr val="FFFFFF"/>
+                </a:solidFill>
+              </a14:hiddenFill>
+            </a:ext>
+          </a:extLst>
+        </p:spPr>
+      </p:pic>
+      <p:pic>
+        <p:nvPicPr>
+          <p:cNvPr id="1033" name="Picture 9">
+            <a:extLst>
+              <a:ext uri="{FF2B5EF4-FFF2-40B4-BE49-F238E27FC236}">
+                <a16:creationId xmlns:a16="http://schemas.microsoft.com/office/drawing/2014/main" id="{1F998206-57DA-D0E4-2409-8E7A85107100}"/>
+              </a:ext>
+            </a:extLst>
+          </p:cNvPr>
+          <p:cNvPicPr>
+            <a:picLocks noChangeAspect="1" noChangeArrowheads="1"/>
+          </p:cNvPicPr>
+          <p:nvPr/>
+        </p:nvPicPr>
+        <p:blipFill>
+          <a:blip r:embed="rId11">
+            <a:extLst>
+              <a:ext uri="{28A0092B-C50C-407E-A947-70E740481C1C}">
+                <a14:useLocalDpi xmlns:a14="http://schemas.microsoft.com/office/drawing/2010/main" val="0"/>
+              </a:ext>
+            </a:extLst>
+          </a:blip>
+          <a:srcRect/>
+          <a:stretch>
+            <a:fillRect/>
+          </a:stretch>
+        </p:blipFill>
+        <p:spPr bwMode="auto">
+          <a:xfrm>
+            <a:off x="6009800" y="2799907"/>
+            <a:ext cx="898713" cy="320969"/>
+          </a:xfrm>
+          <a:prstGeom prst="rect">
+            <a:avLst/>
+          </a:prstGeom>
+          <a:noFill/>
+          <a:extLst>
+            <a:ext uri="{909E8E84-426E-40DD-AFC4-6F175D3DCCD1}">
+              <a14:hiddenFill xmlns:a14="http://schemas.microsoft.com/office/drawing/2010/main">
+                <a:solidFill>
+                  <a:srgbClr val="FFFFFF"/>
+                </a:solidFill>
+              </a14:hiddenFill>
+            </a:ext>
+          </a:extLst>
+        </p:spPr>
+      </p:pic>
+      <p:pic>
+        <p:nvPicPr>
+          <p:cNvPr id="1041" name="Picture 17">
+            <a:extLst>
+              <a:ext uri="{FF2B5EF4-FFF2-40B4-BE49-F238E27FC236}">
+                <a16:creationId xmlns:a16="http://schemas.microsoft.com/office/drawing/2014/main" id="{330798B8-5084-4337-B109-509AEF1CAF4D}"/>
+              </a:ext>
+            </a:extLst>
+          </p:cNvPr>
+          <p:cNvPicPr>
+            <a:picLocks noChangeAspect="1" noChangeArrowheads="1"/>
+          </p:cNvPicPr>
+          <p:nvPr/>
+        </p:nvPicPr>
+        <p:blipFill>
+          <a:blip r:embed="rId12">
+            <a:extLst>
+              <a:ext uri="{28A0092B-C50C-407E-A947-70E740481C1C}">
+                <a14:useLocalDpi xmlns:a14="http://schemas.microsoft.com/office/drawing/2010/main" val="0"/>
+              </a:ext>
+            </a:extLst>
+          </a:blip>
+          <a:srcRect/>
+          <a:stretch>
+            <a:fillRect/>
+          </a:stretch>
+        </p:blipFill>
+        <p:spPr bwMode="auto">
+          <a:xfrm>
+            <a:off x="5453793" y="3099181"/>
+            <a:ext cx="1258028" cy="531167"/>
+          </a:xfrm>
+          <a:prstGeom prst="rect">
+            <a:avLst/>
+          </a:prstGeom>
+          <a:noFill/>
+          <a:extLst>
+            <a:ext uri="{909E8E84-426E-40DD-AFC4-6F175D3DCCD1}">
+              <a14:hiddenFill xmlns:a14="http://schemas.microsoft.com/office/drawing/2010/main">
+                <a:solidFill>
+                  <a:srgbClr val="FFFFFF"/>
+                </a:solidFill>
+              </a14:hiddenFill>
+            </a:ext>
+          </a:extLst>
+        </p:spPr>
+      </p:pic>
+      <p:pic>
+        <p:nvPicPr>
+          <p:cNvPr id="1042" name="Picture 18">
+            <a:extLst>
+              <a:ext uri="{FF2B5EF4-FFF2-40B4-BE49-F238E27FC236}">
+                <a16:creationId xmlns:a16="http://schemas.microsoft.com/office/drawing/2014/main" id="{9D583D00-86D2-2434-0CAB-9C1E2EC8C0BB}"/>
+              </a:ext>
+            </a:extLst>
+          </p:cNvPr>
+          <p:cNvPicPr>
+            <a:picLocks noChangeAspect="1" noChangeArrowheads="1"/>
+          </p:cNvPicPr>
+          <p:nvPr/>
+        </p:nvPicPr>
+        <p:blipFill>
+          <a:blip r:embed="rId13">
+            <a:extLst>
+              <a:ext uri="{28A0092B-C50C-407E-A947-70E740481C1C}">
+                <a14:useLocalDpi xmlns:a14="http://schemas.microsoft.com/office/drawing/2010/main" val="0"/>
+              </a:ext>
+            </a:extLst>
+          </a:blip>
+          <a:srcRect/>
+          <a:stretch>
+            <a:fillRect/>
+          </a:stretch>
+        </p:blipFill>
+        <p:spPr bwMode="auto">
+          <a:xfrm>
+            <a:off x="6004877" y="3430852"/>
+            <a:ext cx="194406" cy="550824"/>
+          </a:xfrm>
+          <a:prstGeom prst="rect">
+            <a:avLst/>
+          </a:prstGeom>
+          <a:noFill/>
+          <a:extLst>
+            <a:ext uri="{909E8E84-426E-40DD-AFC4-6F175D3DCCD1}">
+              <a14:hiddenFill xmlns:a14="http://schemas.microsoft.com/office/drawing/2010/main">
+                <a:solidFill>
+                  <a:srgbClr val="FFFFFF"/>
+                </a:solidFill>
+              </a14:hiddenFill>
+            </a:ext>
+          </a:extLst>
+        </p:spPr>
+      </p:pic>
+      <p:pic>
+        <p:nvPicPr>
+          <p:cNvPr id="1043" name="Picture 19">
+            <a:extLst>
+              <a:ext uri="{FF2B5EF4-FFF2-40B4-BE49-F238E27FC236}">
+                <a16:creationId xmlns:a16="http://schemas.microsoft.com/office/drawing/2014/main" id="{7E96B3A7-3197-FD5B-D9E6-C3B285ADCD75}"/>
+              </a:ext>
+            </a:extLst>
+          </p:cNvPr>
+          <p:cNvPicPr>
+            <a:picLocks noChangeAspect="1" noChangeArrowheads="1"/>
+          </p:cNvPicPr>
+          <p:nvPr/>
+        </p:nvPicPr>
+        <p:blipFill>
+          <a:blip r:embed="rId14">
+            <a:extLst>
+              <a:ext uri="{28A0092B-C50C-407E-A947-70E740481C1C}">
+                <a14:useLocalDpi xmlns:a14="http://schemas.microsoft.com/office/drawing/2010/main" val="0"/>
+              </a:ext>
+            </a:extLst>
+          </a:blip>
+          <a:srcRect/>
+          <a:stretch>
+            <a:fillRect/>
+          </a:stretch>
+        </p:blipFill>
+        <p:spPr bwMode="auto">
+          <a:xfrm>
+            <a:off x="5997010" y="3618796"/>
+            <a:ext cx="898713" cy="328102"/>
+          </a:xfrm>
+          <a:prstGeom prst="rect">
+            <a:avLst/>
+          </a:prstGeom>
+          <a:noFill/>
+          <a:extLst>
+            <a:ext uri="{909E8E84-426E-40DD-AFC4-6F175D3DCCD1}">
+              <a14:hiddenFill xmlns:a14="http://schemas.microsoft.com/office/drawing/2010/main">
+                <a:solidFill>
+                  <a:srgbClr val="FFFFFF"/>
+                </a:solidFill>
+              </a14:hiddenFill>
+            </a:ext>
+          </a:extLst>
+        </p:spPr>
+      </p:pic>
+      <p:pic>
+        <p:nvPicPr>
+          <p:cNvPr id="1044" name="Picture 20">
+            <a:extLst>
+              <a:ext uri="{FF2B5EF4-FFF2-40B4-BE49-F238E27FC236}">
+                <a16:creationId xmlns:a16="http://schemas.microsoft.com/office/drawing/2014/main" id="{6B3E6FBF-EB74-63E5-6A64-57E671185EF3}"/>
+              </a:ext>
+            </a:extLst>
+          </p:cNvPr>
+          <p:cNvPicPr>
+            <a:picLocks noChangeAspect="1" noChangeArrowheads="1"/>
+          </p:cNvPicPr>
+          <p:nvPr/>
+        </p:nvPicPr>
+        <p:blipFill>
+          <a:blip r:embed="rId15">
+            <a:extLst>
+              <a:ext uri="{28A0092B-C50C-407E-A947-70E740481C1C}">
+                <a14:useLocalDpi xmlns:a14="http://schemas.microsoft.com/office/drawing/2010/main" val="0"/>
+              </a:ext>
+            </a:extLst>
+          </a:blip>
+          <a:srcRect/>
+          <a:stretch>
+            <a:fillRect/>
+          </a:stretch>
+        </p:blipFill>
+        <p:spPr bwMode="auto">
+          <a:xfrm>
+            <a:off x="5455438" y="3873525"/>
+            <a:ext cx="1258028" cy="531167"/>
+          </a:xfrm>
+          <a:prstGeom prst="rect">
+            <a:avLst/>
+          </a:prstGeom>
+          <a:noFill/>
+          <a:extLst>
+            <a:ext uri="{909E8E84-426E-40DD-AFC4-6F175D3DCCD1}">
+              <a14:hiddenFill xmlns:a14="http://schemas.microsoft.com/office/drawing/2010/main">
+                <a:solidFill>
+                  <a:srgbClr val="FFFFFF"/>
+                </a:solidFill>
+              </a14:hiddenFill>
+            </a:ext>
+          </a:extLst>
         </p:spPr>
       </p:pic>
     </p:spTree>
     <p:extLst>
       <p:ext uri="{BB962C8B-B14F-4D97-AF65-F5344CB8AC3E}">
-        <p14:creationId xmlns:p14="http://schemas.microsoft.com/office/powerpoint/2010/main" val="4129120318"/>
+        <p14:creationId xmlns:p14="http://schemas.microsoft.com/office/powerpoint/2010/main" val="1047688519"/>
       </p:ext>
     </p:extLst>
   </p:cSld>
@@ -11538,7 +12634,7 @@
                             </p:stCondLst>
                             <p:childTnLst>
                               <p:par>
-                                <p:cTn id="5" presetID="22" presetClass="entr" presetSubtype="1" fill="hold" nodeType="clickEffect">
+                                <p:cTn id="5" presetID="1" presetClass="entr" presetSubtype="0" fill="hold" nodeType="clickEffect">
                                   <p:stCondLst>
                                     <p:cond delay="0"/>
                                   </p:stCondLst>
@@ -11551,11 +12647,142 @@
                                           </p:stCondLst>
                                         </p:cTn>
                                         <p:tgtEl>
-                                          <p:spTgt spid="7">
-                                            <p:txEl>
-                                              <p:pRg st="0" end="0"/>
-                                            </p:txEl>
-                                          </p:spTgt>
+                                          <p:spTgt spid="1026"/>
+                                        </p:tgtEl>
+                                        <p:attrNameLst>
+                                          <p:attrName>style.visibility</p:attrName>
+                                        </p:attrNameLst>
+                                      </p:cBhvr>
+                                      <p:to>
+                                        <p:strVal val="visible"/>
+                                      </p:to>
+                                    </p:set>
+                                  </p:childTnLst>
+                                </p:cTn>
+                              </p:par>
+                            </p:childTnLst>
+                          </p:cTn>
+                        </p:par>
+                      </p:childTnLst>
+                    </p:cTn>
+                  </p:par>
+                  <p:par>
+                    <p:cTn id="7" fill="hold">
+                      <p:stCondLst>
+                        <p:cond delay="indefinite"/>
+                      </p:stCondLst>
+                      <p:childTnLst>
+                        <p:par>
+                          <p:cTn id="8" fill="hold">
+                            <p:stCondLst>
+                              <p:cond delay="0"/>
+                            </p:stCondLst>
+                            <p:childTnLst>
+                              <p:par>
+                                <p:cTn id="9" presetID="1" presetClass="entr" presetSubtype="0" fill="hold" nodeType="clickEffect">
+                                  <p:stCondLst>
+                                    <p:cond delay="0"/>
+                                  </p:stCondLst>
+                                  <p:childTnLst>
+                                    <p:set>
+                                      <p:cBhvr>
+                                        <p:cTn id="10" dur="1" fill="hold">
+                                          <p:stCondLst>
+                                            <p:cond delay="0"/>
+                                          </p:stCondLst>
+                                        </p:cTn>
+                                        <p:tgtEl>
+                                          <p:spTgt spid="1027"/>
+                                        </p:tgtEl>
+                                        <p:attrNameLst>
+                                          <p:attrName>style.visibility</p:attrName>
+                                        </p:attrNameLst>
+                                      </p:cBhvr>
+                                      <p:to>
+                                        <p:strVal val="visible"/>
+                                      </p:to>
+                                    </p:set>
+                                  </p:childTnLst>
+                                </p:cTn>
+                              </p:par>
+                            </p:childTnLst>
+                          </p:cTn>
+                        </p:par>
+                      </p:childTnLst>
+                    </p:cTn>
+                  </p:par>
+                  <p:par>
+                    <p:cTn id="11" fill="hold">
+                      <p:stCondLst>
+                        <p:cond delay="indefinite"/>
+                      </p:stCondLst>
+                      <p:childTnLst>
+                        <p:par>
+                          <p:cTn id="12" fill="hold">
+                            <p:stCondLst>
+                              <p:cond delay="0"/>
+                            </p:stCondLst>
+                            <p:childTnLst>
+                              <p:par>
+                                <p:cTn id="13" presetID="1" presetClass="entr" presetSubtype="0" fill="hold" nodeType="clickEffect">
+                                  <p:stCondLst>
+                                    <p:cond delay="0"/>
+                                  </p:stCondLst>
+                                  <p:childTnLst>
+                                    <p:set>
+                                      <p:cBhvr>
+                                        <p:cTn id="14" dur="1" fill="hold">
+                                          <p:stCondLst>
+                                            <p:cond delay="0"/>
+                                          </p:stCondLst>
+                                        </p:cTn>
+                                        <p:tgtEl>
+                                          <p:spTgt spid="1028"/>
+                                        </p:tgtEl>
+                                        <p:attrNameLst>
+                                          <p:attrName>style.visibility</p:attrName>
+                                        </p:attrNameLst>
+                                      </p:cBhvr>
+                                      <p:to>
+                                        <p:strVal val="visible"/>
+                                      </p:to>
+                                    </p:set>
+                                  </p:childTnLst>
+                                </p:cTn>
+                              </p:par>
+                            </p:childTnLst>
+                          </p:cTn>
+                        </p:par>
+                      </p:childTnLst>
+                    </p:cTn>
+                  </p:par>
+                  <p:par>
+                    <p:cTn id="15" fill="hold">
+                      <p:stCondLst>
+                        <p:cond delay="indefinite"/>
+                      </p:stCondLst>
+                      <p:childTnLst>
+                        <p:par>
+                          <p:cTn id="16" fill="hold">
+                            <p:stCondLst>
+                              <p:cond delay="0"/>
+                            </p:stCondLst>
+                            <p:childTnLst>
+                              <p:par>
+                                <p:cTn id="17" presetID="22" presetClass="entr" presetSubtype="1" fill="hold" nodeType="clickEffect">
+                                  <p:stCondLst>
+                                    <p:cond delay="0"/>
+                                  </p:stCondLst>
+                                  <p:childTnLst>
+                                    <p:set>
+                                      <p:cBhvr>
+                                        <p:cTn id="18" dur="1" fill="hold">
+                                          <p:stCondLst>
+                                            <p:cond delay="0"/>
+                                          </p:stCondLst>
+                                        </p:cTn>
+                                        <p:tgtEl>
+                                          <p:spTgt spid="1029"/>
                                         </p:tgtEl>
                                         <p:attrNameLst>
                                           <p:attrName>style.visibility</p:attrName>
@@ -11567,13 +12794,1662 @@
                                     </p:set>
                                     <p:animEffect transition="in" filter="wipe(up)">
                                       <p:cBhvr>
+                                        <p:cTn id="19" dur="500"/>
+                                        <p:tgtEl>
+                                          <p:spTgt spid="1029"/>
+                                        </p:tgtEl>
+                                      </p:cBhvr>
+                                    </p:animEffect>
+                                  </p:childTnLst>
+                                </p:cTn>
+                              </p:par>
+                            </p:childTnLst>
+                          </p:cTn>
+                        </p:par>
+                      </p:childTnLst>
+                    </p:cTn>
+                  </p:par>
+                  <p:par>
+                    <p:cTn id="20" fill="hold">
+                      <p:stCondLst>
+                        <p:cond delay="indefinite"/>
+                      </p:stCondLst>
+                      <p:childTnLst>
+                        <p:par>
+                          <p:cTn id="21" fill="hold">
+                            <p:stCondLst>
+                              <p:cond delay="0"/>
+                            </p:stCondLst>
+                            <p:childTnLst>
+                              <p:par>
+                                <p:cTn id="22" presetID="10" presetClass="entr" presetSubtype="0" fill="hold" nodeType="clickEffect">
+                                  <p:stCondLst>
+                                    <p:cond delay="0"/>
+                                  </p:stCondLst>
+                                  <p:childTnLst>
+                                    <p:set>
+                                      <p:cBhvr>
+                                        <p:cTn id="23" dur="1" fill="hold">
+                                          <p:stCondLst>
+                                            <p:cond delay="0"/>
+                                          </p:stCondLst>
+                                        </p:cTn>
+                                        <p:tgtEl>
+                                          <p:spTgt spid="1030"/>
+                                        </p:tgtEl>
+                                        <p:attrNameLst>
+                                          <p:attrName>style.visibility</p:attrName>
+                                        </p:attrNameLst>
+                                      </p:cBhvr>
+                                      <p:to>
+                                        <p:strVal val="visible"/>
+                                      </p:to>
+                                    </p:set>
+                                    <p:animEffect transition="in" filter="fade">
+                                      <p:cBhvr>
+                                        <p:cTn id="24" dur="500"/>
+                                        <p:tgtEl>
+                                          <p:spTgt spid="1030"/>
+                                        </p:tgtEl>
+                                      </p:cBhvr>
+                                    </p:animEffect>
+                                  </p:childTnLst>
+                                </p:cTn>
+                              </p:par>
+                            </p:childTnLst>
+                          </p:cTn>
+                        </p:par>
+                      </p:childTnLst>
+                    </p:cTn>
+                  </p:par>
+                  <p:par>
+                    <p:cTn id="25" fill="hold">
+                      <p:stCondLst>
+                        <p:cond delay="indefinite"/>
+                      </p:stCondLst>
+                      <p:childTnLst>
+                        <p:par>
+                          <p:cTn id="26" fill="hold">
+                            <p:stCondLst>
+                              <p:cond delay="0"/>
+                            </p:stCondLst>
+                            <p:childTnLst>
+                              <p:par>
+                                <p:cTn id="27" presetID="22" presetClass="entr" presetSubtype="1" fill="hold" nodeType="clickEffect">
+                                  <p:stCondLst>
+                                    <p:cond delay="0"/>
+                                  </p:stCondLst>
+                                  <p:childTnLst>
+                                    <p:set>
+                                      <p:cBhvr>
+                                        <p:cTn id="28" dur="1" fill="hold">
+                                          <p:stCondLst>
+                                            <p:cond delay="0"/>
+                                          </p:stCondLst>
+                                        </p:cTn>
+                                        <p:tgtEl>
+                                          <p:spTgt spid="1032"/>
+                                        </p:tgtEl>
+                                        <p:attrNameLst>
+                                          <p:attrName>style.visibility</p:attrName>
+                                        </p:attrNameLst>
+                                      </p:cBhvr>
+                                      <p:to>
+                                        <p:strVal val="visible"/>
+                                      </p:to>
+                                    </p:set>
+                                    <p:animEffect transition="in" filter="wipe(up)">
+                                      <p:cBhvr>
+                                        <p:cTn id="29" dur="500"/>
+                                        <p:tgtEl>
+                                          <p:spTgt spid="1032"/>
+                                        </p:tgtEl>
+                                      </p:cBhvr>
+                                    </p:animEffect>
+                                  </p:childTnLst>
+                                </p:cTn>
+                              </p:par>
+                              <p:par>
+                                <p:cTn id="30" presetID="22" presetClass="entr" presetSubtype="1" fill="hold" nodeType="withEffect">
+                                  <p:stCondLst>
+                                    <p:cond delay="0"/>
+                                  </p:stCondLst>
+                                  <p:childTnLst>
+                                    <p:set>
+                                      <p:cBhvr>
+                                        <p:cTn id="31" dur="1" fill="hold">
+                                          <p:stCondLst>
+                                            <p:cond delay="0"/>
+                                          </p:stCondLst>
+                                        </p:cTn>
+                                        <p:tgtEl>
+                                          <p:spTgt spid="1033"/>
+                                        </p:tgtEl>
+                                        <p:attrNameLst>
+                                          <p:attrName>style.visibility</p:attrName>
+                                        </p:attrNameLst>
+                                      </p:cBhvr>
+                                      <p:to>
+                                        <p:strVal val="visible"/>
+                                      </p:to>
+                                    </p:set>
+                                    <p:animEffect transition="in" filter="wipe(up)">
+                                      <p:cBhvr>
+                                        <p:cTn id="32" dur="500"/>
+                                        <p:tgtEl>
+                                          <p:spTgt spid="1033"/>
+                                        </p:tgtEl>
+                                      </p:cBhvr>
+                                    </p:animEffect>
+                                  </p:childTnLst>
+                                </p:cTn>
+                              </p:par>
+                            </p:childTnLst>
+                          </p:cTn>
+                        </p:par>
+                      </p:childTnLst>
+                    </p:cTn>
+                  </p:par>
+                  <p:par>
+                    <p:cTn id="33" fill="hold">
+                      <p:stCondLst>
+                        <p:cond delay="indefinite"/>
+                      </p:stCondLst>
+                      <p:childTnLst>
+                        <p:par>
+                          <p:cTn id="34" fill="hold">
+                            <p:stCondLst>
+                              <p:cond delay="0"/>
+                            </p:stCondLst>
+                            <p:childTnLst>
+                              <p:par>
+                                <p:cTn id="35" presetID="10" presetClass="entr" presetSubtype="0" fill="hold" nodeType="clickEffect">
+                                  <p:stCondLst>
+                                    <p:cond delay="0"/>
+                                  </p:stCondLst>
+                                  <p:childTnLst>
+                                    <p:set>
+                                      <p:cBhvr>
+                                        <p:cTn id="36" dur="1" fill="hold">
+                                          <p:stCondLst>
+                                            <p:cond delay="0"/>
+                                          </p:stCondLst>
+                                        </p:cTn>
+                                        <p:tgtEl>
+                                          <p:spTgt spid="1041"/>
+                                        </p:tgtEl>
+                                        <p:attrNameLst>
+                                          <p:attrName>style.visibility</p:attrName>
+                                        </p:attrNameLst>
+                                      </p:cBhvr>
+                                      <p:to>
+                                        <p:strVal val="visible"/>
+                                      </p:to>
+                                    </p:set>
+                                    <p:animEffect transition="in" filter="fade">
+                                      <p:cBhvr>
+                                        <p:cTn id="37" dur="500"/>
+                                        <p:tgtEl>
+                                          <p:spTgt spid="1041"/>
+                                        </p:tgtEl>
+                                      </p:cBhvr>
+                                    </p:animEffect>
+                                  </p:childTnLst>
+                                </p:cTn>
+                              </p:par>
+                            </p:childTnLst>
+                          </p:cTn>
+                        </p:par>
+                      </p:childTnLst>
+                    </p:cTn>
+                  </p:par>
+                  <p:par>
+                    <p:cTn id="38" fill="hold">
+                      <p:stCondLst>
+                        <p:cond delay="indefinite"/>
+                      </p:stCondLst>
+                      <p:childTnLst>
+                        <p:par>
+                          <p:cTn id="39" fill="hold">
+                            <p:stCondLst>
+                              <p:cond delay="0"/>
+                            </p:stCondLst>
+                            <p:childTnLst>
+                              <p:par>
+                                <p:cTn id="40" presetID="22" presetClass="entr" presetSubtype="1" fill="hold" nodeType="clickEffect">
+                                  <p:stCondLst>
+                                    <p:cond delay="0"/>
+                                  </p:stCondLst>
+                                  <p:childTnLst>
+                                    <p:set>
+                                      <p:cBhvr>
+                                        <p:cTn id="41" dur="1" fill="hold">
+                                          <p:stCondLst>
+                                            <p:cond delay="0"/>
+                                          </p:stCondLst>
+                                        </p:cTn>
+                                        <p:tgtEl>
+                                          <p:spTgt spid="1043"/>
+                                        </p:tgtEl>
+                                        <p:attrNameLst>
+                                          <p:attrName>style.visibility</p:attrName>
+                                        </p:attrNameLst>
+                                      </p:cBhvr>
+                                      <p:to>
+                                        <p:strVal val="visible"/>
+                                      </p:to>
+                                    </p:set>
+                                    <p:animEffect transition="in" filter="wipe(up)">
+                                      <p:cBhvr>
+                                        <p:cTn id="42" dur="500"/>
+                                        <p:tgtEl>
+                                          <p:spTgt spid="1043"/>
+                                        </p:tgtEl>
+                                      </p:cBhvr>
+                                    </p:animEffect>
+                                  </p:childTnLst>
+                                </p:cTn>
+                              </p:par>
+                              <p:par>
+                                <p:cTn id="43" presetID="22" presetClass="entr" presetSubtype="1" fill="hold" nodeType="withEffect">
+                                  <p:stCondLst>
+                                    <p:cond delay="0"/>
+                                  </p:stCondLst>
+                                  <p:childTnLst>
+                                    <p:set>
+                                      <p:cBhvr>
+                                        <p:cTn id="44" dur="1" fill="hold">
+                                          <p:stCondLst>
+                                            <p:cond delay="0"/>
+                                          </p:stCondLst>
+                                        </p:cTn>
+                                        <p:tgtEl>
+                                          <p:spTgt spid="1042"/>
+                                        </p:tgtEl>
+                                        <p:attrNameLst>
+                                          <p:attrName>style.visibility</p:attrName>
+                                        </p:attrNameLst>
+                                      </p:cBhvr>
+                                      <p:to>
+                                        <p:strVal val="visible"/>
+                                      </p:to>
+                                    </p:set>
+                                    <p:animEffect transition="in" filter="wipe(up)">
+                                      <p:cBhvr>
+                                        <p:cTn id="45" dur="500"/>
+                                        <p:tgtEl>
+                                          <p:spTgt spid="1042"/>
+                                        </p:tgtEl>
+                                      </p:cBhvr>
+                                    </p:animEffect>
+                                  </p:childTnLst>
+                                </p:cTn>
+                              </p:par>
+                            </p:childTnLst>
+                          </p:cTn>
+                        </p:par>
+                      </p:childTnLst>
+                    </p:cTn>
+                  </p:par>
+                  <p:par>
+                    <p:cTn id="46" fill="hold">
+                      <p:stCondLst>
+                        <p:cond delay="indefinite"/>
+                      </p:stCondLst>
+                      <p:childTnLst>
+                        <p:par>
+                          <p:cTn id="47" fill="hold">
+                            <p:stCondLst>
+                              <p:cond delay="0"/>
+                            </p:stCondLst>
+                            <p:childTnLst>
+                              <p:par>
+                                <p:cTn id="48" presetID="10" presetClass="entr" presetSubtype="0" fill="hold" nodeType="clickEffect">
+                                  <p:stCondLst>
+                                    <p:cond delay="0"/>
+                                  </p:stCondLst>
+                                  <p:childTnLst>
+                                    <p:set>
+                                      <p:cBhvr>
+                                        <p:cTn id="49" dur="1" fill="hold">
+                                          <p:stCondLst>
+                                            <p:cond delay="0"/>
+                                          </p:stCondLst>
+                                        </p:cTn>
+                                        <p:tgtEl>
+                                          <p:spTgt spid="1044"/>
+                                        </p:tgtEl>
+                                        <p:attrNameLst>
+                                          <p:attrName>style.visibility</p:attrName>
+                                        </p:attrNameLst>
+                                      </p:cBhvr>
+                                      <p:to>
+                                        <p:strVal val="visible"/>
+                                      </p:to>
+                                    </p:set>
+                                    <p:animEffect transition="in" filter="fade">
+                                      <p:cBhvr>
+                                        <p:cTn id="50" dur="500"/>
+                                        <p:tgtEl>
+                                          <p:spTgt spid="1044"/>
+                                        </p:tgtEl>
+                                      </p:cBhvr>
+                                    </p:animEffect>
+                                  </p:childTnLst>
+                                </p:cTn>
+                              </p:par>
+                            </p:childTnLst>
+                          </p:cTn>
+                        </p:par>
+                      </p:childTnLst>
+                    </p:cTn>
+                  </p:par>
+                </p:childTnLst>
+              </p:cTn>
+              <p:prevCondLst>
+                <p:cond evt="onPrev" delay="0">
+                  <p:tgtEl>
+                    <p:sldTgt/>
+                  </p:tgtEl>
+                </p:cond>
+              </p:prevCondLst>
+              <p:nextCondLst>
+                <p:cond evt="onNext" delay="0">
+                  <p:tgtEl>
+                    <p:sldTgt/>
+                  </p:tgtEl>
+                </p:cond>
+              </p:nextCondLst>
+            </p:seq>
+          </p:childTnLst>
+        </p:cTn>
+      </p:par>
+    </p:tnLst>
+  </p:timing>
+</p:sld>
+</file>
+
+<file path=ppt/slides/slide9.xml><?xml version="1.0" encoding="utf-8"?>
+<p:sld xmlns:a="http://schemas.openxmlformats.org/drawingml/2006/main" xmlns:r="http://schemas.openxmlformats.org/officeDocument/2006/relationships" xmlns:p="http://schemas.openxmlformats.org/presentationml/2006/main">
+  <p:cSld>
+    <p:spTree>
+      <p:nvGrpSpPr>
+        <p:cNvPr id="1" name=""/>
+        <p:cNvGrpSpPr/>
+        <p:nvPr/>
+      </p:nvGrpSpPr>
+      <p:grpSpPr>
+        <a:xfrm>
+          <a:off x="0" y="0"/>
+          <a:ext cx="0" cy="0"/>
+          <a:chOff x="0" y="0"/>
+          <a:chExt cx="0" cy="0"/>
+        </a:xfrm>
+      </p:grpSpPr>
+      <p:pic>
+        <p:nvPicPr>
+          <p:cNvPr id="3092" name="Picture 20">
+            <a:extLst>
+              <a:ext uri="{FF2B5EF4-FFF2-40B4-BE49-F238E27FC236}">
+                <a16:creationId xmlns:a16="http://schemas.microsoft.com/office/drawing/2014/main" id="{52C85139-B208-DE81-E9CD-88BB643827D2}"/>
+              </a:ext>
+            </a:extLst>
+          </p:cNvPr>
+          <p:cNvPicPr>
+            <a:picLocks noChangeAspect="1" noChangeArrowheads="1"/>
+          </p:cNvPicPr>
+          <p:nvPr/>
+        </p:nvPicPr>
+        <p:blipFill>
+          <a:blip r:embed="rId2">
+            <a:extLst>
+              <a:ext uri="{28A0092B-C50C-407E-A947-70E740481C1C}">
+                <a14:useLocalDpi xmlns:a14="http://schemas.microsoft.com/office/drawing/2010/main" val="0"/>
+              </a:ext>
+            </a:extLst>
+          </a:blip>
+          <a:srcRect/>
+          <a:stretch>
+            <a:fillRect/>
+          </a:stretch>
+        </p:blipFill>
+        <p:spPr bwMode="auto">
+          <a:xfrm>
+            <a:off x="2968305" y="1020588"/>
+            <a:ext cx="3292235" cy="5099790"/>
+          </a:xfrm>
+          <a:prstGeom prst="rect">
+            <a:avLst/>
+          </a:prstGeom>
+          <a:noFill/>
+          <a:extLst>
+            <a:ext uri="{909E8E84-426E-40DD-AFC4-6F175D3DCCD1}">
+              <a14:hiddenFill xmlns:a14="http://schemas.microsoft.com/office/drawing/2010/main">
+                <a:solidFill>
+                  <a:srgbClr val="FFFFFF"/>
+                </a:solidFill>
+              </a14:hiddenFill>
+            </a:ext>
+          </a:extLst>
+        </p:spPr>
+      </p:pic>
+      <p:pic>
+        <p:nvPicPr>
+          <p:cNvPr id="4" name="Image 3" descr="Une image contenant texte, arts de la table, vaisselle, assiette&#10;&#10;Description générée automatiquement">
+            <a:extLst>
+              <a:ext uri="{FF2B5EF4-FFF2-40B4-BE49-F238E27FC236}">
+                <a16:creationId xmlns:a16="http://schemas.microsoft.com/office/drawing/2014/main" id="{5168BAAD-635B-041A-0FB2-36F1ED40A03E}"/>
+              </a:ext>
+            </a:extLst>
+          </p:cNvPr>
+          <p:cNvPicPr>
+            <a:picLocks noChangeAspect="1"/>
+          </p:cNvPicPr>
+          <p:nvPr/>
+        </p:nvPicPr>
+        <p:blipFill>
+          <a:blip r:embed="rId3">
+            <a:extLst>
+              <a:ext uri="{28A0092B-C50C-407E-A947-70E740481C1C}">
+                <a14:useLocalDpi xmlns:a14="http://schemas.microsoft.com/office/drawing/2010/main" val="0"/>
+              </a:ext>
+            </a:extLst>
+          </a:blip>
+          <a:stretch>
+            <a:fillRect/>
+          </a:stretch>
+        </p:blipFill>
+        <p:spPr>
+          <a:xfrm>
+            <a:off x="162214" y="144551"/>
+            <a:ext cx="2095500" cy="695325"/>
+          </a:xfrm>
+          <a:prstGeom prst="rect">
+            <a:avLst/>
+          </a:prstGeom>
+        </p:spPr>
+      </p:pic>
+      <p:pic>
+        <p:nvPicPr>
+          <p:cNvPr id="5" name="Image 4" descr="@InnovationLab-EFREIParis">
+            <a:extLst>
+              <a:ext uri="{FF2B5EF4-FFF2-40B4-BE49-F238E27FC236}">
+                <a16:creationId xmlns:a16="http://schemas.microsoft.com/office/drawing/2014/main" id="{A70B9059-60FE-7D8A-638E-6EC0978C2314}"/>
+              </a:ext>
+            </a:extLst>
+          </p:cNvPr>
+          <p:cNvPicPr>
+            <a:picLocks noChangeAspect="1"/>
+          </p:cNvPicPr>
+          <p:nvPr/>
+        </p:nvPicPr>
+        <p:blipFill>
+          <a:blip r:embed="rId4">
+            <a:extLst>
+              <a:ext uri="{28A0092B-C50C-407E-A947-70E740481C1C}">
+                <a14:useLocalDpi xmlns:a14="http://schemas.microsoft.com/office/drawing/2010/main" val="0"/>
+              </a:ext>
+            </a:extLst>
+          </a:blip>
+          <a:srcRect/>
+          <a:stretch>
+            <a:fillRect/>
+          </a:stretch>
+        </p:blipFill>
+        <p:spPr bwMode="auto">
+          <a:xfrm>
+            <a:off x="10901500" y="13740"/>
+            <a:ext cx="956945" cy="956945"/>
+          </a:xfrm>
+          <a:prstGeom prst="rect">
+            <a:avLst/>
+          </a:prstGeom>
+          <a:noFill/>
+          <a:ln>
+            <a:noFill/>
+          </a:ln>
+        </p:spPr>
+      </p:pic>
+      <p:pic>
+        <p:nvPicPr>
+          <p:cNvPr id="6" name="Picture 2">
+            <a:extLst>
+              <a:ext uri="{FF2B5EF4-FFF2-40B4-BE49-F238E27FC236}">
+                <a16:creationId xmlns:a16="http://schemas.microsoft.com/office/drawing/2014/main" id="{E3DDA857-E5F2-D1A4-1A19-AC531C5F1E52}"/>
+              </a:ext>
+            </a:extLst>
+          </p:cNvPr>
+          <p:cNvPicPr>
+            <a:picLocks noChangeAspect="1" noChangeArrowheads="1"/>
+          </p:cNvPicPr>
+          <p:nvPr/>
+        </p:nvPicPr>
+        <p:blipFill>
+          <a:blip r:embed="rId5">
+            <a:extLst>
+              <a:ext uri="{28A0092B-C50C-407E-A947-70E740481C1C}">
+                <a14:useLocalDpi xmlns:a14="http://schemas.microsoft.com/office/drawing/2010/main" val="0"/>
+              </a:ext>
+            </a:extLst>
+          </a:blip>
+          <a:srcRect/>
+          <a:stretch>
+            <a:fillRect/>
+          </a:stretch>
+        </p:blipFill>
+        <p:spPr bwMode="auto">
+          <a:xfrm>
+            <a:off x="5540211" y="144551"/>
+            <a:ext cx="1124121" cy="736189"/>
+          </a:xfrm>
+          <a:prstGeom prst="rect">
+            <a:avLst/>
+          </a:prstGeom>
+          <a:noFill/>
+          <a:extLst>
+            <a:ext uri="{909E8E84-426E-40DD-AFC4-6F175D3DCCD1}">
+              <a14:hiddenFill xmlns:a14="http://schemas.microsoft.com/office/drawing/2010/main">
+                <a:solidFill>
+                  <a:srgbClr val="FFFFFF"/>
+                </a:solidFill>
+              </a14:hiddenFill>
+            </a:ext>
+          </a:extLst>
+        </p:spPr>
+      </p:pic>
+      <p:pic>
+        <p:nvPicPr>
+          <p:cNvPr id="7" name="Picture 3">
+            <a:extLst>
+              <a:ext uri="{FF2B5EF4-FFF2-40B4-BE49-F238E27FC236}">
+                <a16:creationId xmlns:a16="http://schemas.microsoft.com/office/drawing/2014/main" id="{E6ACB8E1-4D14-ADCA-5431-8F63CE38E041}"/>
+              </a:ext>
+            </a:extLst>
+          </p:cNvPr>
+          <p:cNvPicPr>
+            <a:picLocks noChangeAspect="1" noChangeArrowheads="1"/>
+          </p:cNvPicPr>
+          <p:nvPr/>
+        </p:nvPicPr>
+        <p:blipFill>
+          <a:blip r:embed="rId6">
+            <a:extLst>
+              <a:ext uri="{28A0092B-C50C-407E-A947-70E740481C1C}">
+                <a14:useLocalDpi xmlns:a14="http://schemas.microsoft.com/office/drawing/2010/main" val="0"/>
+              </a:ext>
+            </a:extLst>
+          </a:blip>
+          <a:srcRect/>
+          <a:stretch>
+            <a:fillRect/>
+          </a:stretch>
+        </p:blipFill>
+        <p:spPr bwMode="auto">
+          <a:xfrm>
+            <a:off x="7443762" y="213474"/>
+            <a:ext cx="2678307" cy="557476"/>
+          </a:xfrm>
+          <a:prstGeom prst="rect">
+            <a:avLst/>
+          </a:prstGeom>
+          <a:noFill/>
+          <a:extLst>
+            <a:ext uri="{909E8E84-426E-40DD-AFC4-6F175D3DCCD1}">
+              <a14:hiddenFill xmlns:a14="http://schemas.microsoft.com/office/drawing/2010/main">
+                <a:solidFill>
+                  <a:srgbClr val="FFFFFF"/>
+                </a:solidFill>
+              </a14:hiddenFill>
+            </a:ext>
+          </a:extLst>
+        </p:spPr>
+      </p:pic>
+      <p:pic>
+        <p:nvPicPr>
+          <p:cNvPr id="8" name="Picture 20">
+            <a:extLst>
+              <a:ext uri="{FF2B5EF4-FFF2-40B4-BE49-F238E27FC236}">
+                <a16:creationId xmlns:a16="http://schemas.microsoft.com/office/drawing/2014/main" id="{C86919EC-EB48-14F2-E37C-269E251EE29C}"/>
+              </a:ext>
+            </a:extLst>
+          </p:cNvPr>
+          <p:cNvPicPr>
+            <a:picLocks noChangeAspect="1" noChangeArrowheads="1"/>
+          </p:cNvPicPr>
+          <p:nvPr/>
+        </p:nvPicPr>
+        <p:blipFill>
+          <a:blip r:embed="rId7">
+            <a:extLst>
+              <a:ext uri="{28A0092B-C50C-407E-A947-70E740481C1C}">
+                <a14:useLocalDpi xmlns:a14="http://schemas.microsoft.com/office/drawing/2010/main" val="0"/>
+              </a:ext>
+            </a:extLst>
+          </a:blip>
+          <a:srcRect/>
+          <a:stretch>
+            <a:fillRect/>
+          </a:stretch>
+        </p:blipFill>
+        <p:spPr bwMode="auto">
+          <a:xfrm>
+            <a:off x="5466986" y="1165721"/>
+            <a:ext cx="1258028" cy="531167"/>
+          </a:xfrm>
+          <a:prstGeom prst="rect">
+            <a:avLst/>
+          </a:prstGeom>
+          <a:noFill/>
+          <a:extLst>
+            <a:ext uri="{909E8E84-426E-40DD-AFC4-6F175D3DCCD1}">
+              <a14:hiddenFill xmlns:a14="http://schemas.microsoft.com/office/drawing/2010/main">
+                <a:solidFill>
+                  <a:srgbClr val="FFFFFF"/>
+                </a:solidFill>
+              </a14:hiddenFill>
+            </a:ext>
+          </a:extLst>
+        </p:spPr>
+      </p:pic>
+      <p:pic>
+        <p:nvPicPr>
+          <p:cNvPr id="3073" name="Picture 1">
+            <a:extLst>
+              <a:ext uri="{FF2B5EF4-FFF2-40B4-BE49-F238E27FC236}">
+                <a16:creationId xmlns:a16="http://schemas.microsoft.com/office/drawing/2014/main" id="{2BC46896-D2BE-4B59-FCB3-4D99829EDAF2}"/>
+              </a:ext>
+            </a:extLst>
+          </p:cNvPr>
+          <p:cNvPicPr>
+            <a:picLocks noChangeAspect="1" noChangeArrowheads="1"/>
+          </p:cNvPicPr>
+          <p:nvPr/>
+        </p:nvPicPr>
+        <p:blipFill>
+          <a:blip r:embed="rId8">
+            <a:extLst>
+              <a:ext uri="{28A0092B-C50C-407E-A947-70E740481C1C}">
+                <a14:useLocalDpi xmlns:a14="http://schemas.microsoft.com/office/drawing/2010/main" val="0"/>
+              </a:ext>
+            </a:extLst>
+          </a:blip>
+          <a:srcRect/>
+          <a:stretch>
+            <a:fillRect/>
+          </a:stretch>
+        </p:blipFill>
+        <p:spPr bwMode="auto">
+          <a:xfrm>
+            <a:off x="3634003" y="1345053"/>
+            <a:ext cx="2038350" cy="2029378"/>
+          </a:xfrm>
+          <a:prstGeom prst="rect">
+            <a:avLst/>
+          </a:prstGeom>
+          <a:noFill/>
+          <a:extLst>
+            <a:ext uri="{909E8E84-426E-40DD-AFC4-6F175D3DCCD1}">
+              <a14:hiddenFill xmlns:a14="http://schemas.microsoft.com/office/drawing/2010/main">
+                <a:solidFill>
+                  <a:srgbClr val="FFFFFF"/>
+                </a:solidFill>
+              </a14:hiddenFill>
+            </a:ext>
+          </a:extLst>
+        </p:spPr>
+      </p:pic>
+      <p:pic>
+        <p:nvPicPr>
+          <p:cNvPr id="3074" name="Picture 2">
+            <a:extLst>
+              <a:ext uri="{FF2B5EF4-FFF2-40B4-BE49-F238E27FC236}">
+                <a16:creationId xmlns:a16="http://schemas.microsoft.com/office/drawing/2014/main" id="{69AED759-95C5-1BBF-896A-7330818DD52F}"/>
+              </a:ext>
+            </a:extLst>
+          </p:cNvPr>
+          <p:cNvPicPr>
+            <a:picLocks noChangeAspect="1" noChangeArrowheads="1"/>
+          </p:cNvPicPr>
+          <p:nvPr/>
+        </p:nvPicPr>
+        <p:blipFill>
+          <a:blip r:embed="rId9">
+            <a:extLst>
+              <a:ext uri="{28A0092B-C50C-407E-A947-70E740481C1C}">
+                <a14:useLocalDpi xmlns:a14="http://schemas.microsoft.com/office/drawing/2010/main" val="0"/>
+              </a:ext>
+            </a:extLst>
+          </a:blip>
+          <a:srcRect/>
+          <a:stretch>
+            <a:fillRect/>
+          </a:stretch>
+        </p:blipFill>
+        <p:spPr bwMode="auto">
+          <a:xfrm>
+            <a:off x="3704794" y="2063976"/>
+            <a:ext cx="820011" cy="299369"/>
+          </a:xfrm>
+          <a:prstGeom prst="rect">
+            <a:avLst/>
+          </a:prstGeom>
+          <a:noFill/>
+          <a:extLst>
+            <a:ext uri="{909E8E84-426E-40DD-AFC4-6F175D3DCCD1}">
+              <a14:hiddenFill xmlns:a14="http://schemas.microsoft.com/office/drawing/2010/main">
+                <a:solidFill>
+                  <a:srgbClr val="FFFFFF"/>
+                </a:solidFill>
+              </a14:hiddenFill>
+            </a:ext>
+          </a:extLst>
+        </p:spPr>
+      </p:pic>
+      <p:pic>
+        <p:nvPicPr>
+          <p:cNvPr id="3075" name="Picture 3">
+            <a:extLst>
+              <a:ext uri="{FF2B5EF4-FFF2-40B4-BE49-F238E27FC236}">
+                <a16:creationId xmlns:a16="http://schemas.microsoft.com/office/drawing/2014/main" id="{2DE5AD6E-21E3-6951-0823-0C7AFF5D0FB0}"/>
+              </a:ext>
+            </a:extLst>
+          </p:cNvPr>
+          <p:cNvPicPr>
+            <a:picLocks noChangeAspect="1" noChangeArrowheads="1"/>
+          </p:cNvPicPr>
+          <p:nvPr/>
+        </p:nvPicPr>
+        <p:blipFill>
+          <a:blip r:embed="rId10">
+            <a:extLst>
+              <a:ext uri="{28A0092B-C50C-407E-A947-70E740481C1C}">
+                <a14:useLocalDpi xmlns:a14="http://schemas.microsoft.com/office/drawing/2010/main" val="0"/>
+              </a:ext>
+            </a:extLst>
+          </a:blip>
+          <a:srcRect/>
+          <a:stretch>
+            <a:fillRect/>
+          </a:stretch>
+        </p:blipFill>
+        <p:spPr bwMode="auto">
+          <a:xfrm>
+            <a:off x="3169427" y="3258547"/>
+            <a:ext cx="1258028" cy="543239"/>
+          </a:xfrm>
+          <a:prstGeom prst="rect">
+            <a:avLst/>
+          </a:prstGeom>
+          <a:noFill/>
+          <a:extLst>
+            <a:ext uri="{909E8E84-426E-40DD-AFC4-6F175D3DCCD1}">
+              <a14:hiddenFill xmlns:a14="http://schemas.microsoft.com/office/drawing/2010/main">
+                <a:solidFill>
+                  <a:srgbClr val="FFFFFF"/>
+                </a:solidFill>
+              </a14:hiddenFill>
+            </a:ext>
+          </a:extLst>
+        </p:spPr>
+      </p:pic>
+      <p:pic>
+        <p:nvPicPr>
+          <p:cNvPr id="3076" name="Picture 4">
+            <a:extLst>
+              <a:ext uri="{FF2B5EF4-FFF2-40B4-BE49-F238E27FC236}">
+                <a16:creationId xmlns:a16="http://schemas.microsoft.com/office/drawing/2014/main" id="{E90735A1-607C-EEE6-1233-3CEB84389B3C}"/>
+              </a:ext>
+            </a:extLst>
+          </p:cNvPr>
+          <p:cNvPicPr>
+            <a:picLocks noChangeAspect="1" noChangeArrowheads="1"/>
+          </p:cNvPicPr>
+          <p:nvPr/>
+        </p:nvPicPr>
+        <p:blipFill>
+          <a:blip r:embed="rId11">
+            <a:extLst>
+              <a:ext uri="{28A0092B-C50C-407E-A947-70E740481C1C}">
+                <a14:useLocalDpi xmlns:a14="http://schemas.microsoft.com/office/drawing/2010/main" val="0"/>
+              </a:ext>
+            </a:extLst>
+          </a:blip>
+          <a:srcRect/>
+          <a:stretch>
+            <a:fillRect/>
+          </a:stretch>
+        </p:blipFill>
+        <p:spPr bwMode="auto">
+          <a:xfrm>
+            <a:off x="6039682" y="1327357"/>
+            <a:ext cx="194494" cy="2083946"/>
+          </a:xfrm>
+          <a:prstGeom prst="rect">
+            <a:avLst/>
+          </a:prstGeom>
+          <a:noFill/>
+          <a:extLst>
+            <a:ext uri="{909E8E84-426E-40DD-AFC4-6F175D3DCCD1}">
+              <a14:hiddenFill xmlns:a14="http://schemas.microsoft.com/office/drawing/2010/main">
+                <a:solidFill>
+                  <a:srgbClr val="FFFFFF"/>
+                </a:solidFill>
+              </a14:hiddenFill>
+            </a:ext>
+          </a:extLst>
+        </p:spPr>
+      </p:pic>
+      <p:pic>
+        <p:nvPicPr>
+          <p:cNvPr id="3077" name="Picture 5">
+            <a:extLst>
+              <a:ext uri="{FF2B5EF4-FFF2-40B4-BE49-F238E27FC236}">
+                <a16:creationId xmlns:a16="http://schemas.microsoft.com/office/drawing/2014/main" id="{56FF9911-0A93-5F66-7CAD-75CA2281775C}"/>
+              </a:ext>
+            </a:extLst>
+          </p:cNvPr>
+          <p:cNvPicPr>
+            <a:picLocks noChangeAspect="1" noChangeArrowheads="1"/>
+          </p:cNvPicPr>
+          <p:nvPr/>
+        </p:nvPicPr>
+        <p:blipFill>
+          <a:blip r:embed="rId12">
+            <a:extLst>
+              <a:ext uri="{28A0092B-C50C-407E-A947-70E740481C1C}">
+                <a14:useLocalDpi xmlns:a14="http://schemas.microsoft.com/office/drawing/2010/main" val="0"/>
+              </a:ext>
+            </a:extLst>
+          </a:blip>
+          <a:srcRect/>
+          <a:stretch>
+            <a:fillRect/>
+          </a:stretch>
+        </p:blipFill>
+        <p:spPr bwMode="auto">
+          <a:xfrm>
+            <a:off x="5370010" y="2060373"/>
+            <a:ext cx="820011" cy="299369"/>
+          </a:xfrm>
+          <a:prstGeom prst="rect">
+            <a:avLst/>
+          </a:prstGeom>
+          <a:noFill/>
+          <a:extLst>
+            <a:ext uri="{909E8E84-426E-40DD-AFC4-6F175D3DCCD1}">
+              <a14:hiddenFill xmlns:a14="http://schemas.microsoft.com/office/drawing/2010/main">
+                <a:solidFill>
+                  <a:srgbClr val="FFFFFF"/>
+                </a:solidFill>
+              </a14:hiddenFill>
+            </a:ext>
+          </a:extLst>
+        </p:spPr>
+      </p:pic>
+      <p:pic>
+        <p:nvPicPr>
+          <p:cNvPr id="3078" name="Picture 6">
+            <a:extLst>
+              <a:ext uri="{FF2B5EF4-FFF2-40B4-BE49-F238E27FC236}">
+                <a16:creationId xmlns:a16="http://schemas.microsoft.com/office/drawing/2014/main" id="{50146203-B3D5-560C-7C14-224892755E12}"/>
+              </a:ext>
+            </a:extLst>
+          </p:cNvPr>
+          <p:cNvPicPr>
+            <a:picLocks noChangeAspect="1" noChangeArrowheads="1"/>
+          </p:cNvPicPr>
+          <p:nvPr/>
+        </p:nvPicPr>
+        <p:blipFill>
+          <a:blip r:embed="rId13">
+            <a:extLst>
+              <a:ext uri="{28A0092B-C50C-407E-A947-70E740481C1C}">
+                <a14:useLocalDpi xmlns:a14="http://schemas.microsoft.com/office/drawing/2010/main" val="0"/>
+              </a:ext>
+            </a:extLst>
+          </a:blip>
+          <a:srcRect/>
+          <a:stretch>
+            <a:fillRect/>
+          </a:stretch>
+        </p:blipFill>
+        <p:spPr bwMode="auto">
+          <a:xfrm>
+            <a:off x="5470804" y="3258546"/>
+            <a:ext cx="1258028" cy="543239"/>
+          </a:xfrm>
+          <a:prstGeom prst="rect">
+            <a:avLst/>
+          </a:prstGeom>
+          <a:noFill/>
+          <a:extLst>
+            <a:ext uri="{909E8E84-426E-40DD-AFC4-6F175D3DCCD1}">
+              <a14:hiddenFill xmlns:a14="http://schemas.microsoft.com/office/drawing/2010/main">
+                <a:solidFill>
+                  <a:srgbClr val="FFFFFF"/>
+                </a:solidFill>
+              </a14:hiddenFill>
+            </a:ext>
+          </a:extLst>
+        </p:spPr>
+      </p:pic>
+      <p:pic>
+        <p:nvPicPr>
+          <p:cNvPr id="3079" name="Picture 7">
+            <a:extLst>
+              <a:ext uri="{FF2B5EF4-FFF2-40B4-BE49-F238E27FC236}">
+                <a16:creationId xmlns:a16="http://schemas.microsoft.com/office/drawing/2014/main" id="{ECE5557A-B442-63B2-0E59-B4A5DA449543}"/>
+              </a:ext>
+            </a:extLst>
+          </p:cNvPr>
+          <p:cNvPicPr>
+            <a:picLocks noChangeAspect="1" noChangeArrowheads="1"/>
+          </p:cNvPicPr>
+          <p:nvPr/>
+        </p:nvPicPr>
+        <p:blipFill>
+          <a:blip r:embed="rId14">
+            <a:extLst>
+              <a:ext uri="{28A0092B-C50C-407E-A947-70E740481C1C}">
+                <a14:useLocalDpi xmlns:a14="http://schemas.microsoft.com/office/drawing/2010/main" val="0"/>
+              </a:ext>
+            </a:extLst>
+          </a:blip>
+          <a:srcRect/>
+          <a:stretch>
+            <a:fillRect/>
+          </a:stretch>
+        </p:blipFill>
+        <p:spPr bwMode="auto">
+          <a:xfrm>
+            <a:off x="6546934" y="1345053"/>
+            <a:ext cx="1465654" cy="445176"/>
+          </a:xfrm>
+          <a:prstGeom prst="rect">
+            <a:avLst/>
+          </a:prstGeom>
+          <a:noFill/>
+          <a:extLst>
+            <a:ext uri="{909E8E84-426E-40DD-AFC4-6F175D3DCCD1}">
+              <a14:hiddenFill xmlns:a14="http://schemas.microsoft.com/office/drawing/2010/main">
+                <a:solidFill>
+                  <a:srgbClr val="FFFFFF"/>
+                </a:solidFill>
+              </a14:hiddenFill>
+            </a:ext>
+          </a:extLst>
+        </p:spPr>
+      </p:pic>
+      <p:pic>
+        <p:nvPicPr>
+          <p:cNvPr id="3080" name="Picture 8">
+            <a:extLst>
+              <a:ext uri="{FF2B5EF4-FFF2-40B4-BE49-F238E27FC236}">
+                <a16:creationId xmlns:a16="http://schemas.microsoft.com/office/drawing/2014/main" id="{DF2F71A6-9E18-096F-2792-5BF2BC3EB463}"/>
+              </a:ext>
+            </a:extLst>
+          </p:cNvPr>
+          <p:cNvPicPr>
+            <a:picLocks noChangeAspect="1" noChangeArrowheads="1"/>
+          </p:cNvPicPr>
+          <p:nvPr/>
+        </p:nvPicPr>
+        <p:blipFill>
+          <a:blip r:embed="rId15">
+            <a:extLst>
+              <a:ext uri="{28A0092B-C50C-407E-A947-70E740481C1C}">
+                <a14:useLocalDpi xmlns:a14="http://schemas.microsoft.com/office/drawing/2010/main" val="0"/>
+              </a:ext>
+            </a:extLst>
+          </a:blip>
+          <a:srcRect/>
+          <a:stretch>
+            <a:fillRect/>
+          </a:stretch>
+        </p:blipFill>
+        <p:spPr bwMode="auto">
+          <a:xfrm>
+            <a:off x="7037772" y="1431304"/>
+            <a:ext cx="820012" cy="299369"/>
+          </a:xfrm>
+          <a:prstGeom prst="rect">
+            <a:avLst/>
+          </a:prstGeom>
+          <a:noFill/>
+          <a:extLst>
+            <a:ext uri="{909E8E84-426E-40DD-AFC4-6F175D3DCCD1}">
+              <a14:hiddenFill xmlns:a14="http://schemas.microsoft.com/office/drawing/2010/main">
+                <a:solidFill>
+                  <a:srgbClr val="FFFFFF"/>
+                </a:solidFill>
+              </a14:hiddenFill>
+            </a:ext>
+          </a:extLst>
+        </p:spPr>
+      </p:pic>
+      <p:pic>
+        <p:nvPicPr>
+          <p:cNvPr id="3081" name="Picture 9">
+            <a:extLst>
+              <a:ext uri="{FF2B5EF4-FFF2-40B4-BE49-F238E27FC236}">
+                <a16:creationId xmlns:a16="http://schemas.microsoft.com/office/drawing/2014/main" id="{05C25914-E020-B0BA-DD59-29247A61ADCA}"/>
+              </a:ext>
+            </a:extLst>
+          </p:cNvPr>
+          <p:cNvPicPr>
+            <a:picLocks noChangeAspect="1" noChangeArrowheads="1"/>
+          </p:cNvPicPr>
+          <p:nvPr/>
+        </p:nvPicPr>
+        <p:blipFill>
+          <a:blip r:embed="rId16">
+            <a:extLst>
+              <a:ext uri="{28A0092B-C50C-407E-A947-70E740481C1C}">
+                <a14:useLocalDpi xmlns:a14="http://schemas.microsoft.com/office/drawing/2010/main" val="0"/>
+              </a:ext>
+            </a:extLst>
+          </a:blip>
+          <a:srcRect/>
+          <a:stretch>
+            <a:fillRect/>
+          </a:stretch>
+        </p:blipFill>
+        <p:spPr bwMode="auto">
+          <a:xfrm>
+            <a:off x="7299969" y="1666818"/>
+            <a:ext cx="1258028" cy="543239"/>
+          </a:xfrm>
+          <a:prstGeom prst="rect">
+            <a:avLst/>
+          </a:prstGeom>
+          <a:noFill/>
+          <a:extLst>
+            <a:ext uri="{909E8E84-426E-40DD-AFC4-6F175D3DCCD1}">
+              <a14:hiddenFill xmlns:a14="http://schemas.microsoft.com/office/drawing/2010/main">
+                <a:solidFill>
+                  <a:srgbClr val="FFFFFF"/>
+                </a:solidFill>
+              </a14:hiddenFill>
+            </a:ext>
+          </a:extLst>
+        </p:spPr>
+      </p:pic>
+      <p:pic>
+        <p:nvPicPr>
+          <p:cNvPr id="3082" name="Picture 10">
+            <a:extLst>
+              <a:ext uri="{FF2B5EF4-FFF2-40B4-BE49-F238E27FC236}">
+                <a16:creationId xmlns:a16="http://schemas.microsoft.com/office/drawing/2014/main" id="{C820D30E-D1D6-85F3-0575-04471DE246C4}"/>
+              </a:ext>
+            </a:extLst>
+          </p:cNvPr>
+          <p:cNvPicPr>
+            <a:picLocks noChangeAspect="1" noChangeArrowheads="1"/>
+          </p:cNvPicPr>
+          <p:nvPr/>
+        </p:nvPicPr>
+        <p:blipFill>
+          <a:blip r:embed="rId17">
+            <a:extLst>
+              <a:ext uri="{28A0092B-C50C-407E-A947-70E740481C1C}">
+                <a14:useLocalDpi xmlns:a14="http://schemas.microsoft.com/office/drawing/2010/main" val="0"/>
+              </a:ext>
+            </a:extLst>
+          </a:blip>
+          <a:srcRect/>
+          <a:stretch>
+            <a:fillRect/>
+          </a:stretch>
+        </p:blipFill>
+        <p:spPr bwMode="auto">
+          <a:xfrm>
+            <a:off x="7825721" y="2013035"/>
+            <a:ext cx="200614" cy="543239"/>
+          </a:xfrm>
+          <a:prstGeom prst="rect">
+            <a:avLst/>
+          </a:prstGeom>
+          <a:noFill/>
+          <a:extLst>
+            <a:ext uri="{909E8E84-426E-40DD-AFC4-6F175D3DCCD1}">
+              <a14:hiddenFill xmlns:a14="http://schemas.microsoft.com/office/drawing/2010/main">
+                <a:solidFill>
+                  <a:srgbClr val="FFFFFF"/>
+                </a:solidFill>
+              </a14:hiddenFill>
+            </a:ext>
+          </a:extLst>
+        </p:spPr>
+      </p:pic>
+      <p:pic>
+        <p:nvPicPr>
+          <p:cNvPr id="3083" name="Picture 11">
+            <a:extLst>
+              <a:ext uri="{FF2B5EF4-FFF2-40B4-BE49-F238E27FC236}">
+                <a16:creationId xmlns:a16="http://schemas.microsoft.com/office/drawing/2014/main" id="{591E72D7-6B00-BDCF-86CB-2DBC0234ACB6}"/>
+              </a:ext>
+            </a:extLst>
+          </p:cNvPr>
+          <p:cNvPicPr>
+            <a:picLocks noChangeAspect="1" noChangeArrowheads="1"/>
+          </p:cNvPicPr>
+          <p:nvPr/>
+        </p:nvPicPr>
+        <p:blipFill>
+          <a:blip r:embed="rId18">
+            <a:extLst>
+              <a:ext uri="{28A0092B-C50C-407E-A947-70E740481C1C}">
+                <a14:useLocalDpi xmlns:a14="http://schemas.microsoft.com/office/drawing/2010/main" val="0"/>
+              </a:ext>
+            </a:extLst>
+          </a:blip>
+          <a:srcRect/>
+          <a:stretch>
+            <a:fillRect/>
+          </a:stretch>
+        </p:blipFill>
+        <p:spPr bwMode="auto">
+          <a:xfrm>
+            <a:off x="7299969" y="2432863"/>
+            <a:ext cx="1258028" cy="543239"/>
+          </a:xfrm>
+          <a:prstGeom prst="rect">
+            <a:avLst/>
+          </a:prstGeom>
+          <a:noFill/>
+          <a:extLst>
+            <a:ext uri="{909E8E84-426E-40DD-AFC4-6F175D3DCCD1}">
+              <a14:hiddenFill xmlns:a14="http://schemas.microsoft.com/office/drawing/2010/main">
+                <a:solidFill>
+                  <a:srgbClr val="FFFFFF"/>
+                </a:solidFill>
+              </a14:hiddenFill>
+            </a:ext>
+          </a:extLst>
+        </p:spPr>
+      </p:pic>
+      <p:pic>
+        <p:nvPicPr>
+          <p:cNvPr id="3084" name="Picture 12">
+            <a:extLst>
+              <a:ext uri="{FF2B5EF4-FFF2-40B4-BE49-F238E27FC236}">
+                <a16:creationId xmlns:a16="http://schemas.microsoft.com/office/drawing/2014/main" id="{F6996DD5-3EBF-75E3-9DC2-2E4FE42F5593}"/>
+              </a:ext>
+            </a:extLst>
+          </p:cNvPr>
+          <p:cNvPicPr>
+            <a:picLocks noChangeAspect="1" noChangeArrowheads="1"/>
+          </p:cNvPicPr>
+          <p:nvPr/>
+        </p:nvPicPr>
+        <p:blipFill>
+          <a:blip r:embed="rId19">
+            <a:extLst>
+              <a:ext uri="{28A0092B-C50C-407E-A947-70E740481C1C}">
+                <a14:useLocalDpi xmlns:a14="http://schemas.microsoft.com/office/drawing/2010/main" val="0"/>
+              </a:ext>
+            </a:extLst>
+          </a:blip>
+          <a:srcRect/>
+          <a:stretch>
+            <a:fillRect/>
+          </a:stretch>
+        </p:blipFill>
+        <p:spPr bwMode="auto">
+          <a:xfrm>
+            <a:off x="7509154" y="2743591"/>
+            <a:ext cx="191922" cy="655914"/>
+          </a:xfrm>
+          <a:prstGeom prst="rect">
+            <a:avLst/>
+          </a:prstGeom>
+          <a:noFill/>
+          <a:extLst>
+            <a:ext uri="{909E8E84-426E-40DD-AFC4-6F175D3DCCD1}">
+              <a14:hiddenFill xmlns:a14="http://schemas.microsoft.com/office/drawing/2010/main">
+                <a:solidFill>
+                  <a:srgbClr val="FFFFFF"/>
+                </a:solidFill>
+              </a14:hiddenFill>
+            </a:ext>
+          </a:extLst>
+        </p:spPr>
+      </p:pic>
+      <p:pic>
+        <p:nvPicPr>
+          <p:cNvPr id="3085" name="Picture 13">
+            <a:extLst>
+              <a:ext uri="{FF2B5EF4-FFF2-40B4-BE49-F238E27FC236}">
+                <a16:creationId xmlns:a16="http://schemas.microsoft.com/office/drawing/2014/main" id="{21F118AB-DE25-C399-2F5F-537F8AD38E73}"/>
+              </a:ext>
+            </a:extLst>
+          </p:cNvPr>
+          <p:cNvPicPr>
+            <a:picLocks noChangeAspect="1" noChangeArrowheads="1"/>
+          </p:cNvPicPr>
+          <p:nvPr/>
+        </p:nvPicPr>
+        <p:blipFill>
+          <a:blip r:embed="rId20">
+            <a:extLst>
+              <a:ext uri="{28A0092B-C50C-407E-A947-70E740481C1C}">
+                <a14:useLocalDpi xmlns:a14="http://schemas.microsoft.com/office/drawing/2010/main" val="0"/>
+              </a:ext>
+            </a:extLst>
+          </a:blip>
+          <a:srcRect/>
+          <a:stretch>
+            <a:fillRect/>
+          </a:stretch>
+        </p:blipFill>
+        <p:spPr bwMode="auto">
+          <a:xfrm>
+            <a:off x="7304956" y="3258545"/>
+            <a:ext cx="1258028" cy="543239"/>
+          </a:xfrm>
+          <a:prstGeom prst="rect">
+            <a:avLst/>
+          </a:prstGeom>
+          <a:noFill/>
+          <a:extLst>
+            <a:ext uri="{909E8E84-426E-40DD-AFC4-6F175D3DCCD1}">
+              <a14:hiddenFill xmlns:a14="http://schemas.microsoft.com/office/drawing/2010/main">
+                <a:solidFill>
+                  <a:srgbClr val="FFFFFF"/>
+                </a:solidFill>
+              </a14:hiddenFill>
+            </a:ext>
+          </a:extLst>
+        </p:spPr>
+      </p:pic>
+      <p:pic>
+        <p:nvPicPr>
+          <p:cNvPr id="3086" name="Picture 14">
+            <a:extLst>
+              <a:ext uri="{FF2B5EF4-FFF2-40B4-BE49-F238E27FC236}">
+                <a16:creationId xmlns:a16="http://schemas.microsoft.com/office/drawing/2014/main" id="{540FCC48-C18B-EEB0-F65F-BA57A8189918}"/>
+              </a:ext>
+            </a:extLst>
+          </p:cNvPr>
+          <p:cNvPicPr>
+            <a:picLocks noChangeAspect="1" noChangeArrowheads="1"/>
+          </p:cNvPicPr>
+          <p:nvPr/>
+        </p:nvPicPr>
+        <p:blipFill>
+          <a:blip r:embed="rId21">
+            <a:extLst>
+              <a:ext uri="{28A0092B-C50C-407E-A947-70E740481C1C}">
+                <a14:useLocalDpi xmlns:a14="http://schemas.microsoft.com/office/drawing/2010/main" val="0"/>
+              </a:ext>
+            </a:extLst>
+          </a:blip>
+          <a:srcRect/>
+          <a:stretch>
+            <a:fillRect/>
+          </a:stretch>
+        </p:blipFill>
+        <p:spPr bwMode="auto">
+          <a:xfrm>
+            <a:off x="6879592" y="2967639"/>
+            <a:ext cx="820011" cy="299369"/>
+          </a:xfrm>
+          <a:prstGeom prst="rect">
+            <a:avLst/>
+          </a:prstGeom>
+          <a:noFill/>
+          <a:extLst>
+            <a:ext uri="{909E8E84-426E-40DD-AFC4-6F175D3DCCD1}">
+              <a14:hiddenFill xmlns:a14="http://schemas.microsoft.com/office/drawing/2010/main">
+                <a:solidFill>
+                  <a:srgbClr val="FFFFFF"/>
+                </a:solidFill>
+              </a14:hiddenFill>
+            </a:ext>
+          </a:extLst>
+        </p:spPr>
+      </p:pic>
+      <p:pic>
+        <p:nvPicPr>
+          <p:cNvPr id="3087" name="Picture 15">
+            <a:extLst>
+              <a:ext uri="{FF2B5EF4-FFF2-40B4-BE49-F238E27FC236}">
+                <a16:creationId xmlns:a16="http://schemas.microsoft.com/office/drawing/2014/main" id="{CA187A46-3647-3EDA-82BD-1B6BDEB2E5AE}"/>
+              </a:ext>
+            </a:extLst>
+          </p:cNvPr>
+          <p:cNvPicPr>
+            <a:picLocks noChangeAspect="1" noChangeArrowheads="1"/>
+          </p:cNvPicPr>
+          <p:nvPr/>
+        </p:nvPicPr>
+        <p:blipFill>
+          <a:blip r:embed="rId22">
+            <a:extLst>
+              <a:ext uri="{28A0092B-C50C-407E-A947-70E740481C1C}">
+                <a14:useLocalDpi xmlns:a14="http://schemas.microsoft.com/office/drawing/2010/main" val="0"/>
+              </a:ext>
+            </a:extLst>
+          </a:blip>
+          <a:srcRect/>
+          <a:stretch>
+            <a:fillRect/>
+          </a:stretch>
+        </p:blipFill>
+        <p:spPr bwMode="auto">
+          <a:xfrm>
+            <a:off x="3629667" y="3598584"/>
+            <a:ext cx="2139902" cy="1839565"/>
+          </a:xfrm>
+          <a:prstGeom prst="rect">
+            <a:avLst/>
+          </a:prstGeom>
+          <a:noFill/>
+          <a:extLst>
+            <a:ext uri="{909E8E84-426E-40DD-AFC4-6F175D3DCCD1}">
+              <a14:hiddenFill xmlns:a14="http://schemas.microsoft.com/office/drawing/2010/main">
+                <a:solidFill>
+                  <a:srgbClr val="FFFFFF"/>
+                </a:solidFill>
+              </a14:hiddenFill>
+            </a:ext>
+          </a:extLst>
+        </p:spPr>
+      </p:pic>
+      <p:pic>
+        <p:nvPicPr>
+          <p:cNvPr id="3088" name="Picture 16">
+            <a:extLst>
+              <a:ext uri="{FF2B5EF4-FFF2-40B4-BE49-F238E27FC236}">
+                <a16:creationId xmlns:a16="http://schemas.microsoft.com/office/drawing/2014/main" id="{503DD106-7156-2265-E2A1-E545594E6D26}"/>
+              </a:ext>
+            </a:extLst>
+          </p:cNvPr>
+          <p:cNvPicPr>
+            <a:picLocks noChangeAspect="1" noChangeArrowheads="1"/>
+          </p:cNvPicPr>
+          <p:nvPr/>
+        </p:nvPicPr>
+        <p:blipFill>
+          <a:blip r:embed="rId23">
+            <a:extLst>
+              <a:ext uri="{28A0092B-C50C-407E-A947-70E740481C1C}">
+                <a14:useLocalDpi xmlns:a14="http://schemas.microsoft.com/office/drawing/2010/main" val="0"/>
+              </a:ext>
+            </a:extLst>
+          </a:blip>
+          <a:srcRect/>
+          <a:stretch>
+            <a:fillRect/>
+          </a:stretch>
+        </p:blipFill>
+        <p:spPr bwMode="auto">
+          <a:xfrm>
+            <a:off x="6022629" y="3578838"/>
+            <a:ext cx="228600" cy="1886646"/>
+          </a:xfrm>
+          <a:prstGeom prst="rect">
+            <a:avLst/>
+          </a:prstGeom>
+          <a:noFill/>
+          <a:extLst>
+            <a:ext uri="{909E8E84-426E-40DD-AFC4-6F175D3DCCD1}">
+              <a14:hiddenFill xmlns:a14="http://schemas.microsoft.com/office/drawing/2010/main">
+                <a:solidFill>
+                  <a:srgbClr val="FFFFFF"/>
+                </a:solidFill>
+              </a14:hiddenFill>
+            </a:ext>
+          </a:extLst>
+        </p:spPr>
+      </p:pic>
+      <p:pic>
+        <p:nvPicPr>
+          <p:cNvPr id="3089" name="Picture 17">
+            <a:extLst>
+              <a:ext uri="{FF2B5EF4-FFF2-40B4-BE49-F238E27FC236}">
+                <a16:creationId xmlns:a16="http://schemas.microsoft.com/office/drawing/2014/main" id="{A9BA2BD9-D138-916E-B59E-1AABB492B0D3}"/>
+              </a:ext>
+            </a:extLst>
+          </p:cNvPr>
+          <p:cNvPicPr>
+            <a:picLocks noChangeAspect="1" noChangeArrowheads="1"/>
+          </p:cNvPicPr>
+          <p:nvPr/>
+        </p:nvPicPr>
+        <p:blipFill>
+          <a:blip r:embed="rId24">
+            <a:extLst>
+              <a:ext uri="{28A0092B-C50C-407E-A947-70E740481C1C}">
+                <a14:useLocalDpi xmlns:a14="http://schemas.microsoft.com/office/drawing/2010/main" val="0"/>
+              </a:ext>
+            </a:extLst>
+          </a:blip>
+          <a:srcRect/>
+          <a:stretch>
+            <a:fillRect/>
+          </a:stretch>
+        </p:blipFill>
+        <p:spPr bwMode="auto">
+          <a:xfrm>
+            <a:off x="6324634" y="2592755"/>
+            <a:ext cx="1120426" cy="2845393"/>
+          </a:xfrm>
+          <a:prstGeom prst="rect">
+            <a:avLst/>
+          </a:prstGeom>
+          <a:noFill/>
+          <a:extLst>
+            <a:ext uri="{909E8E84-426E-40DD-AFC4-6F175D3DCCD1}">
+              <a14:hiddenFill xmlns:a14="http://schemas.microsoft.com/office/drawing/2010/main">
+                <a:solidFill>
+                  <a:srgbClr val="FFFFFF"/>
+                </a:solidFill>
+              </a14:hiddenFill>
+            </a:ext>
+          </a:extLst>
+        </p:spPr>
+      </p:pic>
+      <p:pic>
+        <p:nvPicPr>
+          <p:cNvPr id="3090" name="Picture 18">
+            <a:extLst>
+              <a:ext uri="{FF2B5EF4-FFF2-40B4-BE49-F238E27FC236}">
+                <a16:creationId xmlns:a16="http://schemas.microsoft.com/office/drawing/2014/main" id="{E2EE8BA8-44B4-EE57-DA09-A3C9548B4A1E}"/>
+              </a:ext>
+            </a:extLst>
+          </p:cNvPr>
+          <p:cNvPicPr>
+            <a:picLocks noChangeAspect="1" noChangeArrowheads="1"/>
+          </p:cNvPicPr>
+          <p:nvPr/>
+        </p:nvPicPr>
+        <p:blipFill>
+          <a:blip r:embed="rId25">
+            <a:extLst>
+              <a:ext uri="{28A0092B-C50C-407E-A947-70E740481C1C}">
+                <a14:useLocalDpi xmlns:a14="http://schemas.microsoft.com/office/drawing/2010/main" val="0"/>
+              </a:ext>
+            </a:extLst>
+          </a:blip>
+          <a:srcRect/>
+          <a:stretch>
+            <a:fillRect/>
+          </a:stretch>
+        </p:blipFill>
+        <p:spPr bwMode="auto">
+          <a:xfrm>
+            <a:off x="6578412" y="3598585"/>
+            <a:ext cx="1443113" cy="1839564"/>
+          </a:xfrm>
+          <a:prstGeom prst="rect">
+            <a:avLst/>
+          </a:prstGeom>
+          <a:noFill/>
+          <a:extLst>
+            <a:ext uri="{909E8E84-426E-40DD-AFC4-6F175D3DCCD1}">
+              <a14:hiddenFill xmlns:a14="http://schemas.microsoft.com/office/drawing/2010/main">
+                <a:solidFill>
+                  <a:srgbClr val="FFFFFF"/>
+                </a:solidFill>
+              </a14:hiddenFill>
+            </a:ext>
+          </a:extLst>
+        </p:spPr>
+      </p:pic>
+      <p:pic>
+        <p:nvPicPr>
+          <p:cNvPr id="3091" name="Picture 19">
+            <a:extLst>
+              <a:ext uri="{FF2B5EF4-FFF2-40B4-BE49-F238E27FC236}">
+                <a16:creationId xmlns:a16="http://schemas.microsoft.com/office/drawing/2014/main" id="{C87E5A11-2AAB-B557-8B3D-50641C84846C}"/>
+              </a:ext>
+            </a:extLst>
+          </p:cNvPr>
+          <p:cNvPicPr>
+            <a:picLocks noChangeAspect="1" noChangeArrowheads="1"/>
+          </p:cNvPicPr>
+          <p:nvPr/>
+        </p:nvPicPr>
+        <p:blipFill>
+          <a:blip r:embed="rId26">
+            <a:extLst>
+              <a:ext uri="{28A0092B-C50C-407E-A947-70E740481C1C}">
+                <a14:useLocalDpi xmlns:a14="http://schemas.microsoft.com/office/drawing/2010/main" val="0"/>
+              </a:ext>
+            </a:extLst>
+          </a:blip>
+          <a:srcRect/>
+          <a:stretch>
+            <a:fillRect/>
+          </a:stretch>
+        </p:blipFill>
+        <p:spPr bwMode="auto">
+          <a:xfrm>
+            <a:off x="5239512" y="5287225"/>
+            <a:ext cx="1601574" cy="691588"/>
+          </a:xfrm>
+          <a:prstGeom prst="rect">
+            <a:avLst/>
+          </a:prstGeom>
+          <a:noFill/>
+          <a:extLst>
+            <a:ext uri="{909E8E84-426E-40DD-AFC4-6F175D3DCCD1}">
+              <a14:hiddenFill xmlns:a14="http://schemas.microsoft.com/office/drawing/2010/main">
+                <a:solidFill>
+                  <a:srgbClr val="FFFFFF"/>
+                </a:solidFill>
+              </a14:hiddenFill>
+            </a:ext>
+          </a:extLst>
+        </p:spPr>
+      </p:pic>
+      <p:pic>
+        <p:nvPicPr>
+          <p:cNvPr id="3093" name="Picture 21">
+            <a:extLst>
+              <a:ext uri="{FF2B5EF4-FFF2-40B4-BE49-F238E27FC236}">
+                <a16:creationId xmlns:a16="http://schemas.microsoft.com/office/drawing/2014/main" id="{683A223E-3C4D-6543-FFC5-D4058CB3F6FF}"/>
+              </a:ext>
+            </a:extLst>
+          </p:cNvPr>
+          <p:cNvPicPr>
+            <a:picLocks noChangeAspect="1" noChangeArrowheads="1"/>
+          </p:cNvPicPr>
+          <p:nvPr/>
+        </p:nvPicPr>
+        <p:blipFill>
+          <a:blip r:embed="rId27">
+            <a:extLst>
+              <a:ext uri="{28A0092B-C50C-407E-A947-70E740481C1C}">
+                <a14:useLocalDpi xmlns:a14="http://schemas.microsoft.com/office/drawing/2010/main" val="0"/>
+              </a:ext>
+            </a:extLst>
+          </a:blip>
+          <a:srcRect/>
+          <a:stretch>
+            <a:fillRect/>
+          </a:stretch>
+        </p:blipFill>
+        <p:spPr bwMode="auto">
+          <a:xfrm>
+            <a:off x="6585834" y="4607891"/>
+            <a:ext cx="820013" cy="299370"/>
+          </a:xfrm>
+          <a:prstGeom prst="rect">
+            <a:avLst/>
+          </a:prstGeom>
+          <a:noFill/>
+          <a:extLst>
+            <a:ext uri="{909E8E84-426E-40DD-AFC4-6F175D3DCCD1}">
+              <a14:hiddenFill xmlns:a14="http://schemas.microsoft.com/office/drawing/2010/main">
+                <a:solidFill>
+                  <a:srgbClr val="FFFFFF"/>
+                </a:solidFill>
+              </a14:hiddenFill>
+            </a:ext>
+          </a:extLst>
+        </p:spPr>
+      </p:pic>
+    </p:spTree>
+    <p:extLst>
+      <p:ext uri="{BB962C8B-B14F-4D97-AF65-F5344CB8AC3E}">
+        <p14:creationId xmlns:p14="http://schemas.microsoft.com/office/powerpoint/2010/main" val="3523859201"/>
+      </p:ext>
+    </p:extLst>
+  </p:cSld>
+  <p:clrMapOvr>
+    <a:masterClrMapping/>
+  </p:clrMapOvr>
+  <p:timing>
+    <p:tnLst>
+      <p:par>
+        <p:cTn id="1" dur="indefinite" restart="never" nodeType="tmRoot">
+          <p:childTnLst>
+            <p:seq concurrent="1" nextAc="seek">
+              <p:cTn id="2" dur="indefinite" nodeType="mainSeq">
+                <p:childTnLst>
+                  <p:par>
+                    <p:cTn id="3" fill="hold">
+                      <p:stCondLst>
+                        <p:cond delay="indefinite"/>
+                      </p:stCondLst>
+                      <p:childTnLst>
+                        <p:par>
+                          <p:cTn id="4" fill="hold">
+                            <p:stCondLst>
+                              <p:cond delay="0"/>
+                            </p:stCondLst>
+                            <p:childTnLst>
+                              <p:par>
+                                <p:cTn id="5" presetID="10" presetClass="entr" presetSubtype="0" fill="hold" nodeType="clickEffect">
+                                  <p:stCondLst>
+                                    <p:cond delay="0"/>
+                                  </p:stCondLst>
+                                  <p:childTnLst>
+                                    <p:set>
+                                      <p:cBhvr>
+                                        <p:cTn id="6" dur="1" fill="hold">
+                                          <p:stCondLst>
+                                            <p:cond delay="0"/>
+                                          </p:stCondLst>
+                                        </p:cTn>
+                                        <p:tgtEl>
+                                          <p:spTgt spid="8"/>
+                                        </p:tgtEl>
+                                        <p:attrNameLst>
+                                          <p:attrName>style.visibility</p:attrName>
+                                        </p:attrNameLst>
+                                      </p:cBhvr>
+                                      <p:to>
+                                        <p:strVal val="visible"/>
+                                      </p:to>
+                                    </p:set>
+                                    <p:animEffect transition="in" filter="fade">
+                                      <p:cBhvr>
                                         <p:cTn id="7" dur="500"/>
                                         <p:tgtEl>
-                                          <p:spTgt spid="7">
-                                            <p:txEl>
-                                              <p:pRg st="0" end="0"/>
-                                            </p:txEl>
-                                          </p:spTgt>
+                                          <p:spTgt spid="8"/>
                                         </p:tgtEl>
                                       </p:cBhvr>
                                     </p:animEffect>
@@ -11612,11 +14488,7 @@
                                           </p:stCondLst>
                                         </p:cTn>
                                         <p:tgtEl>
-                                          <p:spTgt spid="7">
-                                            <p:txEl>
-                                              <p:pRg st="1" end="1"/>
-                                            </p:txEl>
-                                          </p:spTgt>
+                                          <p:spTgt spid="3073"/>
                                         </p:tgtEl>
                                         <p:attrNameLst>
                                           <p:attrName>style.visibility</p:attrName>
@@ -11630,11 +14502,42 @@
                                       <p:cBhvr>
                                         <p:cTn id="12" dur="500"/>
                                         <p:tgtEl>
-                                          <p:spTgt spid="7">
-                                            <p:txEl>
-                                              <p:pRg st="1" end="1"/>
-                                            </p:txEl>
-                                          </p:spTgt>
+                                          <p:spTgt spid="3073"/>
+                                        </p:tgtEl>
+                                      </p:cBhvr>
+                                    </p:animEffect>
+                                  </p:childTnLst>
+                                </p:cTn>
+                              </p:par>
+                              <p:par>
+                                <p:cTn id="13" presetID="22" presetClass="entr" presetSubtype="1" fill="hold" nodeType="withEffect">
+                                  <p:stCondLst>
+                                    <p:cond delay="0"/>
+                                  </p:stCondLst>
+                                  <p:childTnLst>
+                                    <p:set>
+                                      <p:cBhvr>
+                                        <p:cTn id="14" dur="1" fill="hold">
+                                          <p:stCondLst>
+                                            <p:cond delay="0"/>
+                                          </p:stCondLst>
+                                        </p:cTn>
+                                        <p:tgtEl>
+                                          <p:spTgt spid="3074"/>
+                                        </p:tgtEl>
+                                        <p:attrNameLst>
+                                          <p:attrName>style.visibility</p:attrName>
+                                        </p:attrNameLst>
+                                      </p:cBhvr>
+                                      <p:to>
+                                        <p:strVal val="visible"/>
+                                      </p:to>
+                                    </p:set>
+                                    <p:animEffect transition="in" filter="wipe(up)">
+                                      <p:cBhvr>
+                                        <p:cTn id="15" dur="500"/>
+                                        <p:tgtEl>
+                                          <p:spTgt spid="3074"/>
                                         </p:tgtEl>
                                       </p:cBhvr>
                                     </p:animEffect>
@@ -11648,32 +14551,32 @@
                     </p:cTn>
                   </p:par>
                   <p:par>
-                    <p:cTn id="13" fill="hold">
+                    <p:cTn id="16" fill="hold">
                       <p:stCondLst>
                         <p:cond delay="indefinite"/>
                       </p:stCondLst>
                       <p:childTnLst>
                         <p:par>
-                          <p:cTn id="14" fill="hold">
+                          <p:cTn id="17" fill="hold">
                             <p:stCondLst>
                               <p:cond delay="0"/>
                             </p:stCondLst>
                             <p:childTnLst>
                               <p:par>
-                                <p:cTn id="15" presetID="1" presetClass="entr" presetSubtype="0" fill="hold" nodeType="clickEffect">
+                                <p:cTn id="18" presetID="10" presetClass="entr" presetSubtype="0" fill="hold" nodeType="clickEffect">
                                   <p:stCondLst>
                                     <p:cond delay="0"/>
                                   </p:stCondLst>
                                   <p:childTnLst>
                                     <p:set>
                                       <p:cBhvr>
-                                        <p:cTn id="16" dur="1" fill="hold">
+                                        <p:cTn id="19" dur="1" fill="hold">
                                           <p:stCondLst>
                                             <p:cond delay="0"/>
                                           </p:stCondLst>
                                         </p:cTn>
                                         <p:tgtEl>
-                                          <p:spTgt spid="8"/>
+                                          <p:spTgt spid="3075"/>
                                         </p:tgtEl>
                                         <p:attrNameLst>
                                           <p:attrName>style.visibility</p:attrName>
@@ -11683,64 +14586,11 @@
                                         <p:strVal val="visible"/>
                                       </p:to>
                                     </p:set>
-                                  </p:childTnLst>
-                                </p:cTn>
-                              </p:par>
-                            </p:childTnLst>
-                          </p:cTn>
-                        </p:par>
-                      </p:childTnLst>
-                    </p:cTn>
-                  </p:par>
-                  <p:par>
-                    <p:cTn id="17" fill="hold">
-                      <p:stCondLst>
-                        <p:cond delay="indefinite"/>
-                      </p:stCondLst>
-                      <p:childTnLst>
-                        <p:par>
-                          <p:cTn id="18" fill="hold">
-                            <p:stCondLst>
-                              <p:cond delay="0"/>
-                            </p:stCondLst>
-                            <p:childTnLst>
-                              <p:par>
-                                <p:cTn id="19" presetID="22" presetClass="entr" presetSubtype="1" fill="hold" nodeType="clickEffect">
-                                  <p:stCondLst>
-                                    <p:cond delay="0"/>
-                                  </p:stCondLst>
-                                  <p:childTnLst>
-                                    <p:set>
-                                      <p:cBhvr>
-                                        <p:cTn id="20" dur="1" fill="hold">
-                                          <p:stCondLst>
-                                            <p:cond delay="0"/>
-                                          </p:stCondLst>
-                                        </p:cTn>
-                                        <p:tgtEl>
-                                          <p:spTgt spid="7">
-                                            <p:txEl>
-                                              <p:pRg st="2" end="2"/>
-                                            </p:txEl>
-                                          </p:spTgt>
-                                        </p:tgtEl>
-                                        <p:attrNameLst>
-                                          <p:attrName>style.visibility</p:attrName>
-                                        </p:attrNameLst>
-                                      </p:cBhvr>
-                                      <p:to>
-                                        <p:strVal val="visible"/>
-                                      </p:to>
-                                    </p:set>
-                                    <p:animEffect transition="in" filter="wipe(up)">
-                                      <p:cBhvr>
-                                        <p:cTn id="21" dur="500"/>
-                                        <p:tgtEl>
-                                          <p:spTgt spid="7">
-                                            <p:txEl>
-                                              <p:pRg st="2" end="2"/>
-                                            </p:txEl>
-                                          </p:spTgt>
+                                    <p:animEffect transition="in" filter="fade">
+                                      <p:cBhvr>
+                                        <p:cTn id="20" dur="500"/>
+                                        <p:tgtEl>
+                                          <p:spTgt spid="3075"/>
                                         </p:tgtEl>
                                       </p:cBhvr>
                                     </p:animEffect>
@@ -11754,99 +14604,113 @@
                     </p:cTn>
                   </p:par>
                   <p:par>
-                    <p:cTn id="22" fill="hold">
+                    <p:cTn id="21" fill="hold">
                       <p:stCondLst>
                         <p:cond delay="indefinite"/>
                       </p:stCondLst>
                       <p:childTnLst>
                         <p:par>
-                          <p:cTn id="23" fill="hold">
+                          <p:cTn id="22" fill="hold">
                             <p:stCondLst>
                               <p:cond delay="0"/>
                             </p:stCondLst>
                             <p:childTnLst>
                               <p:par>
-                                <p:cTn id="24" presetID="1" presetClass="entr" presetSubtype="0" fill="hold" nodeType="clickEffect">
+                                <p:cTn id="23" presetID="9" presetClass="emph" presetSubtype="0" nodeType="clickEffect">
                                   <p:stCondLst>
                                     <p:cond delay="0"/>
                                   </p:stCondLst>
                                   <p:childTnLst>
                                     <p:set>
                                       <p:cBhvr>
-                                        <p:cTn id="25" dur="1" fill="hold">
-                                          <p:stCondLst>
-                                            <p:cond delay="0"/>
-                                          </p:stCondLst>
-                                        </p:cTn>
-                                        <p:tgtEl>
-                                          <p:spTgt spid="9"/>
+                                        <p:cTn id="24" dur="indefinite"/>
+                                        <p:tgtEl>
+                                          <p:spTgt spid="3073"/>
                                         </p:tgtEl>
                                         <p:attrNameLst>
-                                          <p:attrName>style.visibility</p:attrName>
+                                          <p:attrName>style.opacity</p:attrName>
                                         </p:attrNameLst>
                                       </p:cBhvr>
                                       <p:to>
-                                        <p:strVal val="visible"/>
+                                        <p:strVal val="0.25"/>
                                       </p:to>
                                     </p:set>
+                                    <p:animEffect filter="image" prLst="opacity: 0.25">
+                                      <p:cBhvr rctx="IE">
+                                        <p:cTn id="25" dur="indefinite"/>
+                                        <p:tgtEl>
+                                          <p:spTgt spid="3073"/>
+                                        </p:tgtEl>
+                                      </p:cBhvr>
+                                    </p:animEffect>
                                   </p:childTnLst>
                                 </p:cTn>
                               </p:par>
                             </p:childTnLst>
                           </p:cTn>
                         </p:par>
-                      </p:childTnLst>
-                    </p:cTn>
-                  </p:par>
-                  <p:par>
-                    <p:cTn id="26" fill="hold">
-                      <p:stCondLst>
-                        <p:cond delay="indefinite"/>
-                      </p:stCondLst>
-                      <p:childTnLst>
                         <p:par>
-                          <p:cTn id="27" fill="hold">
+                          <p:cTn id="26" fill="hold">
                             <p:stCondLst>
                               <p:cond delay="0"/>
                             </p:stCondLst>
                             <p:childTnLst>
                               <p:par>
-                                <p:cTn id="28" presetID="22" presetClass="entr" presetSubtype="1" fill="hold" nodeType="clickEffect">
+                                <p:cTn id="27" presetID="9" presetClass="emph" presetSubtype="0" nodeType="afterEffect">
                                   <p:stCondLst>
                                     <p:cond delay="0"/>
                                   </p:stCondLst>
                                   <p:childTnLst>
                                     <p:set>
                                       <p:cBhvr>
-                                        <p:cTn id="29" dur="1" fill="hold">
-                                          <p:stCondLst>
-                                            <p:cond delay="0"/>
-                                          </p:stCondLst>
-                                        </p:cTn>
-                                        <p:tgtEl>
-                                          <p:spTgt spid="7">
-                                            <p:txEl>
-                                              <p:pRg st="3" end="3"/>
-                                            </p:txEl>
-                                          </p:spTgt>
+                                        <p:cTn id="28" dur="indefinite"/>
+                                        <p:tgtEl>
+                                          <p:spTgt spid="3074"/>
                                         </p:tgtEl>
                                         <p:attrNameLst>
-                                          <p:attrName>style.visibility</p:attrName>
+                                          <p:attrName>style.opacity</p:attrName>
                                         </p:attrNameLst>
                                       </p:cBhvr>
                                       <p:to>
-                                        <p:strVal val="visible"/>
+                                        <p:strVal val="0.25"/>
                                       </p:to>
                                     </p:set>
-                                    <p:animEffect transition="in" filter="wipe(up)">
-                                      <p:cBhvr>
-                                        <p:cTn id="30" dur="500"/>
-                                        <p:tgtEl>
-                                          <p:spTgt spid="7">
-                                            <p:txEl>
-                                              <p:pRg st="3" end="3"/>
-                                            </p:txEl>
-                                          </p:spTgt>
+                                    <p:animEffect filter="image" prLst="opacity: 0.25">
+                                      <p:cBhvr rctx="IE">
+                                        <p:cTn id="29" dur="indefinite"/>
+                                        <p:tgtEl>
+                                          <p:spTgt spid="3074"/>
+                                        </p:tgtEl>
+                                      </p:cBhvr>
+                                    </p:animEffect>
+                                  </p:childTnLst>
+                                </p:cTn>
+                              </p:par>
+                              <p:par>
+                                <p:cTn id="30" presetID="9" presetClass="emph" presetSubtype="0" nodeType="withEffect">
+                                  <p:stCondLst>
+                                    <p:cond delay="0"/>
+                                  </p:stCondLst>
+                                  <p:childTnLst>
+                                    <p:set>
+                                      <p:cBhvr>
+                                        <p:cTn id="31" dur="indefinite"/>
+                                        <p:tgtEl>
+                                          <p:spTgt spid="3075"/>
+                                        </p:tgtEl>
+                                        <p:attrNameLst>
+                                          <p:attrName>style.opacity</p:attrName>
+                                        </p:attrNameLst>
+                                      </p:cBhvr>
+                                      <p:to>
+                                        <p:strVal val="0.25"/>
+                                      </p:to>
+                                    </p:set>
+                                    <p:animEffect filter="image" prLst="opacity: 0.25">
+                                      <p:cBhvr rctx="IE">
+                                        <p:cTn id="32" dur="indefinite"/>
+                                        <p:tgtEl>
+                                          <p:spTgt spid="3075"/>
                                         </p:tgtEl>
                                       </p:cBhvr>
                                     </p:animEffect>
@@ -11860,36 +14724,32 @@
                     </p:cTn>
                   </p:par>
                   <p:par>
-                    <p:cTn id="31" fill="hold">
+                    <p:cTn id="33" fill="hold">
                       <p:stCondLst>
                         <p:cond delay="indefinite"/>
                       </p:stCondLst>
                       <p:childTnLst>
                         <p:par>
-                          <p:cTn id="32" fill="hold">
+                          <p:cTn id="34" fill="hold">
                             <p:stCondLst>
                               <p:cond delay="0"/>
                             </p:stCondLst>
                             <p:childTnLst>
                               <p:par>
-                                <p:cTn id="33" presetID="22" presetClass="entr" presetSubtype="1" fill="hold" nodeType="clickEffect">
+                                <p:cTn id="35" presetID="22" presetClass="entr" presetSubtype="1" fill="hold" nodeType="clickEffect">
                                   <p:stCondLst>
                                     <p:cond delay="0"/>
                                   </p:stCondLst>
                                   <p:childTnLst>
                                     <p:set>
                                       <p:cBhvr>
-                                        <p:cTn id="34" dur="1" fill="hold">
+                                        <p:cTn id="36" dur="1" fill="hold">
                                           <p:stCondLst>
                                             <p:cond delay="0"/>
                                           </p:stCondLst>
                                         </p:cTn>
                                         <p:tgtEl>
-                                          <p:spTgt spid="7">
-                                            <p:txEl>
-                                              <p:pRg st="4" end="4"/>
-                                            </p:txEl>
-                                          </p:spTgt>
+                                          <p:spTgt spid="3076"/>
                                         </p:tgtEl>
                                         <p:attrNameLst>
                                           <p:attrName>style.visibility</p:attrName>
@@ -11901,13 +14761,44 @@
                                     </p:set>
                                     <p:animEffect transition="in" filter="wipe(up)">
                                       <p:cBhvr>
-                                        <p:cTn id="35" dur="500"/>
-                                        <p:tgtEl>
-                                          <p:spTgt spid="7">
-                                            <p:txEl>
-                                              <p:pRg st="4" end="4"/>
-                                            </p:txEl>
-                                          </p:spTgt>
+                                        <p:cTn id="37" dur="500"/>
+                                        <p:tgtEl>
+                                          <p:spTgt spid="3076"/>
+                                        </p:tgtEl>
+                                      </p:cBhvr>
+                                    </p:animEffect>
+                                  </p:childTnLst>
+                                </p:cTn>
+                              </p:par>
+                              <p:par>
+                                <p:cTn id="38" presetID="22" presetClass="entr" presetSubtype="1" fill="hold" nodeType="withEffect">
+                                  <p:stCondLst>
+                                    <p:cond delay="0"/>
+                                  </p:stCondLst>
+                                  <p:childTnLst>
+                                    <p:set>
+                                      <p:cBhvr>
+                                        <p:cTn id="39" dur="1" fill="hold">
+                                          <p:stCondLst>
+                                            <p:cond delay="0"/>
+                                          </p:stCondLst>
+                                        </p:cTn>
+                                        <p:tgtEl>
+                                          <p:spTgt spid="3077"/>
+                                        </p:tgtEl>
+                                        <p:attrNameLst>
+                                          <p:attrName>style.visibility</p:attrName>
+                                        </p:attrNameLst>
+                                      </p:cBhvr>
+                                      <p:to>
+                                        <p:strVal val="visible"/>
+                                      </p:to>
+                                    </p:set>
+                                    <p:animEffect transition="in" filter="wipe(up)">
+                                      <p:cBhvr>
+                                        <p:cTn id="40" dur="500"/>
+                                        <p:tgtEl>
+                                          <p:spTgt spid="3077"/>
                                         </p:tgtEl>
                                       </p:cBhvr>
                                     </p:animEffect>
@@ -11921,32 +14812,32 @@
                     </p:cTn>
                   </p:par>
                   <p:par>
-                    <p:cTn id="36" fill="hold">
+                    <p:cTn id="41" fill="hold">
                       <p:stCondLst>
                         <p:cond delay="indefinite"/>
                       </p:stCondLst>
                       <p:childTnLst>
                         <p:par>
-                          <p:cTn id="37" fill="hold">
+                          <p:cTn id="42" fill="hold">
                             <p:stCondLst>
                               <p:cond delay="0"/>
                             </p:stCondLst>
                             <p:childTnLst>
                               <p:par>
-                                <p:cTn id="38" presetID="1" presetClass="entr" presetSubtype="0" fill="hold" nodeType="clickEffect">
+                                <p:cTn id="43" presetID="10" presetClass="entr" presetSubtype="0" fill="hold" nodeType="clickEffect">
                                   <p:stCondLst>
                                     <p:cond delay="0"/>
                                   </p:stCondLst>
                                   <p:childTnLst>
                                     <p:set>
                                       <p:cBhvr>
-                                        <p:cTn id="39" dur="1" fill="hold">
+                                        <p:cTn id="44" dur="1" fill="hold">
                                           <p:stCondLst>
                                             <p:cond delay="0"/>
                                           </p:stCondLst>
                                         </p:cTn>
                                         <p:tgtEl>
-                                          <p:spTgt spid="10"/>
+                                          <p:spTgt spid="3078"/>
                                         </p:tgtEl>
                                         <p:attrNameLst>
                                           <p:attrName>style.visibility</p:attrName>
@@ -11956,6 +14847,1016 @@
                                         <p:strVal val="visible"/>
                                       </p:to>
                                     </p:set>
+                                    <p:animEffect transition="in" filter="fade">
+                                      <p:cBhvr>
+                                        <p:cTn id="45" dur="500"/>
+                                        <p:tgtEl>
+                                          <p:spTgt spid="3078"/>
+                                        </p:tgtEl>
+                                      </p:cBhvr>
+                                    </p:animEffect>
+                                  </p:childTnLst>
+                                </p:cTn>
+                              </p:par>
+                            </p:childTnLst>
+                          </p:cTn>
+                        </p:par>
+                      </p:childTnLst>
+                    </p:cTn>
+                  </p:par>
+                  <p:par>
+                    <p:cTn id="46" fill="hold">
+                      <p:stCondLst>
+                        <p:cond delay="indefinite"/>
+                      </p:stCondLst>
+                      <p:childTnLst>
+                        <p:par>
+                          <p:cTn id="47" fill="hold">
+                            <p:stCondLst>
+                              <p:cond delay="0"/>
+                            </p:stCondLst>
+                            <p:childTnLst>
+                              <p:par>
+                                <p:cTn id="48" presetID="9" presetClass="emph" presetSubtype="0" nodeType="clickEffect">
+                                  <p:stCondLst>
+                                    <p:cond delay="0"/>
+                                  </p:stCondLst>
+                                  <p:childTnLst>
+                                    <p:set>
+                                      <p:cBhvr>
+                                        <p:cTn id="49" dur="indefinite"/>
+                                        <p:tgtEl>
+                                          <p:spTgt spid="3076"/>
+                                        </p:tgtEl>
+                                        <p:attrNameLst>
+                                          <p:attrName>style.opacity</p:attrName>
+                                        </p:attrNameLst>
+                                      </p:cBhvr>
+                                      <p:to>
+                                        <p:strVal val="0.25"/>
+                                      </p:to>
+                                    </p:set>
+                                    <p:animEffect filter="image" prLst="opacity: 0.25">
+                                      <p:cBhvr rctx="IE">
+                                        <p:cTn id="50" dur="indefinite"/>
+                                        <p:tgtEl>
+                                          <p:spTgt spid="3076"/>
+                                        </p:tgtEl>
+                                      </p:cBhvr>
+                                    </p:animEffect>
+                                  </p:childTnLst>
+                                </p:cTn>
+                              </p:par>
+                              <p:par>
+                                <p:cTn id="51" presetID="9" presetClass="emph" presetSubtype="0" nodeType="withEffect">
+                                  <p:stCondLst>
+                                    <p:cond delay="0"/>
+                                  </p:stCondLst>
+                                  <p:childTnLst>
+                                    <p:set>
+                                      <p:cBhvr>
+                                        <p:cTn id="52" dur="indefinite"/>
+                                        <p:tgtEl>
+                                          <p:spTgt spid="3077"/>
+                                        </p:tgtEl>
+                                        <p:attrNameLst>
+                                          <p:attrName>style.opacity</p:attrName>
+                                        </p:attrNameLst>
+                                      </p:cBhvr>
+                                      <p:to>
+                                        <p:strVal val="0.25"/>
+                                      </p:to>
+                                    </p:set>
+                                    <p:animEffect filter="image" prLst="opacity: 0.25">
+                                      <p:cBhvr rctx="IE">
+                                        <p:cTn id="53" dur="indefinite"/>
+                                        <p:tgtEl>
+                                          <p:spTgt spid="3077"/>
+                                        </p:tgtEl>
+                                      </p:cBhvr>
+                                    </p:animEffect>
+                                  </p:childTnLst>
+                                </p:cTn>
+                              </p:par>
+                              <p:par>
+                                <p:cTn id="54" presetID="9" presetClass="emph" presetSubtype="0" nodeType="withEffect">
+                                  <p:stCondLst>
+                                    <p:cond delay="0"/>
+                                  </p:stCondLst>
+                                  <p:childTnLst>
+                                    <p:set>
+                                      <p:cBhvr>
+                                        <p:cTn id="55" dur="indefinite"/>
+                                        <p:tgtEl>
+                                          <p:spTgt spid="3078"/>
+                                        </p:tgtEl>
+                                        <p:attrNameLst>
+                                          <p:attrName>style.opacity</p:attrName>
+                                        </p:attrNameLst>
+                                      </p:cBhvr>
+                                      <p:to>
+                                        <p:strVal val="0.25"/>
+                                      </p:to>
+                                    </p:set>
+                                    <p:animEffect filter="image" prLst="opacity: 0.25">
+                                      <p:cBhvr rctx="IE">
+                                        <p:cTn id="56" dur="indefinite"/>
+                                        <p:tgtEl>
+                                          <p:spTgt spid="3078"/>
+                                        </p:tgtEl>
+                                      </p:cBhvr>
+                                    </p:animEffect>
+                                  </p:childTnLst>
+                                </p:cTn>
+                              </p:par>
+                            </p:childTnLst>
+                          </p:cTn>
+                        </p:par>
+                      </p:childTnLst>
+                    </p:cTn>
+                  </p:par>
+                  <p:par>
+                    <p:cTn id="57" fill="hold">
+                      <p:stCondLst>
+                        <p:cond delay="indefinite"/>
+                      </p:stCondLst>
+                      <p:childTnLst>
+                        <p:par>
+                          <p:cTn id="58" fill="hold">
+                            <p:stCondLst>
+                              <p:cond delay="0"/>
+                            </p:stCondLst>
+                            <p:childTnLst>
+                              <p:par>
+                                <p:cTn id="59" presetID="22" presetClass="entr" presetSubtype="1" fill="hold" nodeType="clickEffect">
+                                  <p:stCondLst>
+                                    <p:cond delay="0"/>
+                                  </p:stCondLst>
+                                  <p:childTnLst>
+                                    <p:set>
+                                      <p:cBhvr>
+                                        <p:cTn id="60" dur="1" fill="hold">
+                                          <p:stCondLst>
+                                            <p:cond delay="0"/>
+                                          </p:stCondLst>
+                                        </p:cTn>
+                                        <p:tgtEl>
+                                          <p:spTgt spid="3080"/>
+                                        </p:tgtEl>
+                                        <p:attrNameLst>
+                                          <p:attrName>style.visibility</p:attrName>
+                                        </p:attrNameLst>
+                                      </p:cBhvr>
+                                      <p:to>
+                                        <p:strVal val="visible"/>
+                                      </p:to>
+                                    </p:set>
+                                    <p:animEffect transition="in" filter="wipe(up)">
+                                      <p:cBhvr>
+                                        <p:cTn id="61" dur="500"/>
+                                        <p:tgtEl>
+                                          <p:spTgt spid="3080"/>
+                                        </p:tgtEl>
+                                      </p:cBhvr>
+                                    </p:animEffect>
+                                  </p:childTnLst>
+                                </p:cTn>
+                              </p:par>
+                              <p:par>
+                                <p:cTn id="62" presetID="22" presetClass="entr" presetSubtype="1" fill="hold" nodeType="withEffect">
+                                  <p:stCondLst>
+                                    <p:cond delay="0"/>
+                                  </p:stCondLst>
+                                  <p:childTnLst>
+                                    <p:set>
+                                      <p:cBhvr>
+                                        <p:cTn id="63" dur="1" fill="hold">
+                                          <p:stCondLst>
+                                            <p:cond delay="0"/>
+                                          </p:stCondLst>
+                                        </p:cTn>
+                                        <p:tgtEl>
+                                          <p:spTgt spid="3079"/>
+                                        </p:tgtEl>
+                                        <p:attrNameLst>
+                                          <p:attrName>style.visibility</p:attrName>
+                                        </p:attrNameLst>
+                                      </p:cBhvr>
+                                      <p:to>
+                                        <p:strVal val="visible"/>
+                                      </p:to>
+                                    </p:set>
+                                    <p:animEffect transition="in" filter="wipe(up)">
+                                      <p:cBhvr>
+                                        <p:cTn id="64" dur="500"/>
+                                        <p:tgtEl>
+                                          <p:spTgt spid="3079"/>
+                                        </p:tgtEl>
+                                      </p:cBhvr>
+                                    </p:animEffect>
+                                  </p:childTnLst>
+                                </p:cTn>
+                              </p:par>
+                            </p:childTnLst>
+                          </p:cTn>
+                        </p:par>
+                      </p:childTnLst>
+                    </p:cTn>
+                  </p:par>
+                  <p:par>
+                    <p:cTn id="65" fill="hold">
+                      <p:stCondLst>
+                        <p:cond delay="indefinite"/>
+                      </p:stCondLst>
+                      <p:childTnLst>
+                        <p:par>
+                          <p:cTn id="66" fill="hold">
+                            <p:stCondLst>
+                              <p:cond delay="0"/>
+                            </p:stCondLst>
+                            <p:childTnLst>
+                              <p:par>
+                                <p:cTn id="67" presetID="10" presetClass="entr" presetSubtype="0" fill="hold" nodeType="clickEffect">
+                                  <p:stCondLst>
+                                    <p:cond delay="0"/>
+                                  </p:stCondLst>
+                                  <p:childTnLst>
+                                    <p:set>
+                                      <p:cBhvr>
+                                        <p:cTn id="68" dur="1" fill="hold">
+                                          <p:stCondLst>
+                                            <p:cond delay="0"/>
+                                          </p:stCondLst>
+                                        </p:cTn>
+                                        <p:tgtEl>
+                                          <p:spTgt spid="3081"/>
+                                        </p:tgtEl>
+                                        <p:attrNameLst>
+                                          <p:attrName>style.visibility</p:attrName>
+                                        </p:attrNameLst>
+                                      </p:cBhvr>
+                                      <p:to>
+                                        <p:strVal val="visible"/>
+                                      </p:to>
+                                    </p:set>
+                                    <p:animEffect transition="in" filter="fade">
+                                      <p:cBhvr>
+                                        <p:cTn id="69" dur="500"/>
+                                        <p:tgtEl>
+                                          <p:spTgt spid="3081"/>
+                                        </p:tgtEl>
+                                      </p:cBhvr>
+                                    </p:animEffect>
+                                  </p:childTnLst>
+                                </p:cTn>
+                              </p:par>
+                            </p:childTnLst>
+                          </p:cTn>
+                        </p:par>
+                      </p:childTnLst>
+                    </p:cTn>
+                  </p:par>
+                  <p:par>
+                    <p:cTn id="70" fill="hold">
+                      <p:stCondLst>
+                        <p:cond delay="indefinite"/>
+                      </p:stCondLst>
+                      <p:childTnLst>
+                        <p:par>
+                          <p:cTn id="71" fill="hold">
+                            <p:stCondLst>
+                              <p:cond delay="0"/>
+                            </p:stCondLst>
+                            <p:childTnLst>
+                              <p:par>
+                                <p:cTn id="72" presetID="22" presetClass="entr" presetSubtype="1" fill="hold" nodeType="clickEffect">
+                                  <p:stCondLst>
+                                    <p:cond delay="0"/>
+                                  </p:stCondLst>
+                                  <p:childTnLst>
+                                    <p:set>
+                                      <p:cBhvr>
+                                        <p:cTn id="73" dur="1" fill="hold">
+                                          <p:stCondLst>
+                                            <p:cond delay="0"/>
+                                          </p:stCondLst>
+                                        </p:cTn>
+                                        <p:tgtEl>
+                                          <p:spTgt spid="3082"/>
+                                        </p:tgtEl>
+                                        <p:attrNameLst>
+                                          <p:attrName>style.visibility</p:attrName>
+                                        </p:attrNameLst>
+                                      </p:cBhvr>
+                                      <p:to>
+                                        <p:strVal val="visible"/>
+                                      </p:to>
+                                    </p:set>
+                                    <p:animEffect transition="in" filter="wipe(up)">
+                                      <p:cBhvr>
+                                        <p:cTn id="74" dur="500"/>
+                                        <p:tgtEl>
+                                          <p:spTgt spid="3082"/>
+                                        </p:tgtEl>
+                                      </p:cBhvr>
+                                    </p:animEffect>
+                                  </p:childTnLst>
+                                </p:cTn>
+                              </p:par>
+                            </p:childTnLst>
+                          </p:cTn>
+                        </p:par>
+                      </p:childTnLst>
+                    </p:cTn>
+                  </p:par>
+                  <p:par>
+                    <p:cTn id="75" fill="hold">
+                      <p:stCondLst>
+                        <p:cond delay="indefinite"/>
+                      </p:stCondLst>
+                      <p:childTnLst>
+                        <p:par>
+                          <p:cTn id="76" fill="hold">
+                            <p:stCondLst>
+                              <p:cond delay="0"/>
+                            </p:stCondLst>
+                            <p:childTnLst>
+                              <p:par>
+                                <p:cTn id="77" presetID="10" presetClass="entr" presetSubtype="0" fill="hold" nodeType="clickEffect">
+                                  <p:stCondLst>
+                                    <p:cond delay="0"/>
+                                  </p:stCondLst>
+                                  <p:childTnLst>
+                                    <p:set>
+                                      <p:cBhvr>
+                                        <p:cTn id="78" dur="1" fill="hold">
+                                          <p:stCondLst>
+                                            <p:cond delay="0"/>
+                                          </p:stCondLst>
+                                        </p:cTn>
+                                        <p:tgtEl>
+                                          <p:spTgt spid="3083"/>
+                                        </p:tgtEl>
+                                        <p:attrNameLst>
+                                          <p:attrName>style.visibility</p:attrName>
+                                        </p:attrNameLst>
+                                      </p:cBhvr>
+                                      <p:to>
+                                        <p:strVal val="visible"/>
+                                      </p:to>
+                                    </p:set>
+                                    <p:animEffect transition="in" filter="fade">
+                                      <p:cBhvr>
+                                        <p:cTn id="79" dur="500"/>
+                                        <p:tgtEl>
+                                          <p:spTgt spid="3083"/>
+                                        </p:tgtEl>
+                                      </p:cBhvr>
+                                    </p:animEffect>
+                                  </p:childTnLst>
+                                </p:cTn>
+                              </p:par>
+                            </p:childTnLst>
+                          </p:cTn>
+                        </p:par>
+                      </p:childTnLst>
+                    </p:cTn>
+                  </p:par>
+                  <p:par>
+                    <p:cTn id="80" fill="hold">
+                      <p:stCondLst>
+                        <p:cond delay="indefinite"/>
+                      </p:stCondLst>
+                      <p:childTnLst>
+                        <p:par>
+                          <p:cTn id="81" fill="hold">
+                            <p:stCondLst>
+                              <p:cond delay="0"/>
+                            </p:stCondLst>
+                            <p:childTnLst>
+                              <p:par>
+                                <p:cTn id="82" presetID="22" presetClass="entr" presetSubtype="1" fill="hold" nodeType="clickEffect">
+                                  <p:stCondLst>
+                                    <p:cond delay="0"/>
+                                  </p:stCondLst>
+                                  <p:childTnLst>
+                                    <p:set>
+                                      <p:cBhvr>
+                                        <p:cTn id="83" dur="1" fill="hold">
+                                          <p:stCondLst>
+                                            <p:cond delay="0"/>
+                                          </p:stCondLst>
+                                        </p:cTn>
+                                        <p:tgtEl>
+                                          <p:spTgt spid="3086"/>
+                                        </p:tgtEl>
+                                        <p:attrNameLst>
+                                          <p:attrName>style.visibility</p:attrName>
+                                        </p:attrNameLst>
+                                      </p:cBhvr>
+                                      <p:to>
+                                        <p:strVal val="visible"/>
+                                      </p:to>
+                                    </p:set>
+                                    <p:animEffect transition="in" filter="wipe(up)">
+                                      <p:cBhvr>
+                                        <p:cTn id="84" dur="500"/>
+                                        <p:tgtEl>
+                                          <p:spTgt spid="3086"/>
+                                        </p:tgtEl>
+                                      </p:cBhvr>
+                                    </p:animEffect>
+                                  </p:childTnLst>
+                                </p:cTn>
+                              </p:par>
+                              <p:par>
+                                <p:cTn id="85" presetID="22" presetClass="entr" presetSubtype="1" fill="hold" nodeType="withEffect">
+                                  <p:stCondLst>
+                                    <p:cond delay="0"/>
+                                  </p:stCondLst>
+                                  <p:childTnLst>
+                                    <p:set>
+                                      <p:cBhvr>
+                                        <p:cTn id="86" dur="1" fill="hold">
+                                          <p:stCondLst>
+                                            <p:cond delay="0"/>
+                                          </p:stCondLst>
+                                        </p:cTn>
+                                        <p:tgtEl>
+                                          <p:spTgt spid="3084"/>
+                                        </p:tgtEl>
+                                        <p:attrNameLst>
+                                          <p:attrName>style.visibility</p:attrName>
+                                        </p:attrNameLst>
+                                      </p:cBhvr>
+                                      <p:to>
+                                        <p:strVal val="visible"/>
+                                      </p:to>
+                                    </p:set>
+                                    <p:animEffect transition="in" filter="wipe(up)">
+                                      <p:cBhvr>
+                                        <p:cTn id="87" dur="500"/>
+                                        <p:tgtEl>
+                                          <p:spTgt spid="3084"/>
+                                        </p:tgtEl>
+                                      </p:cBhvr>
+                                    </p:animEffect>
+                                  </p:childTnLst>
+                                </p:cTn>
+                              </p:par>
+                            </p:childTnLst>
+                          </p:cTn>
+                        </p:par>
+                      </p:childTnLst>
+                    </p:cTn>
+                  </p:par>
+                  <p:par>
+                    <p:cTn id="88" fill="hold">
+                      <p:stCondLst>
+                        <p:cond delay="indefinite"/>
+                      </p:stCondLst>
+                      <p:childTnLst>
+                        <p:par>
+                          <p:cTn id="89" fill="hold">
+                            <p:stCondLst>
+                              <p:cond delay="0"/>
+                            </p:stCondLst>
+                            <p:childTnLst>
+                              <p:par>
+                                <p:cTn id="90" presetID="10" presetClass="entr" presetSubtype="0" fill="hold" nodeType="clickEffect">
+                                  <p:stCondLst>
+                                    <p:cond delay="0"/>
+                                  </p:stCondLst>
+                                  <p:childTnLst>
+                                    <p:set>
+                                      <p:cBhvr>
+                                        <p:cTn id="91" dur="1" fill="hold">
+                                          <p:stCondLst>
+                                            <p:cond delay="0"/>
+                                          </p:stCondLst>
+                                        </p:cTn>
+                                        <p:tgtEl>
+                                          <p:spTgt spid="3085"/>
+                                        </p:tgtEl>
+                                        <p:attrNameLst>
+                                          <p:attrName>style.visibility</p:attrName>
+                                        </p:attrNameLst>
+                                      </p:cBhvr>
+                                      <p:to>
+                                        <p:strVal val="visible"/>
+                                      </p:to>
+                                    </p:set>
+                                    <p:animEffect transition="in" filter="fade">
+                                      <p:cBhvr>
+                                        <p:cTn id="92" dur="500"/>
+                                        <p:tgtEl>
+                                          <p:spTgt spid="3085"/>
+                                        </p:tgtEl>
+                                      </p:cBhvr>
+                                    </p:animEffect>
+                                  </p:childTnLst>
+                                </p:cTn>
+                              </p:par>
+                            </p:childTnLst>
+                          </p:cTn>
+                        </p:par>
+                      </p:childTnLst>
+                    </p:cTn>
+                  </p:par>
+                  <p:par>
+                    <p:cTn id="93" fill="hold">
+                      <p:stCondLst>
+                        <p:cond delay="indefinite"/>
+                      </p:stCondLst>
+                      <p:childTnLst>
+                        <p:par>
+                          <p:cTn id="94" fill="hold">
+                            <p:stCondLst>
+                              <p:cond delay="0"/>
+                            </p:stCondLst>
+                            <p:childTnLst>
+                              <p:par>
+                                <p:cTn id="95" presetID="9" presetClass="emph" presetSubtype="0" nodeType="clickEffect">
+                                  <p:stCondLst>
+                                    <p:cond delay="0"/>
+                                  </p:stCondLst>
+                                  <p:childTnLst>
+                                    <p:set>
+                                      <p:cBhvr>
+                                        <p:cTn id="96" dur="indefinite"/>
+                                        <p:tgtEl>
+                                          <p:spTgt spid="3073"/>
+                                        </p:tgtEl>
+                                        <p:attrNameLst>
+                                          <p:attrName>style.opacity</p:attrName>
+                                        </p:attrNameLst>
+                                      </p:cBhvr>
+                                      <p:to>
+                                        <p:strVal val="1"/>
+                                      </p:to>
+                                    </p:set>
+                                    <p:animEffect filter="image" prLst="opacity: 1">
+                                      <p:cBhvr rctx="IE">
+                                        <p:cTn id="97" dur="indefinite"/>
+                                        <p:tgtEl>
+                                          <p:spTgt spid="3073"/>
+                                        </p:tgtEl>
+                                      </p:cBhvr>
+                                    </p:animEffect>
+                                  </p:childTnLst>
+                                </p:cTn>
+                              </p:par>
+                              <p:par>
+                                <p:cTn id="98" presetID="9" presetClass="emph" presetSubtype="0" nodeType="withEffect">
+                                  <p:stCondLst>
+                                    <p:cond delay="0"/>
+                                  </p:stCondLst>
+                                  <p:childTnLst>
+                                    <p:set>
+                                      <p:cBhvr>
+                                        <p:cTn id="99" dur="indefinite"/>
+                                        <p:tgtEl>
+                                          <p:spTgt spid="3074"/>
+                                        </p:tgtEl>
+                                        <p:attrNameLst>
+                                          <p:attrName>style.opacity</p:attrName>
+                                        </p:attrNameLst>
+                                      </p:cBhvr>
+                                      <p:to>
+                                        <p:strVal val="1"/>
+                                      </p:to>
+                                    </p:set>
+                                    <p:animEffect filter="image" prLst="opacity: 1">
+                                      <p:cBhvr rctx="IE">
+                                        <p:cTn id="100" dur="indefinite"/>
+                                        <p:tgtEl>
+                                          <p:spTgt spid="3074"/>
+                                        </p:tgtEl>
+                                      </p:cBhvr>
+                                    </p:animEffect>
+                                  </p:childTnLst>
+                                </p:cTn>
+                              </p:par>
+                              <p:par>
+                                <p:cTn id="101" presetID="9" presetClass="emph" presetSubtype="0" nodeType="withEffect">
+                                  <p:stCondLst>
+                                    <p:cond delay="0"/>
+                                  </p:stCondLst>
+                                  <p:childTnLst>
+                                    <p:set>
+                                      <p:cBhvr>
+                                        <p:cTn id="102" dur="indefinite"/>
+                                        <p:tgtEl>
+                                          <p:spTgt spid="3075"/>
+                                        </p:tgtEl>
+                                        <p:attrNameLst>
+                                          <p:attrName>style.opacity</p:attrName>
+                                        </p:attrNameLst>
+                                      </p:cBhvr>
+                                      <p:to>
+                                        <p:strVal val="1"/>
+                                      </p:to>
+                                    </p:set>
+                                    <p:animEffect filter="image" prLst="opacity: 1">
+                                      <p:cBhvr rctx="IE">
+                                        <p:cTn id="103" dur="indefinite"/>
+                                        <p:tgtEl>
+                                          <p:spTgt spid="3075"/>
+                                        </p:tgtEl>
+                                      </p:cBhvr>
+                                    </p:animEffect>
+                                  </p:childTnLst>
+                                </p:cTn>
+                              </p:par>
+                              <p:par>
+                                <p:cTn id="104" presetID="9" presetClass="emph" presetSubtype="0" nodeType="withEffect">
+                                  <p:stCondLst>
+                                    <p:cond delay="0"/>
+                                  </p:stCondLst>
+                                  <p:childTnLst>
+                                    <p:set>
+                                      <p:cBhvr>
+                                        <p:cTn id="105" dur="indefinite"/>
+                                        <p:tgtEl>
+                                          <p:spTgt spid="3076"/>
+                                        </p:tgtEl>
+                                        <p:attrNameLst>
+                                          <p:attrName>style.opacity</p:attrName>
+                                        </p:attrNameLst>
+                                      </p:cBhvr>
+                                      <p:to>
+                                        <p:strVal val="1"/>
+                                      </p:to>
+                                    </p:set>
+                                    <p:animEffect filter="image" prLst="opacity: 1">
+                                      <p:cBhvr rctx="IE">
+                                        <p:cTn id="106" dur="indefinite"/>
+                                        <p:tgtEl>
+                                          <p:spTgt spid="3076"/>
+                                        </p:tgtEl>
+                                      </p:cBhvr>
+                                    </p:animEffect>
+                                  </p:childTnLst>
+                                </p:cTn>
+                              </p:par>
+                              <p:par>
+                                <p:cTn id="107" presetID="9" presetClass="emph" presetSubtype="0" nodeType="withEffect">
+                                  <p:stCondLst>
+                                    <p:cond delay="0"/>
+                                  </p:stCondLst>
+                                  <p:childTnLst>
+                                    <p:set>
+                                      <p:cBhvr>
+                                        <p:cTn id="108" dur="indefinite"/>
+                                        <p:tgtEl>
+                                          <p:spTgt spid="3077"/>
+                                        </p:tgtEl>
+                                        <p:attrNameLst>
+                                          <p:attrName>style.opacity</p:attrName>
+                                        </p:attrNameLst>
+                                      </p:cBhvr>
+                                      <p:to>
+                                        <p:strVal val="1"/>
+                                      </p:to>
+                                    </p:set>
+                                    <p:animEffect filter="image" prLst="opacity: 1">
+                                      <p:cBhvr rctx="IE">
+                                        <p:cTn id="109" dur="indefinite"/>
+                                        <p:tgtEl>
+                                          <p:spTgt spid="3077"/>
+                                        </p:tgtEl>
+                                      </p:cBhvr>
+                                    </p:animEffect>
+                                  </p:childTnLst>
+                                </p:cTn>
+                              </p:par>
+                              <p:par>
+                                <p:cTn id="110" presetID="9" presetClass="emph" presetSubtype="0" nodeType="withEffect">
+                                  <p:stCondLst>
+                                    <p:cond delay="0"/>
+                                  </p:stCondLst>
+                                  <p:childTnLst>
+                                    <p:set>
+                                      <p:cBhvr>
+                                        <p:cTn id="111" dur="indefinite"/>
+                                        <p:tgtEl>
+                                          <p:spTgt spid="3078"/>
+                                        </p:tgtEl>
+                                        <p:attrNameLst>
+                                          <p:attrName>style.opacity</p:attrName>
+                                        </p:attrNameLst>
+                                      </p:cBhvr>
+                                      <p:to>
+                                        <p:strVal val="1"/>
+                                      </p:to>
+                                    </p:set>
+                                    <p:animEffect filter="image" prLst="opacity: 1">
+                                      <p:cBhvr rctx="IE">
+                                        <p:cTn id="112" dur="indefinite"/>
+                                        <p:tgtEl>
+                                          <p:spTgt spid="3078"/>
+                                        </p:tgtEl>
+                                      </p:cBhvr>
+                                    </p:animEffect>
+                                  </p:childTnLst>
+                                </p:cTn>
+                              </p:par>
+                            </p:childTnLst>
+                          </p:cTn>
+                        </p:par>
+                      </p:childTnLst>
+                    </p:cTn>
+                  </p:par>
+                  <p:par>
+                    <p:cTn id="113" fill="hold">
+                      <p:stCondLst>
+                        <p:cond delay="indefinite"/>
+                      </p:stCondLst>
+                      <p:childTnLst>
+                        <p:par>
+                          <p:cTn id="114" fill="hold">
+                            <p:stCondLst>
+                              <p:cond delay="0"/>
+                            </p:stCondLst>
+                            <p:childTnLst>
+                              <p:par>
+                                <p:cTn id="115" presetID="22" presetClass="entr" presetSubtype="1" fill="hold" nodeType="clickEffect">
+                                  <p:stCondLst>
+                                    <p:cond delay="0"/>
+                                  </p:stCondLst>
+                                  <p:childTnLst>
+                                    <p:set>
+                                      <p:cBhvr>
+                                        <p:cTn id="116" dur="1" fill="hold">
+                                          <p:stCondLst>
+                                            <p:cond delay="0"/>
+                                          </p:stCondLst>
+                                        </p:cTn>
+                                        <p:tgtEl>
+                                          <p:spTgt spid="3087"/>
+                                        </p:tgtEl>
+                                        <p:attrNameLst>
+                                          <p:attrName>style.visibility</p:attrName>
+                                        </p:attrNameLst>
+                                      </p:cBhvr>
+                                      <p:to>
+                                        <p:strVal val="visible"/>
+                                      </p:to>
+                                    </p:set>
+                                    <p:animEffect transition="in" filter="wipe(up)">
+                                      <p:cBhvr>
+                                        <p:cTn id="117" dur="500"/>
+                                        <p:tgtEl>
+                                          <p:spTgt spid="3087"/>
+                                        </p:tgtEl>
+                                      </p:cBhvr>
+                                    </p:animEffect>
+                                  </p:childTnLst>
+                                </p:cTn>
+                              </p:par>
+                              <p:par>
+                                <p:cTn id="118" presetID="22" presetClass="entr" presetSubtype="1" fill="hold" nodeType="withEffect">
+                                  <p:stCondLst>
+                                    <p:cond delay="0"/>
+                                  </p:stCondLst>
+                                  <p:childTnLst>
+                                    <p:set>
+                                      <p:cBhvr>
+                                        <p:cTn id="119" dur="1" fill="hold">
+                                          <p:stCondLst>
+                                            <p:cond delay="0"/>
+                                          </p:stCondLst>
+                                        </p:cTn>
+                                        <p:tgtEl>
+                                          <p:spTgt spid="3088"/>
+                                        </p:tgtEl>
+                                        <p:attrNameLst>
+                                          <p:attrName>style.visibility</p:attrName>
+                                        </p:attrNameLst>
+                                      </p:cBhvr>
+                                      <p:to>
+                                        <p:strVal val="visible"/>
+                                      </p:to>
+                                    </p:set>
+                                    <p:animEffect transition="in" filter="wipe(up)">
+                                      <p:cBhvr>
+                                        <p:cTn id="120" dur="500"/>
+                                        <p:tgtEl>
+                                          <p:spTgt spid="3088"/>
+                                        </p:tgtEl>
+                                      </p:cBhvr>
+                                    </p:animEffect>
+                                  </p:childTnLst>
+                                </p:cTn>
+                              </p:par>
+                              <p:par>
+                                <p:cTn id="121" presetID="22" presetClass="entr" presetSubtype="1" fill="hold" nodeType="withEffect">
+                                  <p:stCondLst>
+                                    <p:cond delay="0"/>
+                                  </p:stCondLst>
+                                  <p:childTnLst>
+                                    <p:set>
+                                      <p:cBhvr>
+                                        <p:cTn id="122" dur="1" fill="hold">
+                                          <p:stCondLst>
+                                            <p:cond delay="0"/>
+                                          </p:stCondLst>
+                                        </p:cTn>
+                                        <p:tgtEl>
+                                          <p:spTgt spid="3089"/>
+                                        </p:tgtEl>
+                                        <p:attrNameLst>
+                                          <p:attrName>style.visibility</p:attrName>
+                                        </p:attrNameLst>
+                                      </p:cBhvr>
+                                      <p:to>
+                                        <p:strVal val="visible"/>
+                                      </p:to>
+                                    </p:set>
+                                    <p:animEffect transition="in" filter="wipe(up)">
+                                      <p:cBhvr>
+                                        <p:cTn id="123" dur="500"/>
+                                        <p:tgtEl>
+                                          <p:spTgt spid="3089"/>
+                                        </p:tgtEl>
+                                      </p:cBhvr>
+                                    </p:animEffect>
+                                  </p:childTnLst>
+                                </p:cTn>
+                              </p:par>
+                              <p:par>
+                                <p:cTn id="124" presetID="22" presetClass="entr" presetSubtype="1" fill="hold" nodeType="withEffect">
+                                  <p:stCondLst>
+                                    <p:cond delay="0"/>
+                                  </p:stCondLst>
+                                  <p:childTnLst>
+                                    <p:set>
+                                      <p:cBhvr>
+                                        <p:cTn id="125" dur="1" fill="hold">
+                                          <p:stCondLst>
+                                            <p:cond delay="0"/>
+                                          </p:stCondLst>
+                                        </p:cTn>
+                                        <p:tgtEl>
+                                          <p:spTgt spid="3090"/>
+                                        </p:tgtEl>
+                                        <p:attrNameLst>
+                                          <p:attrName>style.visibility</p:attrName>
+                                        </p:attrNameLst>
+                                      </p:cBhvr>
+                                      <p:to>
+                                        <p:strVal val="visible"/>
+                                      </p:to>
+                                    </p:set>
+                                    <p:animEffect transition="in" filter="wipe(up)">
+                                      <p:cBhvr>
+                                        <p:cTn id="126" dur="500"/>
+                                        <p:tgtEl>
+                                          <p:spTgt spid="3090"/>
+                                        </p:tgtEl>
+                                      </p:cBhvr>
+                                    </p:animEffect>
+                                  </p:childTnLst>
+                                </p:cTn>
+                              </p:par>
+                              <p:par>
+                                <p:cTn id="127" presetID="22" presetClass="entr" presetSubtype="1" fill="hold" nodeType="withEffect">
+                                  <p:stCondLst>
+                                    <p:cond delay="0"/>
+                                  </p:stCondLst>
+                                  <p:childTnLst>
+                                    <p:set>
+                                      <p:cBhvr>
+                                        <p:cTn id="128" dur="1" fill="hold">
+                                          <p:stCondLst>
+                                            <p:cond delay="0"/>
+                                          </p:stCondLst>
+                                        </p:cTn>
+                                        <p:tgtEl>
+                                          <p:spTgt spid="3093"/>
+                                        </p:tgtEl>
+                                        <p:attrNameLst>
+                                          <p:attrName>style.visibility</p:attrName>
+                                        </p:attrNameLst>
+                                      </p:cBhvr>
+                                      <p:to>
+                                        <p:strVal val="visible"/>
+                                      </p:to>
+                                    </p:set>
+                                    <p:animEffect transition="in" filter="wipe(up)">
+                                      <p:cBhvr>
+                                        <p:cTn id="129" dur="500"/>
+                                        <p:tgtEl>
+                                          <p:spTgt spid="3093"/>
+                                        </p:tgtEl>
+                                      </p:cBhvr>
+                                    </p:animEffect>
+                                  </p:childTnLst>
+                                </p:cTn>
+                              </p:par>
+                            </p:childTnLst>
+                          </p:cTn>
+                        </p:par>
+                      </p:childTnLst>
+                    </p:cTn>
+                  </p:par>
+                  <p:par>
+                    <p:cTn id="130" fill="hold">
+                      <p:stCondLst>
+                        <p:cond delay="indefinite"/>
+                      </p:stCondLst>
+                      <p:childTnLst>
+                        <p:par>
+                          <p:cTn id="131" fill="hold">
+                            <p:stCondLst>
+                              <p:cond delay="0"/>
+                            </p:stCondLst>
+                            <p:childTnLst>
+                              <p:par>
+                                <p:cTn id="132" presetID="10" presetClass="entr" presetSubtype="0" fill="hold" nodeType="clickEffect">
+                                  <p:stCondLst>
+                                    <p:cond delay="0"/>
+                                  </p:stCondLst>
+                                  <p:childTnLst>
+                                    <p:set>
+                                      <p:cBhvr>
+                                        <p:cTn id="133" dur="1" fill="hold">
+                                          <p:stCondLst>
+                                            <p:cond delay="0"/>
+                                          </p:stCondLst>
+                                        </p:cTn>
+                                        <p:tgtEl>
+                                          <p:spTgt spid="3091"/>
+                                        </p:tgtEl>
+                                        <p:attrNameLst>
+                                          <p:attrName>style.visibility</p:attrName>
+                                        </p:attrNameLst>
+                                      </p:cBhvr>
+                                      <p:to>
+                                        <p:strVal val="visible"/>
+                                      </p:to>
+                                    </p:set>
+                                    <p:animEffect transition="in" filter="fade">
+                                      <p:cBhvr>
+                                        <p:cTn id="134" dur="500"/>
+                                        <p:tgtEl>
+                                          <p:spTgt spid="3091"/>
+                                        </p:tgtEl>
+                                      </p:cBhvr>
+                                    </p:animEffect>
+                                  </p:childTnLst>
+                                </p:cTn>
+                              </p:par>
+                            </p:childTnLst>
+                          </p:cTn>
+                        </p:par>
+                      </p:childTnLst>
+                    </p:cTn>
+                  </p:par>
+                  <p:par>
+                    <p:cTn id="135" fill="hold">
+                      <p:stCondLst>
+                        <p:cond delay="indefinite"/>
+                      </p:stCondLst>
+                      <p:childTnLst>
+                        <p:par>
+                          <p:cTn id="136" fill="hold">
+                            <p:stCondLst>
+                              <p:cond delay="0"/>
+                            </p:stCondLst>
+                            <p:childTnLst>
+                              <p:par>
+                                <p:cTn id="137" presetID="22" presetClass="entr" presetSubtype="4" fill="hold" nodeType="clickEffect">
+                                  <p:stCondLst>
+                                    <p:cond delay="0"/>
+                                  </p:stCondLst>
+                                  <p:childTnLst>
+                                    <p:set>
+                                      <p:cBhvr>
+                                        <p:cTn id="138" dur="1" fill="hold">
+                                          <p:stCondLst>
+                                            <p:cond delay="0"/>
+                                          </p:stCondLst>
+                                        </p:cTn>
+                                        <p:tgtEl>
+                                          <p:spTgt spid="3092"/>
+                                        </p:tgtEl>
+                                        <p:attrNameLst>
+                                          <p:attrName>style.visibility</p:attrName>
+                                        </p:attrNameLst>
+                                      </p:cBhvr>
+                                      <p:to>
+                                        <p:strVal val="visible"/>
+                                      </p:to>
+                                    </p:set>
+                                    <p:animEffect transition="in" filter="wipe(down)">
+                                      <p:cBhvr>
+                                        <p:cTn id="139" dur="500"/>
+                                        <p:tgtEl>
+                                          <p:spTgt spid="3092"/>
+                                        </p:tgtEl>
+                                      </p:cBhvr>
+                                    </p:animEffect>
                                   </p:childTnLst>
                                 </p:cTn>
                               </p:par>

--- a/01_doc/Presentations/Dossier 2022-2023 Julien/Présentation Soutenance de stage.pptx
+++ b/01_doc/Presentations/Dossier 2022-2023 Julien/Présentation Soutenance de stage.pptx
@@ -12024,7 +12024,7 @@
           <p:nvPr/>
         </p:nvPicPr>
         <p:blipFill>
-          <a:blip r:embed="rId3">
+          <a:blip r:embed="rId2">
             <a:extLst>
               <a:ext uri="{28A0092B-C50C-407E-A947-70E740481C1C}">
                 <a14:useLocalDpi xmlns:a14="http://schemas.microsoft.com/office/drawing/2010/main" val="0"/>
@@ -12060,7 +12060,7 @@
           <p:nvPr/>
         </p:nvPicPr>
         <p:blipFill>
-          <a:blip r:embed="rId4">
+          <a:blip r:embed="rId3">
             <a:extLst>
               <a:ext uri="{28A0092B-C50C-407E-A947-70E740481C1C}">
                 <a14:useLocalDpi xmlns:a14="http://schemas.microsoft.com/office/drawing/2010/main" val="0"/>
@@ -12101,7 +12101,7 @@
           <p:nvPr/>
         </p:nvPicPr>
         <p:blipFill>
-          <a:blip r:embed="rId5">
+          <a:blip r:embed="rId4">
             <a:extLst>
               <a:ext uri="{28A0092B-C50C-407E-A947-70E740481C1C}">
                 <a14:useLocalDpi xmlns:a14="http://schemas.microsoft.com/office/drawing/2010/main" val="0"/>
@@ -12148,7 +12148,7 @@
           <p:nvPr/>
         </p:nvPicPr>
         <p:blipFill>
-          <a:blip r:embed="rId6">
+          <a:blip r:embed="rId5">
             <a:extLst>
               <a:ext uri="{28A0092B-C50C-407E-A947-70E740481C1C}">
                 <a14:useLocalDpi xmlns:a14="http://schemas.microsoft.com/office/drawing/2010/main" val="0"/>
@@ -12195,7 +12195,7 @@
           <p:nvPr/>
         </p:nvPicPr>
         <p:blipFill>
-          <a:blip r:embed="rId7">
+          <a:blip r:embed="rId6">
             <a:extLst>
               <a:ext uri="{28A0092B-C50C-407E-A947-70E740481C1C}">
                 <a14:useLocalDpi xmlns:a14="http://schemas.microsoft.com/office/drawing/2010/main" val="0"/>
@@ -12242,7 +12242,7 @@
           <p:nvPr/>
         </p:nvPicPr>
         <p:blipFill>
-          <a:blip r:embed="rId8">
+          <a:blip r:embed="rId7">
             <a:extLst>
               <a:ext uri="{28A0092B-C50C-407E-A947-70E740481C1C}">
                 <a14:useLocalDpi xmlns:a14="http://schemas.microsoft.com/office/drawing/2010/main" val="0"/>
@@ -12289,7 +12289,7 @@
           <p:nvPr/>
         </p:nvPicPr>
         <p:blipFill>
-          <a:blip r:embed="rId9">
+          <a:blip r:embed="rId8">
             <a:extLst>
               <a:ext uri="{28A0092B-C50C-407E-A947-70E740481C1C}">
                 <a14:useLocalDpi xmlns:a14="http://schemas.microsoft.com/office/drawing/2010/main" val="0"/>
@@ -12336,7 +12336,7 @@
           <p:nvPr/>
         </p:nvPicPr>
         <p:blipFill>
-          <a:blip r:embed="rId10">
+          <a:blip r:embed="rId9">
             <a:extLst>
               <a:ext uri="{28A0092B-C50C-407E-A947-70E740481C1C}">
                 <a14:useLocalDpi xmlns:a14="http://schemas.microsoft.com/office/drawing/2010/main" val="0"/>
@@ -12383,7 +12383,7 @@
           <p:nvPr/>
         </p:nvPicPr>
         <p:blipFill>
-          <a:blip r:embed="rId11">
+          <a:blip r:embed="rId10">
             <a:extLst>
               <a:ext uri="{28A0092B-C50C-407E-A947-70E740481C1C}">
                 <a14:useLocalDpi xmlns:a14="http://schemas.microsoft.com/office/drawing/2010/main" val="0"/>
@@ -12430,7 +12430,7 @@
           <p:nvPr/>
         </p:nvPicPr>
         <p:blipFill>
-          <a:blip r:embed="rId12">
+          <a:blip r:embed="rId11">
             <a:extLst>
               <a:ext uri="{28A0092B-C50C-407E-A947-70E740481C1C}">
                 <a14:useLocalDpi xmlns:a14="http://schemas.microsoft.com/office/drawing/2010/main" val="0"/>
@@ -12477,7 +12477,7 @@
           <p:nvPr/>
         </p:nvPicPr>
         <p:blipFill>
-          <a:blip r:embed="rId13">
+          <a:blip r:embed="rId12">
             <a:extLst>
               <a:ext uri="{28A0092B-C50C-407E-A947-70E740481C1C}">
                 <a14:useLocalDpi xmlns:a14="http://schemas.microsoft.com/office/drawing/2010/main" val="0"/>
@@ -12524,7 +12524,7 @@
           <p:nvPr/>
         </p:nvPicPr>
         <p:blipFill>
-          <a:blip r:embed="rId14">
+          <a:blip r:embed="rId13">
             <a:extLst>
               <a:ext uri="{28A0092B-C50C-407E-A947-70E740481C1C}">
                 <a14:useLocalDpi xmlns:a14="http://schemas.microsoft.com/office/drawing/2010/main" val="0"/>
@@ -12571,7 +12571,7 @@
           <p:nvPr/>
         </p:nvPicPr>
         <p:blipFill>
-          <a:blip r:embed="rId15">
+          <a:blip r:embed="rId14">
             <a:extLst>
               <a:ext uri="{28A0092B-C50C-407E-A947-70E740481C1C}">
                 <a14:useLocalDpi xmlns:a14="http://schemas.microsoft.com/office/drawing/2010/main" val="0"/>
